--- a/Work schedule.pptx
+++ b/Work schedule.pptx
@@ -5,18 +5,32 @@
     <p:sldMasterId id="2147483648" r:id="rId1"/>
   </p:sldMasterIdLst>
   <p:notesMasterIdLst>
-    <p:notesMasterId r:id="rId11"/>
+    <p:notesMasterId r:id="rId25"/>
   </p:notesMasterIdLst>
   <p:sldIdLst>
     <p:sldId id="256" r:id="rId2"/>
-    <p:sldId id="263" r:id="rId3"/>
-    <p:sldId id="257" r:id="rId4"/>
-    <p:sldId id="261" r:id="rId5"/>
-    <p:sldId id="262" r:id="rId6"/>
-    <p:sldId id="258" r:id="rId7"/>
-    <p:sldId id="264" r:id="rId8"/>
-    <p:sldId id="259" r:id="rId9"/>
-    <p:sldId id="260" r:id="rId10"/>
+    <p:sldId id="265" r:id="rId3"/>
+    <p:sldId id="263" r:id="rId4"/>
+    <p:sldId id="270" r:id="rId5"/>
+    <p:sldId id="257" r:id="rId6"/>
+    <p:sldId id="261" r:id="rId7"/>
+    <p:sldId id="262" r:id="rId8"/>
+    <p:sldId id="258" r:id="rId9"/>
+    <p:sldId id="269" r:id="rId10"/>
+    <p:sldId id="264" r:id="rId11"/>
+    <p:sldId id="259" r:id="rId12"/>
+    <p:sldId id="260" r:id="rId13"/>
+    <p:sldId id="274" r:id="rId14"/>
+    <p:sldId id="276" r:id="rId15"/>
+    <p:sldId id="275" r:id="rId16"/>
+    <p:sldId id="277" r:id="rId17"/>
+    <p:sldId id="278" r:id="rId18"/>
+    <p:sldId id="266" r:id="rId19"/>
+    <p:sldId id="267" r:id="rId20"/>
+    <p:sldId id="273" r:id="rId21"/>
+    <p:sldId id="272" r:id="rId22"/>
+    <p:sldId id="271" r:id="rId23"/>
+    <p:sldId id="268" r:id="rId24"/>
   </p:sldIdLst>
   <p:sldSz cx="12192000" cy="6858000"/>
   <p:notesSz cx="6858000" cy="9144000"/>
@@ -115,6 +129,11 @@
       </a:defRPr>
     </a:lvl9pPr>
   </p:defaultTextStyle>
+  <p:extLst>
+    <p:ext uri="{EFAFB233-063F-42B5-8137-9DF3F51BA10A}">
+      <p15:sldGuideLst xmlns:p15="http://schemas.microsoft.com/office/powerpoint/2012/main"/>
+    </p:ext>
+  </p:extLst>
 </p:presentation>
 </file>
 
@@ -200,7 +219,7 @@
           <a:p>
             <a:fld id="{B3DA1171-4DBB-4F83-8575-A8A6B55B05AF}" type="datetimeFigureOut">
               <a:rPr lang="en-US" smtClean="0"/>
-              <a:t>4/13/2024</a:t>
+              <a:t>4/27/2024</a:t>
             </a:fld>
             <a:endParaRPr lang="en-US"/>
           </a:p>
@@ -533,7 +552,7 @@
           <a:p>
             <a:fld id="{7DA84C78-F688-4AD2-9AF0-E6091E35C699}" type="slidenum">
               <a:rPr lang="en-US" smtClean="0"/>
-              <a:t>3</a:t>
+              <a:t>5</a:t>
             </a:fld>
             <a:endParaRPr lang="en-US"/>
           </a:p>
@@ -617,7 +636,7 @@
           <a:p>
             <a:fld id="{7DA84C78-F688-4AD2-9AF0-E6091E35C699}" type="slidenum">
               <a:rPr lang="en-US" smtClean="0"/>
-              <a:t>4</a:t>
+              <a:t>6</a:t>
             </a:fld>
             <a:endParaRPr lang="en-US"/>
           </a:p>
@@ -701,7 +720,7 @@
           <a:p>
             <a:fld id="{7DA84C78-F688-4AD2-9AF0-E6091E35C699}" type="slidenum">
               <a:rPr lang="en-US" smtClean="0"/>
-              <a:t>5</a:t>
+              <a:t>7</a:t>
             </a:fld>
             <a:endParaRPr lang="en-US"/>
           </a:p>
@@ -851,7 +870,7 @@
           <a:p>
             <a:fld id="{6AEF05C9-2CBA-4AC1-B13B-ED0A1AAD20F6}" type="datetimeFigureOut">
               <a:rPr lang="en-US" smtClean="0"/>
-              <a:t>4/13/2024</a:t>
+              <a:t>4/27/2024</a:t>
             </a:fld>
             <a:endParaRPr lang="en-US"/>
           </a:p>
@@ -1021,7 +1040,7 @@
           <a:p>
             <a:fld id="{6AEF05C9-2CBA-4AC1-B13B-ED0A1AAD20F6}" type="datetimeFigureOut">
               <a:rPr lang="en-US" smtClean="0"/>
-              <a:t>4/13/2024</a:t>
+              <a:t>4/27/2024</a:t>
             </a:fld>
             <a:endParaRPr lang="en-US"/>
           </a:p>
@@ -1201,7 +1220,7 @@
           <a:p>
             <a:fld id="{6AEF05C9-2CBA-4AC1-B13B-ED0A1AAD20F6}" type="datetimeFigureOut">
               <a:rPr lang="en-US" smtClean="0"/>
-              <a:t>4/13/2024</a:t>
+              <a:t>4/27/2024</a:t>
             </a:fld>
             <a:endParaRPr lang="en-US"/>
           </a:p>
@@ -1371,7 +1390,7 @@
           <a:p>
             <a:fld id="{6AEF05C9-2CBA-4AC1-B13B-ED0A1AAD20F6}" type="datetimeFigureOut">
               <a:rPr lang="en-US" smtClean="0"/>
-              <a:t>4/13/2024</a:t>
+              <a:t>4/27/2024</a:t>
             </a:fld>
             <a:endParaRPr lang="en-US"/>
           </a:p>
@@ -1617,7 +1636,7 @@
           <a:p>
             <a:fld id="{6AEF05C9-2CBA-4AC1-B13B-ED0A1AAD20F6}" type="datetimeFigureOut">
               <a:rPr lang="en-US" smtClean="0"/>
-              <a:t>4/13/2024</a:t>
+              <a:t>4/27/2024</a:t>
             </a:fld>
             <a:endParaRPr lang="en-US"/>
           </a:p>
@@ -1849,7 +1868,7 @@
           <a:p>
             <a:fld id="{6AEF05C9-2CBA-4AC1-B13B-ED0A1AAD20F6}" type="datetimeFigureOut">
               <a:rPr lang="en-US" smtClean="0"/>
-              <a:t>4/13/2024</a:t>
+              <a:t>4/27/2024</a:t>
             </a:fld>
             <a:endParaRPr lang="en-US"/>
           </a:p>
@@ -2216,7 +2235,7 @@
           <a:p>
             <a:fld id="{6AEF05C9-2CBA-4AC1-B13B-ED0A1AAD20F6}" type="datetimeFigureOut">
               <a:rPr lang="en-US" smtClean="0"/>
-              <a:t>4/13/2024</a:t>
+              <a:t>4/27/2024</a:t>
             </a:fld>
             <a:endParaRPr lang="en-US"/>
           </a:p>
@@ -2334,7 +2353,7 @@
           <a:p>
             <a:fld id="{6AEF05C9-2CBA-4AC1-B13B-ED0A1AAD20F6}" type="datetimeFigureOut">
               <a:rPr lang="en-US" smtClean="0"/>
-              <a:t>4/13/2024</a:t>
+              <a:t>4/27/2024</a:t>
             </a:fld>
             <a:endParaRPr lang="en-US"/>
           </a:p>
@@ -2429,7 +2448,7 @@
           <a:p>
             <a:fld id="{6AEF05C9-2CBA-4AC1-B13B-ED0A1AAD20F6}" type="datetimeFigureOut">
               <a:rPr lang="en-US" smtClean="0"/>
-              <a:t>4/13/2024</a:t>
+              <a:t>4/27/2024</a:t>
             </a:fld>
             <a:endParaRPr lang="en-US"/>
           </a:p>
@@ -2706,7 +2725,7 @@
           <a:p>
             <a:fld id="{6AEF05C9-2CBA-4AC1-B13B-ED0A1AAD20F6}" type="datetimeFigureOut">
               <a:rPr lang="en-US" smtClean="0"/>
-              <a:t>4/13/2024</a:t>
+              <a:t>4/27/2024</a:t>
             </a:fld>
             <a:endParaRPr lang="en-US"/>
           </a:p>
@@ -2959,7 +2978,7 @@
           <a:p>
             <a:fld id="{6AEF05C9-2CBA-4AC1-B13B-ED0A1AAD20F6}" type="datetimeFigureOut">
               <a:rPr lang="en-US" smtClean="0"/>
-              <a:t>4/13/2024</a:t>
+              <a:t>4/27/2024</a:t>
             </a:fld>
             <a:endParaRPr lang="en-US"/>
           </a:p>
@@ -3172,7 +3191,7 @@
           <a:p>
             <a:fld id="{6AEF05C9-2CBA-4AC1-B13B-ED0A1AAD20F6}" type="datetimeFigureOut">
               <a:rPr lang="en-US" smtClean="0"/>
-              <a:t>4/13/2024</a:t>
+              <a:t>4/27/2024</a:t>
             </a:fld>
             <a:endParaRPr lang="en-US"/>
           </a:p>
@@ -3644,6 +3663,1006 @@
 </p:sld>
 </file>
 
+<file path=ppt/slides/slide10.xml><?xml version="1.0" encoding="utf-8"?>
+<p:sld xmlns:a="http://schemas.openxmlformats.org/drawingml/2006/main" xmlns:r="http://schemas.openxmlformats.org/officeDocument/2006/relationships" xmlns:p="http://schemas.openxmlformats.org/presentationml/2006/main">
+  <p:cSld>
+    <p:spTree>
+      <p:nvGrpSpPr>
+        <p:cNvPr id="1" name=""/>
+        <p:cNvGrpSpPr/>
+        <p:nvPr/>
+      </p:nvGrpSpPr>
+      <p:grpSpPr>
+        <a:xfrm>
+          <a:off x="0" y="0"/>
+          <a:ext cx="0" cy="0"/>
+          <a:chOff x="0" y="0"/>
+          <a:chExt cx="0" cy="0"/>
+        </a:xfrm>
+      </p:grpSpPr>
+      <p:sp>
+        <p:nvSpPr>
+          <p:cNvPr id="2" name="Title 1"/>
+          <p:cNvSpPr>
+            <a:spLocks noGrp="1"/>
+          </p:cNvSpPr>
+          <p:nvPr>
+            <p:ph type="title"/>
+          </p:nvPr>
+        </p:nvSpPr>
+        <p:spPr/>
+        <p:txBody>
+          <a:bodyPr/>
+          <a:lstStyle/>
+          <a:p>
+            <a:r>
+              <a:rPr lang="en-US" altLang="zh-TW" dirty="0" smtClean="0"/>
+              <a:t>Run03.bat (1)</a:t>
+            </a:r>
+            <a:endParaRPr lang="en-US" dirty="0"/>
+          </a:p>
+        </p:txBody>
+      </p:sp>
+      <p:pic>
+        <p:nvPicPr>
+          <p:cNvPr id="4" name="Picture 3"/>
+          <p:cNvPicPr>
+            <a:picLocks noChangeAspect="1"/>
+          </p:cNvPicPr>
+          <p:nvPr/>
+        </p:nvPicPr>
+        <p:blipFill>
+          <a:blip r:embed="rId2"/>
+          <a:stretch>
+            <a:fillRect/>
+          </a:stretch>
+        </p:blipFill>
+        <p:spPr>
+          <a:xfrm>
+            <a:off x="4154462" y="525625"/>
+            <a:ext cx="6791178" cy="5238909"/>
+          </a:xfrm>
+          <a:prstGeom prst="rect">
+            <a:avLst/>
+          </a:prstGeom>
+        </p:spPr>
+      </p:pic>
+    </p:spTree>
+    <p:extLst>
+      <p:ext uri="{BB962C8B-B14F-4D97-AF65-F5344CB8AC3E}">
+        <p14:creationId xmlns:p14="http://schemas.microsoft.com/office/powerpoint/2010/main" val="544881435"/>
+      </p:ext>
+    </p:extLst>
+  </p:cSld>
+  <p:clrMapOvr>
+    <a:masterClrMapping/>
+  </p:clrMapOvr>
+</p:sld>
+</file>
+
+<file path=ppt/slides/slide11.xml><?xml version="1.0" encoding="utf-8"?>
+<p:sld xmlns:a="http://schemas.openxmlformats.org/drawingml/2006/main" xmlns:r="http://schemas.openxmlformats.org/officeDocument/2006/relationships" xmlns:p="http://schemas.openxmlformats.org/presentationml/2006/main">
+  <p:cSld>
+    <p:spTree>
+      <p:nvGrpSpPr>
+        <p:cNvPr id="1" name=""/>
+        <p:cNvGrpSpPr/>
+        <p:nvPr/>
+      </p:nvGrpSpPr>
+      <p:grpSpPr>
+        <a:xfrm>
+          <a:off x="0" y="0"/>
+          <a:ext cx="0" cy="0"/>
+          <a:chOff x="0" y="0"/>
+          <a:chExt cx="0" cy="0"/>
+        </a:xfrm>
+      </p:grpSpPr>
+      <p:sp>
+        <p:nvSpPr>
+          <p:cNvPr id="2" name="Title 1"/>
+          <p:cNvSpPr>
+            <a:spLocks noGrp="1"/>
+          </p:cNvSpPr>
+          <p:nvPr>
+            <p:ph type="title"/>
+          </p:nvPr>
+        </p:nvSpPr>
+        <p:spPr/>
+        <p:txBody>
+          <a:bodyPr/>
+          <a:lstStyle/>
+          <a:p>
+            <a:r>
+              <a:rPr lang="en-US" altLang="zh-TW" dirty="0" smtClean="0"/>
+              <a:t>Run03.bat (2)</a:t>
+            </a:r>
+            <a:endParaRPr lang="en-US" dirty="0"/>
+          </a:p>
+        </p:txBody>
+      </p:sp>
+      <p:pic>
+        <p:nvPicPr>
+          <p:cNvPr id="3" name="Picture 2"/>
+          <p:cNvPicPr>
+            <a:picLocks noChangeAspect="1"/>
+          </p:cNvPicPr>
+          <p:nvPr/>
+        </p:nvPicPr>
+        <p:blipFill>
+          <a:blip r:embed="rId2"/>
+          <a:stretch>
+            <a:fillRect/>
+          </a:stretch>
+        </p:blipFill>
+        <p:spPr>
+          <a:xfrm>
+            <a:off x="203965" y="1444385"/>
+            <a:ext cx="11784070" cy="5001323"/>
+          </a:xfrm>
+          <a:prstGeom prst="rect">
+            <a:avLst/>
+          </a:prstGeom>
+        </p:spPr>
+      </p:pic>
+    </p:spTree>
+    <p:extLst>
+      <p:ext uri="{BB962C8B-B14F-4D97-AF65-F5344CB8AC3E}">
+        <p14:creationId xmlns:p14="http://schemas.microsoft.com/office/powerpoint/2010/main" val="2480588477"/>
+      </p:ext>
+    </p:extLst>
+  </p:cSld>
+  <p:clrMapOvr>
+    <a:masterClrMapping/>
+  </p:clrMapOvr>
+</p:sld>
+</file>
+
+<file path=ppt/slides/slide12.xml><?xml version="1.0" encoding="utf-8"?>
+<p:sld xmlns:a="http://schemas.openxmlformats.org/drawingml/2006/main" xmlns:r="http://schemas.openxmlformats.org/officeDocument/2006/relationships" xmlns:p="http://schemas.openxmlformats.org/presentationml/2006/main">
+  <p:cSld>
+    <p:spTree>
+      <p:nvGrpSpPr>
+        <p:cNvPr id="1" name=""/>
+        <p:cNvGrpSpPr/>
+        <p:nvPr/>
+      </p:nvGrpSpPr>
+      <p:grpSpPr>
+        <a:xfrm>
+          <a:off x="0" y="0"/>
+          <a:ext cx="0" cy="0"/>
+          <a:chOff x="0" y="0"/>
+          <a:chExt cx="0" cy="0"/>
+        </a:xfrm>
+      </p:grpSpPr>
+      <p:sp>
+        <p:nvSpPr>
+          <p:cNvPr id="2" name="Title 1"/>
+          <p:cNvSpPr>
+            <a:spLocks noGrp="1"/>
+          </p:cNvSpPr>
+          <p:nvPr>
+            <p:ph type="title"/>
+          </p:nvPr>
+        </p:nvSpPr>
+        <p:spPr/>
+        <p:txBody>
+          <a:bodyPr/>
+          <a:lstStyle/>
+          <a:p>
+            <a:r>
+              <a:rPr lang="en-US" altLang="zh-TW" dirty="0" smtClean="0"/>
+              <a:t>Run03.bat (3)</a:t>
+            </a:r>
+            <a:endParaRPr lang="en-US" dirty="0"/>
+          </a:p>
+        </p:txBody>
+      </p:sp>
+      <p:pic>
+        <p:nvPicPr>
+          <p:cNvPr id="4" name="Picture 3"/>
+          <p:cNvPicPr>
+            <a:picLocks noChangeAspect="1"/>
+          </p:cNvPicPr>
+          <p:nvPr/>
+        </p:nvPicPr>
+        <p:blipFill>
+          <a:blip r:embed="rId2"/>
+          <a:stretch>
+            <a:fillRect/>
+          </a:stretch>
+        </p:blipFill>
+        <p:spPr>
+          <a:xfrm>
+            <a:off x="646206" y="1453404"/>
+            <a:ext cx="10707594" cy="4820323"/>
+          </a:xfrm>
+          <a:prstGeom prst="rect">
+            <a:avLst/>
+          </a:prstGeom>
+        </p:spPr>
+      </p:pic>
+      <p:sp>
+        <p:nvSpPr>
+          <p:cNvPr id="5" name="Rectangle 4"/>
+          <p:cNvSpPr/>
+          <p:nvPr/>
+        </p:nvSpPr>
+        <p:spPr>
+          <a:xfrm>
+            <a:off x="958353" y="6273727"/>
+            <a:ext cx="5706306" cy="369332"/>
+          </a:xfrm>
+          <a:prstGeom prst="rect">
+            <a:avLst/>
+          </a:prstGeom>
+        </p:spPr>
+        <p:txBody>
+          <a:bodyPr wrap="none">
+            <a:spAutoFit/>
+          </a:bodyPr>
+          <a:lstStyle/>
+          <a:p>
+            <a:r>
+              <a:rPr lang="en-US" dirty="0" smtClean="0"/>
+              <a:t>Start in: </a:t>
+            </a:r>
+            <a:r>
+              <a:rPr lang="en-US" dirty="0" smtClean="0">
+                <a:solidFill>
+                  <a:srgbClr val="FF0000"/>
+                </a:solidFill>
+              </a:rPr>
+              <a:t>C:\Users\Elebc_GPU_Server\Desktop\排程抓資料</a:t>
+            </a:r>
+            <a:endParaRPr lang="en-US" dirty="0">
+              <a:solidFill>
+                <a:srgbClr val="FF0000"/>
+              </a:solidFill>
+            </a:endParaRPr>
+          </a:p>
+        </p:txBody>
+      </p:sp>
+    </p:spTree>
+    <p:extLst>
+      <p:ext uri="{BB962C8B-B14F-4D97-AF65-F5344CB8AC3E}">
+        <p14:creationId xmlns:p14="http://schemas.microsoft.com/office/powerpoint/2010/main" val="2154731448"/>
+      </p:ext>
+    </p:extLst>
+  </p:cSld>
+  <p:clrMapOvr>
+    <a:masterClrMapping/>
+  </p:clrMapOvr>
+</p:sld>
+</file>
+
+<file path=ppt/slides/slide13.xml><?xml version="1.0" encoding="utf-8"?>
+<p:sld xmlns:a="http://schemas.openxmlformats.org/drawingml/2006/main" xmlns:r="http://schemas.openxmlformats.org/officeDocument/2006/relationships" xmlns:p="http://schemas.openxmlformats.org/presentationml/2006/main">
+  <p:cSld>
+    <p:spTree>
+      <p:nvGrpSpPr>
+        <p:cNvPr id="1" name=""/>
+        <p:cNvGrpSpPr/>
+        <p:nvPr/>
+      </p:nvGrpSpPr>
+      <p:grpSpPr>
+        <a:xfrm>
+          <a:off x="0" y="0"/>
+          <a:ext cx="0" cy="0"/>
+          <a:chOff x="0" y="0"/>
+          <a:chExt cx="0" cy="0"/>
+        </a:xfrm>
+      </p:grpSpPr>
+      <p:sp>
+        <p:nvSpPr>
+          <p:cNvPr id="2" name="Title 1"/>
+          <p:cNvSpPr>
+            <a:spLocks noGrp="1"/>
+          </p:cNvSpPr>
+          <p:nvPr>
+            <p:ph type="title"/>
+          </p:nvPr>
+        </p:nvSpPr>
+        <p:spPr/>
+        <p:txBody>
+          <a:bodyPr/>
+          <a:lstStyle/>
+          <a:p>
+            <a:r>
+              <a:rPr lang="en-US" altLang="zh-TW" dirty="0" smtClean="0"/>
+              <a:t>Run04.bat</a:t>
+            </a:r>
+            <a:endParaRPr lang="en-US" dirty="0"/>
+          </a:p>
+        </p:txBody>
+      </p:sp>
+      <p:sp>
+        <p:nvSpPr>
+          <p:cNvPr id="3" name="Content Placeholder 2"/>
+          <p:cNvSpPr>
+            <a:spLocks noGrp="1"/>
+          </p:cNvSpPr>
+          <p:nvPr>
+            <p:ph idx="1"/>
+          </p:nvPr>
+        </p:nvSpPr>
+        <p:spPr/>
+        <p:txBody>
+          <a:bodyPr/>
+          <a:lstStyle/>
+          <a:p>
+            <a:r>
+              <a:rPr lang="en-US" dirty="0"/>
+              <a:t>Compute the </a:t>
+            </a:r>
+            <a:r>
+              <a:rPr lang="en-US" dirty="0">
+                <a:solidFill>
+                  <a:srgbClr val="FF0000"/>
+                </a:solidFill>
+              </a:rPr>
+              <a:t>former day</a:t>
+            </a:r>
+            <a:r>
+              <a:rPr lang="en-US" dirty="0"/>
+              <a:t>’ EV by “merged data.xlsx</a:t>
+            </a:r>
+            <a:r>
+              <a:rPr lang="en-US" dirty="0" smtClean="0"/>
+              <a:t>”</a:t>
+            </a:r>
+          </a:p>
+          <a:p>
+            <a:r>
+              <a:rPr lang="en-US" dirty="0" smtClean="0"/>
+              <a:t>Output file </a:t>
+            </a:r>
+            <a:r>
+              <a:rPr lang="en-US" dirty="0"/>
+              <a:t>example 2024-04-23 </a:t>
+            </a:r>
+            <a:r>
+              <a:rPr lang="en-US" dirty="0">
+                <a:solidFill>
+                  <a:srgbClr val="FF0000"/>
+                </a:solidFill>
+              </a:rPr>
+              <a:t>EV.xlsx</a:t>
+            </a:r>
+          </a:p>
+        </p:txBody>
+      </p:sp>
+    </p:spTree>
+    <p:extLst>
+      <p:ext uri="{BB962C8B-B14F-4D97-AF65-F5344CB8AC3E}">
+        <p14:creationId xmlns:p14="http://schemas.microsoft.com/office/powerpoint/2010/main" val="3865765311"/>
+      </p:ext>
+    </p:extLst>
+  </p:cSld>
+  <p:clrMapOvr>
+    <a:masterClrMapping/>
+  </p:clrMapOvr>
+</p:sld>
+</file>
+
+<file path=ppt/slides/slide14.xml><?xml version="1.0" encoding="utf-8"?>
+<p:sld xmlns:a="http://schemas.openxmlformats.org/drawingml/2006/main" xmlns:r="http://schemas.openxmlformats.org/officeDocument/2006/relationships" xmlns:p="http://schemas.openxmlformats.org/presentationml/2006/main">
+  <p:cSld>
+    <p:spTree>
+      <p:nvGrpSpPr>
+        <p:cNvPr id="1" name=""/>
+        <p:cNvGrpSpPr/>
+        <p:nvPr/>
+      </p:nvGrpSpPr>
+      <p:grpSpPr>
+        <a:xfrm>
+          <a:off x="0" y="0"/>
+          <a:ext cx="0" cy="0"/>
+          <a:chOff x="0" y="0"/>
+          <a:chExt cx="0" cy="0"/>
+        </a:xfrm>
+      </p:grpSpPr>
+      <p:sp>
+        <p:nvSpPr>
+          <p:cNvPr id="2" name="Title 1"/>
+          <p:cNvSpPr>
+            <a:spLocks noGrp="1"/>
+          </p:cNvSpPr>
+          <p:nvPr>
+            <p:ph type="title"/>
+          </p:nvPr>
+        </p:nvSpPr>
+        <p:spPr/>
+        <p:txBody>
+          <a:bodyPr/>
+          <a:lstStyle/>
+          <a:p>
+            <a:r>
+              <a:rPr lang="en-US" altLang="zh-TW" dirty="0" smtClean="0"/>
+              <a:t>Run04.bat (0)</a:t>
+            </a:r>
+            <a:endParaRPr lang="en-US" dirty="0"/>
+          </a:p>
+        </p:txBody>
+      </p:sp>
+      <p:pic>
+        <p:nvPicPr>
+          <p:cNvPr id="5" name="Picture 4"/>
+          <p:cNvPicPr>
+            <a:picLocks noChangeAspect="1"/>
+          </p:cNvPicPr>
+          <p:nvPr/>
+        </p:nvPicPr>
+        <p:blipFill>
+          <a:blip r:embed="rId2"/>
+          <a:stretch>
+            <a:fillRect/>
+          </a:stretch>
+        </p:blipFill>
+        <p:spPr>
+          <a:xfrm>
+            <a:off x="838200" y="1690688"/>
+            <a:ext cx="10282084" cy="1969396"/>
+          </a:xfrm>
+          <a:prstGeom prst="rect">
+            <a:avLst/>
+          </a:prstGeom>
+          <a:ln>
+            <a:solidFill>
+              <a:schemeClr val="tx1"/>
+            </a:solidFill>
+          </a:ln>
+        </p:spPr>
+      </p:pic>
+    </p:spTree>
+    <p:extLst>
+      <p:ext uri="{BB962C8B-B14F-4D97-AF65-F5344CB8AC3E}">
+        <p14:creationId xmlns:p14="http://schemas.microsoft.com/office/powerpoint/2010/main" val="3620230995"/>
+      </p:ext>
+    </p:extLst>
+  </p:cSld>
+  <p:clrMapOvr>
+    <a:masterClrMapping/>
+  </p:clrMapOvr>
+</p:sld>
+</file>
+
+<file path=ppt/slides/slide15.xml><?xml version="1.0" encoding="utf-8"?>
+<p:sld xmlns:a="http://schemas.openxmlformats.org/drawingml/2006/main" xmlns:r="http://schemas.openxmlformats.org/officeDocument/2006/relationships" xmlns:p="http://schemas.openxmlformats.org/presentationml/2006/main">
+  <p:cSld>
+    <p:spTree>
+      <p:nvGrpSpPr>
+        <p:cNvPr id="1" name=""/>
+        <p:cNvGrpSpPr/>
+        <p:nvPr/>
+      </p:nvGrpSpPr>
+      <p:grpSpPr>
+        <a:xfrm>
+          <a:off x="0" y="0"/>
+          <a:ext cx="0" cy="0"/>
+          <a:chOff x="0" y="0"/>
+          <a:chExt cx="0" cy="0"/>
+        </a:xfrm>
+      </p:grpSpPr>
+      <p:sp>
+        <p:nvSpPr>
+          <p:cNvPr id="2" name="Title 1"/>
+          <p:cNvSpPr>
+            <a:spLocks noGrp="1"/>
+          </p:cNvSpPr>
+          <p:nvPr>
+            <p:ph type="title"/>
+          </p:nvPr>
+        </p:nvSpPr>
+        <p:spPr/>
+        <p:txBody>
+          <a:bodyPr/>
+          <a:lstStyle/>
+          <a:p>
+            <a:r>
+              <a:rPr lang="en-US" altLang="zh-TW" dirty="0" smtClean="0"/>
+              <a:t>Run04.bat</a:t>
+            </a:r>
+            <a:r>
+              <a:rPr lang="zh-TW" altLang="en-US" dirty="0" smtClean="0"/>
+              <a:t> </a:t>
+            </a:r>
+            <a:r>
+              <a:rPr lang="en-US" altLang="zh-TW" dirty="0" smtClean="0"/>
+              <a:t>(1)</a:t>
+            </a:r>
+            <a:endParaRPr lang="en-US" dirty="0"/>
+          </a:p>
+        </p:txBody>
+      </p:sp>
+      <p:pic>
+        <p:nvPicPr>
+          <p:cNvPr id="5" name="Picture 4"/>
+          <p:cNvPicPr>
+            <a:picLocks noChangeAspect="1"/>
+          </p:cNvPicPr>
+          <p:nvPr/>
+        </p:nvPicPr>
+        <p:blipFill>
+          <a:blip r:embed="rId2"/>
+          <a:stretch>
+            <a:fillRect/>
+          </a:stretch>
+        </p:blipFill>
+        <p:spPr>
+          <a:xfrm>
+            <a:off x="3147601" y="1529984"/>
+            <a:ext cx="5896798" cy="4505954"/>
+          </a:xfrm>
+          <a:prstGeom prst="rect">
+            <a:avLst/>
+          </a:prstGeom>
+        </p:spPr>
+      </p:pic>
+    </p:spTree>
+    <p:extLst>
+      <p:ext uri="{BB962C8B-B14F-4D97-AF65-F5344CB8AC3E}">
+        <p14:creationId xmlns:p14="http://schemas.microsoft.com/office/powerpoint/2010/main" val="323526327"/>
+      </p:ext>
+    </p:extLst>
+  </p:cSld>
+  <p:clrMapOvr>
+    <a:masterClrMapping/>
+  </p:clrMapOvr>
+</p:sld>
+</file>
+
+<file path=ppt/slides/slide16.xml><?xml version="1.0" encoding="utf-8"?>
+<p:sld xmlns:a="http://schemas.openxmlformats.org/drawingml/2006/main" xmlns:r="http://schemas.openxmlformats.org/officeDocument/2006/relationships" xmlns:p="http://schemas.openxmlformats.org/presentationml/2006/main">
+  <p:cSld>
+    <p:spTree>
+      <p:nvGrpSpPr>
+        <p:cNvPr id="1" name=""/>
+        <p:cNvGrpSpPr/>
+        <p:nvPr/>
+      </p:nvGrpSpPr>
+      <p:grpSpPr>
+        <a:xfrm>
+          <a:off x="0" y="0"/>
+          <a:ext cx="0" cy="0"/>
+          <a:chOff x="0" y="0"/>
+          <a:chExt cx="0" cy="0"/>
+        </a:xfrm>
+      </p:grpSpPr>
+      <p:sp>
+        <p:nvSpPr>
+          <p:cNvPr id="2" name="Title 1"/>
+          <p:cNvSpPr>
+            <a:spLocks noGrp="1"/>
+          </p:cNvSpPr>
+          <p:nvPr>
+            <p:ph type="title"/>
+          </p:nvPr>
+        </p:nvSpPr>
+        <p:spPr/>
+        <p:txBody>
+          <a:bodyPr/>
+          <a:lstStyle/>
+          <a:p>
+            <a:r>
+              <a:rPr lang="en-US" altLang="zh-TW" dirty="0" smtClean="0"/>
+              <a:t>Run04.bat</a:t>
+            </a:r>
+            <a:r>
+              <a:rPr lang="zh-TW" altLang="en-US" dirty="0" smtClean="0"/>
+              <a:t> </a:t>
+            </a:r>
+            <a:r>
+              <a:rPr lang="en-US" altLang="zh-TW" dirty="0" smtClean="0"/>
+              <a:t>(2)</a:t>
+            </a:r>
+            <a:endParaRPr lang="en-US" dirty="0"/>
+          </a:p>
+        </p:txBody>
+      </p:sp>
+      <p:pic>
+        <p:nvPicPr>
+          <p:cNvPr id="3" name="Picture 2"/>
+          <p:cNvPicPr>
+            <a:picLocks noChangeAspect="1"/>
+          </p:cNvPicPr>
+          <p:nvPr/>
+        </p:nvPicPr>
+        <p:blipFill>
+          <a:blip r:embed="rId2"/>
+          <a:stretch>
+            <a:fillRect/>
+          </a:stretch>
+        </p:blipFill>
+        <p:spPr>
+          <a:xfrm>
+            <a:off x="342097" y="1524346"/>
+            <a:ext cx="11507806" cy="4515480"/>
+          </a:xfrm>
+          <a:prstGeom prst="rect">
+            <a:avLst/>
+          </a:prstGeom>
+        </p:spPr>
+      </p:pic>
+    </p:spTree>
+    <p:extLst>
+      <p:ext uri="{BB962C8B-B14F-4D97-AF65-F5344CB8AC3E}">
+        <p14:creationId xmlns:p14="http://schemas.microsoft.com/office/powerpoint/2010/main" val="2847082155"/>
+      </p:ext>
+    </p:extLst>
+  </p:cSld>
+  <p:clrMapOvr>
+    <a:masterClrMapping/>
+  </p:clrMapOvr>
+</p:sld>
+</file>
+
+<file path=ppt/slides/slide17.xml><?xml version="1.0" encoding="utf-8"?>
+<p:sld xmlns:a="http://schemas.openxmlformats.org/drawingml/2006/main" xmlns:r="http://schemas.openxmlformats.org/officeDocument/2006/relationships" xmlns:p="http://schemas.openxmlformats.org/presentationml/2006/main">
+  <p:cSld>
+    <p:spTree>
+      <p:nvGrpSpPr>
+        <p:cNvPr id="1" name=""/>
+        <p:cNvGrpSpPr/>
+        <p:nvPr/>
+      </p:nvGrpSpPr>
+      <p:grpSpPr>
+        <a:xfrm>
+          <a:off x="0" y="0"/>
+          <a:ext cx="0" cy="0"/>
+          <a:chOff x="0" y="0"/>
+          <a:chExt cx="0" cy="0"/>
+        </a:xfrm>
+      </p:grpSpPr>
+      <p:sp>
+        <p:nvSpPr>
+          <p:cNvPr id="2" name="Title 1"/>
+          <p:cNvSpPr>
+            <a:spLocks noGrp="1"/>
+          </p:cNvSpPr>
+          <p:nvPr>
+            <p:ph type="title"/>
+          </p:nvPr>
+        </p:nvSpPr>
+        <p:spPr/>
+        <p:txBody>
+          <a:bodyPr/>
+          <a:lstStyle/>
+          <a:p>
+            <a:r>
+              <a:rPr lang="en-US" altLang="zh-TW" dirty="0" smtClean="0"/>
+              <a:t>Run04.bat</a:t>
+            </a:r>
+            <a:r>
+              <a:rPr lang="zh-TW" altLang="en-US" dirty="0" smtClean="0"/>
+              <a:t> </a:t>
+            </a:r>
+            <a:r>
+              <a:rPr lang="en-US" altLang="zh-TW" dirty="0" smtClean="0"/>
+              <a:t>(3)</a:t>
+            </a:r>
+            <a:endParaRPr lang="en-US" dirty="0"/>
+          </a:p>
+        </p:txBody>
+      </p:sp>
+      <p:pic>
+        <p:nvPicPr>
+          <p:cNvPr id="3" name="Picture 2"/>
+          <p:cNvPicPr>
+            <a:picLocks noChangeAspect="1"/>
+          </p:cNvPicPr>
+          <p:nvPr/>
+        </p:nvPicPr>
+        <p:blipFill>
+          <a:blip r:embed="rId2"/>
+          <a:stretch>
+            <a:fillRect/>
+          </a:stretch>
+        </p:blipFill>
+        <p:spPr>
+          <a:xfrm>
+            <a:off x="913677" y="1497101"/>
+            <a:ext cx="10364646" cy="4601217"/>
+          </a:xfrm>
+          <a:prstGeom prst="rect">
+            <a:avLst/>
+          </a:prstGeom>
+        </p:spPr>
+      </p:pic>
+    </p:spTree>
+    <p:extLst>
+      <p:ext uri="{BB962C8B-B14F-4D97-AF65-F5344CB8AC3E}">
+        <p14:creationId xmlns:p14="http://schemas.microsoft.com/office/powerpoint/2010/main" val="2572836352"/>
+      </p:ext>
+    </p:extLst>
+  </p:cSld>
+  <p:clrMapOvr>
+    <a:masterClrMapping/>
+  </p:clrMapOvr>
+</p:sld>
+</file>
+
+<file path=ppt/slides/slide18.xml><?xml version="1.0" encoding="utf-8"?>
+<p:sld xmlns:a="http://schemas.openxmlformats.org/drawingml/2006/main" xmlns:r="http://schemas.openxmlformats.org/officeDocument/2006/relationships" xmlns:p="http://schemas.openxmlformats.org/presentationml/2006/main">
+  <p:cSld>
+    <p:spTree>
+      <p:nvGrpSpPr>
+        <p:cNvPr id="1" name=""/>
+        <p:cNvGrpSpPr/>
+        <p:nvPr/>
+      </p:nvGrpSpPr>
+      <p:grpSpPr>
+        <a:xfrm>
+          <a:off x="0" y="0"/>
+          <a:ext cx="0" cy="0"/>
+          <a:chOff x="0" y="0"/>
+          <a:chExt cx="0" cy="0"/>
+        </a:xfrm>
+      </p:grpSpPr>
+      <p:sp>
+        <p:nvSpPr>
+          <p:cNvPr id="2" name="Title 1"/>
+          <p:cNvSpPr>
+            <a:spLocks noGrp="1"/>
+          </p:cNvSpPr>
+          <p:nvPr>
+            <p:ph type="title"/>
+          </p:nvPr>
+        </p:nvSpPr>
+        <p:spPr/>
+        <p:txBody>
+          <a:bodyPr/>
+          <a:lstStyle/>
+          <a:p>
+            <a:r>
+              <a:rPr lang="en-US" altLang="zh-TW" dirty="0" smtClean="0"/>
+              <a:t>Run05.bat</a:t>
+            </a:r>
+            <a:endParaRPr lang="en-US" dirty="0"/>
+          </a:p>
+        </p:txBody>
+      </p:sp>
+      <p:sp>
+        <p:nvSpPr>
+          <p:cNvPr id="5" name="Content Placeholder 2"/>
+          <p:cNvSpPr>
+            <a:spLocks noGrp="1"/>
+          </p:cNvSpPr>
+          <p:nvPr>
+            <p:ph idx="1"/>
+          </p:nvPr>
+        </p:nvSpPr>
+        <p:spPr>
+          <a:xfrm>
+            <a:off x="838200" y="1825625"/>
+            <a:ext cx="10515600" cy="4351338"/>
+          </a:xfrm>
+        </p:spPr>
+        <p:txBody>
+          <a:bodyPr/>
+          <a:lstStyle/>
+          <a:p>
+            <a:r>
+              <a:rPr lang="en-US" dirty="0" smtClean="0"/>
+              <a:t>To be </a:t>
+            </a:r>
+            <a:r>
+              <a:rPr lang="en-US" dirty="0"/>
+              <a:t>based data with ['</a:t>
+            </a:r>
+            <a:r>
+              <a:rPr lang="en-US" dirty="0" err="1"/>
+              <a:t>sno</a:t>
+            </a:r>
+            <a:r>
+              <a:rPr lang="en-US" dirty="0" smtClean="0"/>
+              <a:t>','</a:t>
+            </a:r>
+            <a:r>
+              <a:rPr lang="en-US" dirty="0" err="1" smtClean="0"/>
+              <a:t>sna</a:t>
+            </a:r>
+            <a:r>
+              <a:rPr lang="en-US" dirty="0"/>
+              <a:t>',"</a:t>
+            </a:r>
+            <a:r>
+              <a:rPr lang="en-US" dirty="0" err="1"/>
+              <a:t>sarea</a:t>
+            </a:r>
+            <a:r>
+              <a:rPr lang="en-US" dirty="0"/>
+              <a:t>","</a:t>
+            </a:r>
+            <a:r>
+              <a:rPr lang="en-US" dirty="0" err="1"/>
+              <a:t>ar</a:t>
+            </a:r>
+            <a:r>
+              <a:rPr lang="en-US" dirty="0"/>
+              <a:t>","</a:t>
+            </a:r>
+            <a:r>
+              <a:rPr lang="en-US" dirty="0" err="1"/>
+              <a:t>lat</a:t>
+            </a:r>
+            <a:r>
+              <a:rPr lang="en-US" dirty="0"/>
+              <a:t>","</a:t>
+            </a:r>
+            <a:r>
+              <a:rPr lang="en-US" dirty="0" err="1"/>
+              <a:t>lng</a:t>
+            </a:r>
+            <a:r>
+              <a:rPr lang="en-US" dirty="0"/>
+              <a:t>",'tot','</a:t>
+            </a:r>
+            <a:r>
+              <a:rPr lang="en-US" dirty="0" err="1"/>
+              <a:t>infoDate</a:t>
+            </a:r>
+            <a:r>
+              <a:rPr lang="en-US" dirty="0" smtClean="0"/>
+              <a:t>']+[“AC”,”PV</a:t>
+            </a:r>
+            <a:r>
+              <a:rPr lang="en-US" altLang="zh-TW" dirty="0" smtClean="0"/>
+              <a:t>]</a:t>
+            </a:r>
+            <a:endParaRPr lang="en-US" dirty="0" smtClean="0"/>
+          </a:p>
+          <a:p>
+            <a:r>
+              <a:rPr lang="en-US" dirty="0"/>
+              <a:t>Compute the everyday AC &amp; PV by “0015 Youbike_cleaned.xlsx</a:t>
+            </a:r>
+            <a:r>
+              <a:rPr lang="en-US" dirty="0" smtClean="0"/>
+              <a:t>”</a:t>
+            </a:r>
+          </a:p>
+          <a:p>
+            <a:r>
+              <a:rPr lang="en-US" dirty="0" smtClean="0"/>
+              <a:t>Output </a:t>
+            </a:r>
+            <a:r>
+              <a:rPr lang="en-US" dirty="0"/>
+              <a:t>file example 2024-04-23 </a:t>
+            </a:r>
+            <a:r>
+              <a:rPr lang="en-US" dirty="0">
+                <a:solidFill>
+                  <a:srgbClr val="FF0000"/>
+                </a:solidFill>
+              </a:rPr>
+              <a:t>AC_PV.xlsx</a:t>
+            </a:r>
+          </a:p>
+          <a:p>
+            <a:endParaRPr lang="en-US" dirty="0"/>
+          </a:p>
+        </p:txBody>
+      </p:sp>
+      <p:pic>
+        <p:nvPicPr>
+          <p:cNvPr id="3" name="Picture 2"/>
+          <p:cNvPicPr>
+            <a:picLocks noChangeAspect="1"/>
+          </p:cNvPicPr>
+          <p:nvPr/>
+        </p:nvPicPr>
+        <p:blipFill>
+          <a:blip r:embed="rId2"/>
+          <a:stretch>
+            <a:fillRect/>
+          </a:stretch>
+        </p:blipFill>
+        <p:spPr>
+          <a:xfrm>
+            <a:off x="2305605" y="4001294"/>
+            <a:ext cx="7580789" cy="2480986"/>
+          </a:xfrm>
+          <a:prstGeom prst="rect">
+            <a:avLst/>
+          </a:prstGeom>
+        </p:spPr>
+      </p:pic>
+    </p:spTree>
+    <p:extLst>
+      <p:ext uri="{BB962C8B-B14F-4D97-AF65-F5344CB8AC3E}">
+        <p14:creationId xmlns:p14="http://schemas.microsoft.com/office/powerpoint/2010/main" val="4121622147"/>
+      </p:ext>
+    </p:extLst>
+  </p:cSld>
+  <p:clrMapOvr>
+    <a:masterClrMapping/>
+  </p:clrMapOvr>
+</p:sld>
+</file>
+
+<file path=ppt/slides/slide19.xml><?xml version="1.0" encoding="utf-8"?>
+<p:sld xmlns:a="http://schemas.openxmlformats.org/drawingml/2006/main" xmlns:r="http://schemas.openxmlformats.org/officeDocument/2006/relationships" xmlns:p="http://schemas.openxmlformats.org/presentationml/2006/main">
+  <p:cSld>
+    <p:spTree>
+      <p:nvGrpSpPr>
+        <p:cNvPr id="1" name=""/>
+        <p:cNvGrpSpPr/>
+        <p:nvPr/>
+      </p:nvGrpSpPr>
+      <p:grpSpPr>
+        <a:xfrm>
+          <a:off x="0" y="0"/>
+          <a:ext cx="0" cy="0"/>
+          <a:chOff x="0" y="0"/>
+          <a:chExt cx="0" cy="0"/>
+        </a:xfrm>
+      </p:grpSpPr>
+      <p:sp>
+        <p:nvSpPr>
+          <p:cNvPr id="2" name="Title 1"/>
+          <p:cNvSpPr>
+            <a:spLocks noGrp="1"/>
+          </p:cNvSpPr>
+          <p:nvPr>
+            <p:ph type="title"/>
+          </p:nvPr>
+        </p:nvSpPr>
+        <p:spPr/>
+        <p:txBody>
+          <a:bodyPr/>
+          <a:lstStyle/>
+          <a:p>
+            <a:r>
+              <a:rPr lang="en-US" altLang="zh-TW" dirty="0" smtClean="0"/>
+              <a:t>Run05.bat(0)</a:t>
+            </a:r>
+            <a:endParaRPr lang="en-US" dirty="0"/>
+          </a:p>
+        </p:txBody>
+      </p:sp>
+      <p:pic>
+        <p:nvPicPr>
+          <p:cNvPr id="6" name="Picture 5"/>
+          <p:cNvPicPr>
+            <a:picLocks noChangeAspect="1"/>
+          </p:cNvPicPr>
+          <p:nvPr/>
+        </p:nvPicPr>
+        <p:blipFill>
+          <a:blip r:embed="rId2"/>
+          <a:stretch>
+            <a:fillRect/>
+          </a:stretch>
+        </p:blipFill>
+        <p:spPr>
+          <a:xfrm>
+            <a:off x="804436" y="2045377"/>
+            <a:ext cx="10549364" cy="1693705"/>
+          </a:xfrm>
+          <a:prstGeom prst="rect">
+            <a:avLst/>
+          </a:prstGeom>
+          <a:ln>
+            <a:solidFill>
+              <a:schemeClr val="tx1"/>
+            </a:solidFill>
+          </a:ln>
+        </p:spPr>
+      </p:pic>
+    </p:spTree>
+    <p:extLst>
+      <p:ext uri="{BB962C8B-B14F-4D97-AF65-F5344CB8AC3E}">
+        <p14:creationId xmlns:p14="http://schemas.microsoft.com/office/powerpoint/2010/main" val="1811281521"/>
+      </p:ext>
+    </p:extLst>
+  </p:cSld>
+  <p:clrMapOvr>
+    <a:masterClrMapping/>
+  </p:clrMapOvr>
+</p:sld>
+</file>
+
 <file path=ppt/slides/slide2.xml><?xml version="1.0" encoding="utf-8"?>
 <p:sld xmlns:a="http://schemas.openxmlformats.org/drawingml/2006/main" xmlns:r="http://schemas.openxmlformats.org/officeDocument/2006/relationships" xmlns:p="http://schemas.openxmlformats.org/presentationml/2006/main">
   <p:cSld>
@@ -3677,6 +4696,1014 @@
           <a:lstStyle/>
           <a:p>
             <a:r>
+              <a:rPr lang="en-US" altLang="zh-TW" dirty="0" smtClean="0"/>
+              <a:t>Outline of bat</a:t>
+            </a:r>
+            <a:endParaRPr lang="en-US" dirty="0"/>
+          </a:p>
+        </p:txBody>
+      </p:sp>
+      <p:graphicFrame>
+        <p:nvGraphicFramePr>
+          <p:cNvPr id="4" name="Content Placeholder 3"/>
+          <p:cNvGraphicFramePr>
+            <a:graphicFrameLocks noGrp="1"/>
+          </p:cNvGraphicFramePr>
+          <p:nvPr>
+            <p:ph idx="1"/>
+            <p:extLst>
+              <p:ext uri="{D42A27DB-BD31-4B8C-83A1-F6EECF244321}">
+                <p14:modId xmlns:p14="http://schemas.microsoft.com/office/powerpoint/2010/main" val="159532033"/>
+              </p:ext>
+            </p:extLst>
+          </p:nvPr>
+        </p:nvGraphicFramePr>
+        <p:xfrm>
+          <a:off x="838200" y="1825625"/>
+          <a:ext cx="10515600" cy="4332364"/>
+        </p:xfrm>
+        <a:graphic>
+          <a:graphicData uri="http://schemas.openxmlformats.org/drawingml/2006/table">
+            <a:tbl>
+              <a:tblPr firstRow="1" bandRow="1">
+                <a:tableStyleId>{5940675A-B579-460E-94D1-54222C63F5DA}</a:tableStyleId>
+              </a:tblPr>
+              <a:tblGrid>
+                <a:gridCol w="1669026">
+                  <a:extLst>
+                    <a:ext uri="{9D8B030D-6E8A-4147-A177-3AD203B41FA5}">
+                      <a16:colId xmlns:a16="http://schemas.microsoft.com/office/drawing/2014/main" val="2622647484"/>
+                    </a:ext>
+                  </a:extLst>
+                </a:gridCol>
+                <a:gridCol w="5341374">
+                  <a:extLst>
+                    <a:ext uri="{9D8B030D-6E8A-4147-A177-3AD203B41FA5}">
+                      <a16:colId xmlns:a16="http://schemas.microsoft.com/office/drawing/2014/main" val="1932915889"/>
+                    </a:ext>
+                  </a:extLst>
+                </a:gridCol>
+                <a:gridCol w="3505200">
+                  <a:extLst>
+                    <a:ext uri="{9D8B030D-6E8A-4147-A177-3AD203B41FA5}">
+                      <a16:colId xmlns:a16="http://schemas.microsoft.com/office/drawing/2014/main" val="2228582591"/>
+                    </a:ext>
+                  </a:extLst>
+                </a:gridCol>
+              </a:tblGrid>
+              <a:tr h="603031">
+                <a:tc>
+                  <a:txBody>
+                    <a:bodyPr/>
+                    <a:lstStyle/>
+                    <a:p>
+                      <a:pPr algn="l"/>
+                      <a:r>
+                        <a:rPr lang="en-US" sz="2000" dirty="0" smtClean="0"/>
+                        <a:t>.bats’ number</a:t>
+                      </a:r>
+                      <a:endParaRPr lang="en-US" sz="2000" dirty="0"/>
+                    </a:p>
+                  </a:txBody>
+                  <a:tcPr anchor="ctr"/>
+                </a:tc>
+                <a:tc>
+                  <a:txBody>
+                    <a:bodyPr/>
+                    <a:lstStyle/>
+                    <a:p>
+                      <a:pPr algn="l"/>
+                      <a:r>
+                        <a:rPr lang="en-US" sz="2000" dirty="0" smtClean="0"/>
+                        <a:t>Function</a:t>
+                      </a:r>
+                      <a:endParaRPr lang="en-US" sz="2000" dirty="0"/>
+                    </a:p>
+                  </a:txBody>
+                  <a:tcPr anchor="ctr"/>
+                </a:tc>
+                <a:tc>
+                  <a:txBody>
+                    <a:bodyPr/>
+                    <a:lstStyle/>
+                    <a:p>
+                      <a:pPr algn="l"/>
+                      <a:r>
+                        <a:rPr lang="en-US" sz="2000" dirty="0" smtClean="0"/>
+                        <a:t>When</a:t>
+                      </a:r>
+                      <a:r>
+                        <a:rPr lang="en-US" sz="2000" baseline="0" dirty="0" smtClean="0"/>
+                        <a:t> to </a:t>
+                      </a:r>
+                      <a:r>
+                        <a:rPr lang="en-US" sz="2000" dirty="0" smtClean="0"/>
+                        <a:t>Work</a:t>
+                      </a:r>
+                      <a:endParaRPr lang="en-US" sz="2000" dirty="0"/>
+                    </a:p>
+                  </a:txBody>
+                  <a:tcPr anchor="ctr"/>
+                </a:tc>
+                <a:extLst>
+                  <a:ext uri="{0D108BD9-81ED-4DB2-BD59-A6C34878D82A}">
+                    <a16:rowId xmlns:a16="http://schemas.microsoft.com/office/drawing/2014/main" val="457986209"/>
+                  </a:ext>
+                </a:extLst>
+              </a:tr>
+              <a:tr h="603031">
+                <a:tc>
+                  <a:txBody>
+                    <a:bodyPr/>
+                    <a:lstStyle/>
+                    <a:p>
+                      <a:r>
+                        <a:rPr lang="en-US" dirty="0" smtClean="0">
+                          <a:solidFill>
+                            <a:schemeClr val="accent3"/>
+                          </a:solidFill>
+                        </a:rPr>
+                        <a:t>01</a:t>
+                      </a:r>
+                      <a:endParaRPr lang="en-US" dirty="0">
+                        <a:solidFill>
+                          <a:schemeClr val="accent3"/>
+                        </a:solidFill>
+                      </a:endParaRPr>
+                    </a:p>
+                  </a:txBody>
+                  <a:tcPr/>
+                </a:tc>
+                <a:tc>
+                  <a:txBody>
+                    <a:bodyPr/>
+                    <a:lstStyle/>
+                    <a:p>
+                      <a:endParaRPr lang="en-US" dirty="0">
+                        <a:solidFill>
+                          <a:schemeClr val="accent3"/>
+                        </a:solidFill>
+                      </a:endParaRPr>
+                    </a:p>
+                  </a:txBody>
+                  <a:tcPr/>
+                </a:tc>
+                <a:tc>
+                  <a:txBody>
+                    <a:bodyPr/>
+                    <a:lstStyle/>
+                    <a:p>
+                      <a:r>
+                        <a:rPr lang="en-US" dirty="0" smtClean="0">
+                          <a:solidFill>
+                            <a:schemeClr val="accent3"/>
+                          </a:solidFill>
+                        </a:rPr>
+                        <a:t>Not scheduling</a:t>
+                      </a:r>
+                      <a:r>
+                        <a:rPr lang="en-US" baseline="0" dirty="0" smtClean="0">
+                          <a:solidFill>
+                            <a:schemeClr val="accent3"/>
+                          </a:solidFill>
+                        </a:rPr>
+                        <a:t> now.</a:t>
+                      </a:r>
+                      <a:endParaRPr lang="en-US" dirty="0">
+                        <a:solidFill>
+                          <a:schemeClr val="accent3"/>
+                        </a:solidFill>
+                      </a:endParaRPr>
+                    </a:p>
+                  </a:txBody>
+                  <a:tcPr/>
+                </a:tc>
+                <a:extLst>
+                  <a:ext uri="{0D108BD9-81ED-4DB2-BD59-A6C34878D82A}">
+                    <a16:rowId xmlns:a16="http://schemas.microsoft.com/office/drawing/2014/main" val="2709668996"/>
+                  </a:ext>
+                </a:extLst>
+              </a:tr>
+              <a:tr h="603031">
+                <a:tc>
+                  <a:txBody>
+                    <a:bodyPr/>
+                    <a:lstStyle/>
+                    <a:p>
+                      <a:r>
+                        <a:rPr lang="en-US" dirty="0" smtClean="0"/>
+                        <a:t>02</a:t>
+                      </a:r>
+                      <a:endParaRPr lang="en-US" dirty="0"/>
+                    </a:p>
+                  </a:txBody>
+                  <a:tcPr/>
+                </a:tc>
+                <a:tc>
+                  <a:txBody>
+                    <a:bodyPr/>
+                    <a:lstStyle/>
+                    <a:p>
+                      <a:pPr marL="0" marR="0" indent="0" algn="l" defTabSz="914400" rtl="0" eaLnBrk="1" fontAlgn="auto" latinLnBrk="0" hangingPunct="1">
+                        <a:lnSpc>
+                          <a:spcPct val="100000"/>
+                        </a:lnSpc>
+                        <a:spcBef>
+                          <a:spcPts val="0"/>
+                        </a:spcBef>
+                        <a:spcAft>
+                          <a:spcPts val="0"/>
+                        </a:spcAft>
+                        <a:buClrTx/>
+                        <a:buSzTx/>
+                        <a:buFontTx/>
+                        <a:buNone/>
+                        <a:tabLst/>
+                        <a:defRPr/>
+                      </a:pPr>
+                      <a:r>
+                        <a:rPr lang="en-US" dirty="0" smtClean="0"/>
+                        <a:t>Use API to get the Youbike2.0_data from Taipei city in every 15 </a:t>
+                      </a:r>
+                      <a:r>
+                        <a:rPr lang="en-US" dirty="0" err="1" smtClean="0"/>
+                        <a:t>mins</a:t>
+                      </a:r>
+                      <a:r>
+                        <a:rPr lang="en-US" dirty="0" smtClean="0"/>
+                        <a:t>. E.g. “15min_Youbike_cleaned.xlsx”</a:t>
+                      </a:r>
+                    </a:p>
+                  </a:txBody>
+                  <a:tcPr/>
+                </a:tc>
+                <a:tc>
+                  <a:txBody>
+                    <a:bodyPr/>
+                    <a:lstStyle/>
+                    <a:p>
+                      <a:pPr marL="0" marR="0" indent="0" algn="l" defTabSz="914400" rtl="0" eaLnBrk="1" fontAlgn="auto" latinLnBrk="0" hangingPunct="1">
+                        <a:lnSpc>
+                          <a:spcPct val="100000"/>
+                        </a:lnSpc>
+                        <a:spcBef>
+                          <a:spcPts val="0"/>
+                        </a:spcBef>
+                        <a:spcAft>
+                          <a:spcPts val="0"/>
+                        </a:spcAft>
+                        <a:buClrTx/>
+                        <a:buSzTx/>
+                        <a:buFontTx/>
+                        <a:buNone/>
+                        <a:tabLst/>
+                        <a:defRPr/>
+                      </a:pPr>
+                      <a:r>
+                        <a:rPr lang="en-US" dirty="0" smtClean="0"/>
+                        <a:t>Every 15 </a:t>
+                      </a:r>
+                      <a:r>
+                        <a:rPr lang="en-US" dirty="0" err="1" smtClean="0"/>
+                        <a:t>mins</a:t>
+                      </a:r>
+                      <a:r>
+                        <a:rPr lang="en-US" baseline="0" dirty="0" smtClean="0"/>
+                        <a:t> daily</a:t>
+                      </a:r>
+                      <a:endParaRPr lang="en-US" dirty="0" smtClean="0"/>
+                    </a:p>
+                  </a:txBody>
+                  <a:tcPr/>
+                </a:tc>
+                <a:extLst>
+                  <a:ext uri="{0D108BD9-81ED-4DB2-BD59-A6C34878D82A}">
+                    <a16:rowId xmlns:a16="http://schemas.microsoft.com/office/drawing/2014/main" val="2899533134"/>
+                  </a:ext>
+                </a:extLst>
+              </a:tr>
+              <a:tr h="603031">
+                <a:tc>
+                  <a:txBody>
+                    <a:bodyPr/>
+                    <a:lstStyle/>
+                    <a:p>
+                      <a:r>
+                        <a:rPr lang="en-US" dirty="0" smtClean="0"/>
+                        <a:t>03</a:t>
+                      </a:r>
+                      <a:endParaRPr lang="en-US" dirty="0"/>
+                    </a:p>
+                  </a:txBody>
+                  <a:tcPr/>
+                </a:tc>
+                <a:tc>
+                  <a:txBody>
+                    <a:bodyPr/>
+                    <a:lstStyle/>
+                    <a:p>
+                      <a:r>
+                        <a:rPr lang="en-US" dirty="0" smtClean="0"/>
+                        <a:t>Combine the “15min_Youbike_data excels” to “merged data.xlsx” by DAY.</a:t>
+                      </a:r>
+                      <a:endParaRPr lang="en-US" dirty="0"/>
+                    </a:p>
+                  </a:txBody>
+                  <a:tcPr/>
+                </a:tc>
+                <a:tc>
+                  <a:txBody>
+                    <a:bodyPr/>
+                    <a:lstStyle/>
+                    <a:p>
+                      <a:r>
+                        <a:rPr lang="en-US" dirty="0" smtClean="0"/>
+                        <a:t>Every</a:t>
+                      </a:r>
+                      <a:r>
+                        <a:rPr lang="en-US" baseline="0" dirty="0" smtClean="0"/>
+                        <a:t> day </a:t>
+                      </a:r>
+                      <a:r>
+                        <a:rPr lang="en-US" dirty="0" smtClean="0"/>
+                        <a:t>00:05 </a:t>
+                      </a:r>
+                      <a:endParaRPr lang="en-US" dirty="0"/>
+                    </a:p>
+                  </a:txBody>
+                  <a:tcPr/>
+                </a:tc>
+                <a:extLst>
+                  <a:ext uri="{0D108BD9-81ED-4DB2-BD59-A6C34878D82A}">
+                    <a16:rowId xmlns:a16="http://schemas.microsoft.com/office/drawing/2014/main" val="3960125720"/>
+                  </a:ext>
+                </a:extLst>
+              </a:tr>
+              <a:tr h="603031">
+                <a:tc>
+                  <a:txBody>
+                    <a:bodyPr/>
+                    <a:lstStyle/>
+                    <a:p>
+                      <a:r>
+                        <a:rPr lang="en-US" dirty="0" smtClean="0"/>
+                        <a:t>04</a:t>
+                      </a:r>
+                      <a:endParaRPr lang="en-US" dirty="0"/>
+                    </a:p>
+                  </a:txBody>
+                  <a:tcPr/>
+                </a:tc>
+                <a:tc>
+                  <a:txBody>
+                    <a:bodyPr/>
+                    <a:lstStyle/>
+                    <a:p>
+                      <a:r>
+                        <a:rPr lang="en-US" dirty="0" smtClean="0"/>
+                        <a:t>Compute the </a:t>
+                      </a:r>
+                      <a:r>
+                        <a:rPr lang="en-US" dirty="0" smtClean="0">
+                          <a:solidFill>
+                            <a:srgbClr val="FF0000"/>
+                          </a:solidFill>
+                        </a:rPr>
+                        <a:t>former day</a:t>
+                      </a:r>
+                      <a:r>
+                        <a:rPr lang="en-US" baseline="0" dirty="0" smtClean="0"/>
+                        <a:t> EV by “merged data.xlsx”</a:t>
+                      </a:r>
+                      <a:endParaRPr lang="en-US" dirty="0"/>
+                    </a:p>
+                  </a:txBody>
+                  <a:tcPr/>
+                </a:tc>
+                <a:tc>
+                  <a:txBody>
+                    <a:bodyPr/>
+                    <a:lstStyle/>
+                    <a:p>
+                      <a:pPr marL="0" marR="0" indent="0" algn="l" defTabSz="914400" rtl="0" eaLnBrk="1" fontAlgn="auto" latinLnBrk="0" hangingPunct="1">
+                        <a:lnSpc>
+                          <a:spcPct val="100000"/>
+                        </a:lnSpc>
+                        <a:spcBef>
+                          <a:spcPts val="0"/>
+                        </a:spcBef>
+                        <a:spcAft>
+                          <a:spcPts val="0"/>
+                        </a:spcAft>
+                        <a:buClrTx/>
+                        <a:buSzTx/>
+                        <a:buFontTx/>
+                        <a:buNone/>
+                        <a:tabLst/>
+                        <a:defRPr/>
+                      </a:pPr>
+                      <a:r>
+                        <a:rPr lang="en-US" dirty="0" smtClean="0"/>
+                        <a:t>Every</a:t>
+                      </a:r>
+                      <a:r>
+                        <a:rPr lang="en-US" baseline="0" dirty="0" smtClean="0"/>
+                        <a:t> day </a:t>
+                      </a:r>
+                      <a:r>
+                        <a:rPr lang="en-US" dirty="0" smtClean="0"/>
+                        <a:t>00:10</a:t>
+                      </a:r>
+                    </a:p>
+                  </a:txBody>
+                  <a:tcPr/>
+                </a:tc>
+                <a:extLst>
+                  <a:ext uri="{0D108BD9-81ED-4DB2-BD59-A6C34878D82A}">
+                    <a16:rowId xmlns:a16="http://schemas.microsoft.com/office/drawing/2014/main" val="1445876415"/>
+                  </a:ext>
+                </a:extLst>
+              </a:tr>
+              <a:tr h="603031">
+                <a:tc>
+                  <a:txBody>
+                    <a:bodyPr/>
+                    <a:lstStyle/>
+                    <a:p>
+                      <a:r>
+                        <a:rPr lang="en-US" dirty="0" smtClean="0"/>
+                        <a:t>05</a:t>
+                      </a:r>
+                      <a:endParaRPr lang="en-US" dirty="0"/>
+                    </a:p>
+                  </a:txBody>
+                  <a:tcPr/>
+                </a:tc>
+                <a:tc>
+                  <a:txBody>
+                    <a:bodyPr/>
+                    <a:lstStyle/>
+                    <a:p>
+                      <a:r>
+                        <a:rPr lang="en-US" dirty="0" smtClean="0"/>
+                        <a:t>Compute</a:t>
+                      </a:r>
+                      <a:r>
+                        <a:rPr lang="en-US" baseline="0" dirty="0" smtClean="0"/>
+                        <a:t> everyday AC &amp; PV by “0015 Youbike</a:t>
+                      </a:r>
+                      <a:r>
+                        <a:rPr lang="en-US" dirty="0" smtClean="0"/>
+                        <a:t>_</a:t>
+                      </a:r>
+                      <a:r>
+                        <a:rPr lang="en-US" baseline="0" dirty="0" smtClean="0"/>
+                        <a:t>cleaned.xlsx”</a:t>
+                      </a:r>
+                      <a:endParaRPr lang="en-US" dirty="0"/>
+                    </a:p>
+                  </a:txBody>
+                  <a:tcPr/>
+                </a:tc>
+                <a:tc>
+                  <a:txBody>
+                    <a:bodyPr/>
+                    <a:lstStyle/>
+                    <a:p>
+                      <a:pPr marL="0" marR="0" indent="0" algn="l" defTabSz="914400" rtl="0" eaLnBrk="1" fontAlgn="auto" latinLnBrk="0" hangingPunct="1">
+                        <a:lnSpc>
+                          <a:spcPct val="100000"/>
+                        </a:lnSpc>
+                        <a:spcBef>
+                          <a:spcPts val="0"/>
+                        </a:spcBef>
+                        <a:spcAft>
+                          <a:spcPts val="0"/>
+                        </a:spcAft>
+                        <a:buClrTx/>
+                        <a:buSzTx/>
+                        <a:buFontTx/>
+                        <a:buNone/>
+                        <a:tabLst/>
+                        <a:defRPr/>
+                      </a:pPr>
+                      <a:r>
+                        <a:rPr lang="en-US" dirty="0" smtClean="0"/>
+                        <a:t>Every</a:t>
+                      </a:r>
+                      <a:r>
+                        <a:rPr lang="en-US" baseline="0" dirty="0" smtClean="0"/>
+                        <a:t> day </a:t>
+                      </a:r>
+                      <a:r>
+                        <a:rPr lang="en-US" dirty="0" smtClean="0"/>
+                        <a:t>00:20</a:t>
+                      </a:r>
+                    </a:p>
+                  </a:txBody>
+                  <a:tcPr/>
+                </a:tc>
+                <a:extLst>
+                  <a:ext uri="{0D108BD9-81ED-4DB2-BD59-A6C34878D82A}">
+                    <a16:rowId xmlns:a16="http://schemas.microsoft.com/office/drawing/2014/main" val="2790480126"/>
+                  </a:ext>
+                </a:extLst>
+              </a:tr>
+              <a:tr h="603031">
+                <a:tc>
+                  <a:txBody>
+                    <a:bodyPr/>
+                    <a:lstStyle/>
+                    <a:p>
+                      <a:r>
+                        <a:rPr lang="en-US" dirty="0" smtClean="0"/>
+                        <a:t>06</a:t>
+                      </a:r>
+                      <a:endParaRPr lang="en-US" dirty="0"/>
+                    </a:p>
+                  </a:txBody>
+                  <a:tcPr/>
+                </a:tc>
+                <a:tc>
+                  <a:txBody>
+                    <a:bodyPr/>
+                    <a:lstStyle/>
+                    <a:p>
+                      <a:r>
+                        <a:rPr lang="en-US" dirty="0" smtClean="0"/>
+                        <a:t>Compute</a:t>
+                      </a:r>
+                      <a:r>
+                        <a:rPr lang="en-US" baseline="0" dirty="0" smtClean="0"/>
+                        <a:t> everyday SV, CV, SPI, CPI based on 04&amp;05.bat</a:t>
+                      </a:r>
+                      <a:endParaRPr lang="en-US" dirty="0"/>
+                    </a:p>
+                  </a:txBody>
+                  <a:tcPr/>
+                </a:tc>
+                <a:tc>
+                  <a:txBody>
+                    <a:bodyPr/>
+                    <a:lstStyle/>
+                    <a:p>
+                      <a:endParaRPr lang="en-US" dirty="0"/>
+                    </a:p>
+                  </a:txBody>
+                  <a:tcPr/>
+                </a:tc>
+                <a:extLst>
+                  <a:ext uri="{0D108BD9-81ED-4DB2-BD59-A6C34878D82A}">
+                    <a16:rowId xmlns:a16="http://schemas.microsoft.com/office/drawing/2014/main" val="330812927"/>
+                  </a:ext>
+                </a:extLst>
+              </a:tr>
+            </a:tbl>
+          </a:graphicData>
+        </a:graphic>
+      </p:graphicFrame>
+    </p:spTree>
+    <p:extLst>
+      <p:ext uri="{BB962C8B-B14F-4D97-AF65-F5344CB8AC3E}">
+        <p14:creationId xmlns:p14="http://schemas.microsoft.com/office/powerpoint/2010/main" val="2112994583"/>
+      </p:ext>
+    </p:extLst>
+  </p:cSld>
+  <p:clrMapOvr>
+    <a:masterClrMapping/>
+  </p:clrMapOvr>
+</p:sld>
+</file>
+
+<file path=ppt/slides/slide20.xml><?xml version="1.0" encoding="utf-8"?>
+<p:sld xmlns:a="http://schemas.openxmlformats.org/drawingml/2006/main" xmlns:r="http://schemas.openxmlformats.org/officeDocument/2006/relationships" xmlns:p="http://schemas.openxmlformats.org/presentationml/2006/main">
+  <p:cSld>
+    <p:spTree>
+      <p:nvGrpSpPr>
+        <p:cNvPr id="1" name=""/>
+        <p:cNvGrpSpPr/>
+        <p:nvPr/>
+      </p:nvGrpSpPr>
+      <p:grpSpPr>
+        <a:xfrm>
+          <a:off x="0" y="0"/>
+          <a:ext cx="0" cy="0"/>
+          <a:chOff x="0" y="0"/>
+          <a:chExt cx="0" cy="0"/>
+        </a:xfrm>
+      </p:grpSpPr>
+      <p:sp>
+        <p:nvSpPr>
+          <p:cNvPr id="2" name="Title 1"/>
+          <p:cNvSpPr>
+            <a:spLocks noGrp="1"/>
+          </p:cNvSpPr>
+          <p:nvPr>
+            <p:ph type="title"/>
+          </p:nvPr>
+        </p:nvSpPr>
+        <p:spPr/>
+        <p:txBody>
+          <a:bodyPr/>
+          <a:lstStyle/>
+          <a:p>
+            <a:r>
+              <a:rPr lang="en-US" altLang="zh-TW" dirty="0" smtClean="0"/>
+              <a:t>Run05.bat(1)</a:t>
+            </a:r>
+            <a:endParaRPr lang="en-US" dirty="0"/>
+          </a:p>
+        </p:txBody>
+      </p:sp>
+      <p:sp>
+        <p:nvSpPr>
+          <p:cNvPr id="3" name="Content Placeholder 2"/>
+          <p:cNvSpPr>
+            <a:spLocks noGrp="1"/>
+          </p:cNvSpPr>
+          <p:nvPr>
+            <p:ph idx="1"/>
+          </p:nvPr>
+        </p:nvSpPr>
+        <p:spPr/>
+        <p:txBody>
+          <a:bodyPr/>
+          <a:lstStyle/>
+          <a:p>
+            <a:endParaRPr lang="en-US"/>
+          </a:p>
+        </p:txBody>
+      </p:sp>
+      <p:pic>
+        <p:nvPicPr>
+          <p:cNvPr id="4" name="Picture 3"/>
+          <p:cNvPicPr>
+            <a:picLocks noChangeAspect="1"/>
+          </p:cNvPicPr>
+          <p:nvPr/>
+        </p:nvPicPr>
+        <p:blipFill>
+          <a:blip r:embed="rId2"/>
+          <a:stretch>
+            <a:fillRect/>
+          </a:stretch>
+        </p:blipFill>
+        <p:spPr>
+          <a:xfrm>
+            <a:off x="3085680" y="1734027"/>
+            <a:ext cx="6020640" cy="4534533"/>
+          </a:xfrm>
+          <a:prstGeom prst="rect">
+            <a:avLst/>
+          </a:prstGeom>
+        </p:spPr>
+      </p:pic>
+    </p:spTree>
+    <p:extLst>
+      <p:ext uri="{BB962C8B-B14F-4D97-AF65-F5344CB8AC3E}">
+        <p14:creationId xmlns:p14="http://schemas.microsoft.com/office/powerpoint/2010/main" val="4129808520"/>
+      </p:ext>
+    </p:extLst>
+  </p:cSld>
+  <p:clrMapOvr>
+    <a:masterClrMapping/>
+  </p:clrMapOvr>
+</p:sld>
+</file>
+
+<file path=ppt/slides/slide21.xml><?xml version="1.0" encoding="utf-8"?>
+<p:sld xmlns:a="http://schemas.openxmlformats.org/drawingml/2006/main" xmlns:r="http://schemas.openxmlformats.org/officeDocument/2006/relationships" xmlns:p="http://schemas.openxmlformats.org/presentationml/2006/main">
+  <p:cSld>
+    <p:spTree>
+      <p:nvGrpSpPr>
+        <p:cNvPr id="1" name=""/>
+        <p:cNvGrpSpPr/>
+        <p:nvPr/>
+      </p:nvGrpSpPr>
+      <p:grpSpPr>
+        <a:xfrm>
+          <a:off x="0" y="0"/>
+          <a:ext cx="0" cy="0"/>
+          <a:chOff x="0" y="0"/>
+          <a:chExt cx="0" cy="0"/>
+        </a:xfrm>
+      </p:grpSpPr>
+      <p:sp>
+        <p:nvSpPr>
+          <p:cNvPr id="2" name="Title 1"/>
+          <p:cNvSpPr>
+            <a:spLocks noGrp="1"/>
+          </p:cNvSpPr>
+          <p:nvPr>
+            <p:ph type="title"/>
+          </p:nvPr>
+        </p:nvSpPr>
+        <p:spPr/>
+        <p:txBody>
+          <a:bodyPr/>
+          <a:lstStyle/>
+          <a:p>
+            <a:r>
+              <a:rPr lang="en-US" altLang="zh-TW" dirty="0" smtClean="0"/>
+              <a:t>Run05.bat(2)</a:t>
+            </a:r>
+            <a:endParaRPr lang="en-US" dirty="0"/>
+          </a:p>
+        </p:txBody>
+      </p:sp>
+      <p:sp>
+        <p:nvSpPr>
+          <p:cNvPr id="3" name="Content Placeholder 2"/>
+          <p:cNvSpPr>
+            <a:spLocks noGrp="1"/>
+          </p:cNvSpPr>
+          <p:nvPr>
+            <p:ph idx="1"/>
+          </p:nvPr>
+        </p:nvSpPr>
+        <p:spPr/>
+        <p:txBody>
+          <a:bodyPr/>
+          <a:lstStyle/>
+          <a:p>
+            <a:endParaRPr lang="en-US"/>
+          </a:p>
+        </p:txBody>
+      </p:sp>
+      <p:pic>
+        <p:nvPicPr>
+          <p:cNvPr id="4" name="Picture 3"/>
+          <p:cNvPicPr>
+            <a:picLocks noChangeAspect="1"/>
+          </p:cNvPicPr>
+          <p:nvPr/>
+        </p:nvPicPr>
+        <p:blipFill>
+          <a:blip r:embed="rId2"/>
+          <a:stretch>
+            <a:fillRect/>
+          </a:stretch>
+        </p:blipFill>
+        <p:spPr>
+          <a:xfrm>
+            <a:off x="318281" y="1825625"/>
+            <a:ext cx="11555438" cy="4629796"/>
+          </a:xfrm>
+          <a:prstGeom prst="rect">
+            <a:avLst/>
+          </a:prstGeom>
+        </p:spPr>
+      </p:pic>
+    </p:spTree>
+    <p:extLst>
+      <p:ext uri="{BB962C8B-B14F-4D97-AF65-F5344CB8AC3E}">
+        <p14:creationId xmlns:p14="http://schemas.microsoft.com/office/powerpoint/2010/main" val="1788554243"/>
+      </p:ext>
+    </p:extLst>
+  </p:cSld>
+  <p:clrMapOvr>
+    <a:masterClrMapping/>
+  </p:clrMapOvr>
+</p:sld>
+</file>
+
+<file path=ppt/slides/slide22.xml><?xml version="1.0" encoding="utf-8"?>
+<p:sld xmlns:a="http://schemas.openxmlformats.org/drawingml/2006/main" xmlns:r="http://schemas.openxmlformats.org/officeDocument/2006/relationships" xmlns:p="http://schemas.openxmlformats.org/presentationml/2006/main">
+  <p:cSld>
+    <p:spTree>
+      <p:nvGrpSpPr>
+        <p:cNvPr id="1" name=""/>
+        <p:cNvGrpSpPr/>
+        <p:nvPr/>
+      </p:nvGrpSpPr>
+      <p:grpSpPr>
+        <a:xfrm>
+          <a:off x="0" y="0"/>
+          <a:ext cx="0" cy="0"/>
+          <a:chOff x="0" y="0"/>
+          <a:chExt cx="0" cy="0"/>
+        </a:xfrm>
+      </p:grpSpPr>
+      <p:sp>
+        <p:nvSpPr>
+          <p:cNvPr id="2" name="Title 1"/>
+          <p:cNvSpPr>
+            <a:spLocks noGrp="1"/>
+          </p:cNvSpPr>
+          <p:nvPr>
+            <p:ph type="title"/>
+          </p:nvPr>
+        </p:nvSpPr>
+        <p:spPr/>
+        <p:txBody>
+          <a:bodyPr/>
+          <a:lstStyle/>
+          <a:p>
+            <a:r>
+              <a:rPr lang="en-US" altLang="zh-TW" dirty="0" smtClean="0"/>
+              <a:t>Run05.bat(3)</a:t>
+            </a:r>
+            <a:endParaRPr lang="en-US" dirty="0"/>
+          </a:p>
+        </p:txBody>
+      </p:sp>
+      <p:sp>
+        <p:nvSpPr>
+          <p:cNvPr id="3" name="Content Placeholder 2"/>
+          <p:cNvSpPr>
+            <a:spLocks noGrp="1"/>
+          </p:cNvSpPr>
+          <p:nvPr>
+            <p:ph idx="1"/>
+          </p:nvPr>
+        </p:nvSpPr>
+        <p:spPr/>
+        <p:txBody>
+          <a:bodyPr/>
+          <a:lstStyle/>
+          <a:p>
+            <a:endParaRPr lang="en-US"/>
+          </a:p>
+        </p:txBody>
+      </p:sp>
+      <p:pic>
+        <p:nvPicPr>
+          <p:cNvPr id="4" name="Picture 3"/>
+          <p:cNvPicPr>
+            <a:picLocks noChangeAspect="1"/>
+          </p:cNvPicPr>
+          <p:nvPr/>
+        </p:nvPicPr>
+        <p:blipFill>
+          <a:blip r:embed="rId2"/>
+          <a:stretch>
+            <a:fillRect/>
+          </a:stretch>
+        </p:blipFill>
+        <p:spPr>
+          <a:xfrm>
+            <a:off x="838200" y="1825625"/>
+            <a:ext cx="10364646" cy="4582164"/>
+          </a:xfrm>
+          <a:prstGeom prst="rect">
+            <a:avLst/>
+          </a:prstGeom>
+        </p:spPr>
+      </p:pic>
+    </p:spTree>
+    <p:extLst>
+      <p:ext uri="{BB962C8B-B14F-4D97-AF65-F5344CB8AC3E}">
+        <p14:creationId xmlns:p14="http://schemas.microsoft.com/office/powerpoint/2010/main" val="694072531"/>
+      </p:ext>
+    </p:extLst>
+  </p:cSld>
+  <p:clrMapOvr>
+    <a:masterClrMapping/>
+  </p:clrMapOvr>
+</p:sld>
+</file>
+
+<file path=ppt/slides/slide23.xml><?xml version="1.0" encoding="utf-8"?>
+<p:sld xmlns:a="http://schemas.openxmlformats.org/drawingml/2006/main" xmlns:r="http://schemas.openxmlformats.org/officeDocument/2006/relationships" xmlns:p="http://schemas.openxmlformats.org/presentationml/2006/main">
+  <p:cSld>
+    <p:spTree>
+      <p:nvGrpSpPr>
+        <p:cNvPr id="1" name=""/>
+        <p:cNvGrpSpPr/>
+        <p:nvPr/>
+      </p:nvGrpSpPr>
+      <p:grpSpPr>
+        <a:xfrm>
+          <a:off x="0" y="0"/>
+          <a:ext cx="0" cy="0"/>
+          <a:chOff x="0" y="0"/>
+          <a:chExt cx="0" cy="0"/>
+        </a:xfrm>
+      </p:grpSpPr>
+      <p:sp>
+        <p:nvSpPr>
+          <p:cNvPr id="2" name="Title 1"/>
+          <p:cNvSpPr>
+            <a:spLocks noGrp="1"/>
+          </p:cNvSpPr>
+          <p:nvPr>
+            <p:ph type="title"/>
+          </p:nvPr>
+        </p:nvSpPr>
+        <p:spPr/>
+        <p:txBody>
+          <a:bodyPr/>
+          <a:lstStyle/>
+          <a:p>
+            <a:r>
+              <a:rPr lang="en-US" altLang="zh-TW" dirty="0" smtClean="0"/>
+              <a:t>Some weird</a:t>
+            </a:r>
+            <a:r>
+              <a:rPr lang="zh-TW" altLang="en-US" dirty="0" smtClean="0"/>
+              <a:t> </a:t>
+            </a:r>
+            <a:r>
+              <a:rPr lang="en-US" altLang="zh-TW" dirty="0" smtClean="0"/>
+              <a:t>ERRORs, we </a:t>
+            </a:r>
+            <a:r>
+              <a:rPr lang="en-US" altLang="zh-TW" dirty="0" err="1" smtClean="0"/>
+              <a:t>lossed</a:t>
+            </a:r>
+            <a:r>
+              <a:rPr lang="en-US" altLang="zh-TW" dirty="0" smtClean="0"/>
+              <a:t> the data…</a:t>
+            </a:r>
+            <a:r>
+              <a:rPr lang="zh-TW" altLang="en-US" dirty="0" smtClean="0"/>
+              <a:t> </a:t>
+            </a:r>
+            <a:endParaRPr lang="en-US" dirty="0"/>
+          </a:p>
+        </p:txBody>
+      </p:sp>
+      <p:sp>
+        <p:nvSpPr>
+          <p:cNvPr id="3" name="Content Placeholder 2"/>
+          <p:cNvSpPr>
+            <a:spLocks noGrp="1"/>
+          </p:cNvSpPr>
+          <p:nvPr>
+            <p:ph idx="1"/>
+          </p:nvPr>
+        </p:nvSpPr>
+        <p:spPr/>
+        <p:txBody>
+          <a:bodyPr/>
+          <a:lstStyle/>
+          <a:p>
+            <a:r>
+              <a:rPr lang="en-US" dirty="0" smtClean="0"/>
+              <a:t>2024/04/16</a:t>
+            </a:r>
+          </a:p>
+          <a:p>
+            <a:r>
+              <a:rPr lang="en-US" dirty="0" smtClean="0"/>
+              <a:t>2024/04/17</a:t>
+            </a:r>
+          </a:p>
+          <a:p>
+            <a:r>
+              <a:rPr lang="en-US" dirty="0" smtClean="0"/>
+              <a:t>2024/04/24</a:t>
+            </a:r>
+            <a:endParaRPr lang="en-US" dirty="0"/>
+          </a:p>
+        </p:txBody>
+      </p:sp>
+    </p:spTree>
+    <p:extLst>
+      <p:ext uri="{BB962C8B-B14F-4D97-AF65-F5344CB8AC3E}">
+        <p14:creationId xmlns:p14="http://schemas.microsoft.com/office/powerpoint/2010/main" val="3306328055"/>
+      </p:ext>
+    </p:extLst>
+  </p:cSld>
+  <p:clrMapOvr>
+    <a:masterClrMapping/>
+  </p:clrMapOvr>
+</p:sld>
+</file>
+
+<file path=ppt/slides/slide3.xml><?xml version="1.0" encoding="utf-8"?>
+<p:sld xmlns:a="http://schemas.openxmlformats.org/drawingml/2006/main" xmlns:r="http://schemas.openxmlformats.org/officeDocument/2006/relationships" xmlns:p="http://schemas.openxmlformats.org/presentationml/2006/main">
+  <p:cSld>
+    <p:spTree>
+      <p:nvGrpSpPr>
+        <p:cNvPr id="1" name=""/>
+        <p:cNvGrpSpPr/>
+        <p:nvPr/>
+      </p:nvGrpSpPr>
+      <p:grpSpPr>
+        <a:xfrm>
+          <a:off x="0" y="0"/>
+          <a:ext cx="0" cy="0"/>
+          <a:chOff x="0" y="0"/>
+          <a:chExt cx="0" cy="0"/>
+        </a:xfrm>
+      </p:grpSpPr>
+      <p:sp>
+        <p:nvSpPr>
+          <p:cNvPr id="2" name="Title 1"/>
+          <p:cNvSpPr>
+            <a:spLocks noGrp="1"/>
+          </p:cNvSpPr>
+          <p:nvPr>
+            <p:ph type="title"/>
+          </p:nvPr>
+        </p:nvSpPr>
+        <p:spPr/>
+        <p:txBody>
+          <a:bodyPr/>
+          <a:lstStyle/>
+          <a:p>
+            <a:r>
               <a:rPr lang="en-US" dirty="0" smtClean="0"/>
               <a:t>Run02.bat</a:t>
             </a:r>
@@ -3707,7 +5734,26 @@
               <a:rPr lang="en-US" dirty="0" err="1" smtClean="0"/>
               <a:t>mins</a:t>
             </a:r>
-            <a:endParaRPr lang="en-US" dirty="0"/>
+            <a:endParaRPr lang="en-US" dirty="0" smtClean="0"/>
+          </a:p>
+          <a:p>
+            <a:r>
+              <a:rPr lang="en-US" dirty="0" smtClean="0"/>
+              <a:t>Output file example: 2024-04-24 1115_</a:t>
+            </a:r>
+            <a:r>
+              <a:rPr lang="en-US" dirty="0" smtClean="0">
+                <a:solidFill>
+                  <a:srgbClr val="FF0000"/>
+                </a:solidFill>
+              </a:rPr>
+              <a:t>Youbike_cleaned.xlsx</a:t>
+            </a:r>
+            <a:endParaRPr lang="en-US" dirty="0">
+              <a:solidFill>
+                <a:srgbClr val="FF0000"/>
+              </a:solidFill>
+            </a:endParaRPr>
           </a:p>
         </p:txBody>
       </p:sp>
@@ -3724,7 +5770,89 @@
 </p:sld>
 </file>
 
-<file path=ppt/slides/slide3.xml><?xml version="1.0" encoding="utf-8"?>
+<file path=ppt/slides/slide4.xml><?xml version="1.0" encoding="utf-8"?>
+<p:sld xmlns:a="http://schemas.openxmlformats.org/drawingml/2006/main" xmlns:r="http://schemas.openxmlformats.org/officeDocument/2006/relationships" xmlns:p="http://schemas.openxmlformats.org/presentationml/2006/main">
+  <p:cSld>
+    <p:spTree>
+      <p:nvGrpSpPr>
+        <p:cNvPr id="1" name=""/>
+        <p:cNvGrpSpPr/>
+        <p:nvPr/>
+      </p:nvGrpSpPr>
+      <p:grpSpPr>
+        <a:xfrm>
+          <a:off x="0" y="0"/>
+          <a:ext cx="0" cy="0"/>
+          <a:chOff x="0" y="0"/>
+          <a:chExt cx="0" cy="0"/>
+        </a:xfrm>
+      </p:grpSpPr>
+      <p:sp>
+        <p:nvSpPr>
+          <p:cNvPr id="2" name="Title 1"/>
+          <p:cNvSpPr>
+            <a:spLocks noGrp="1"/>
+          </p:cNvSpPr>
+          <p:nvPr>
+            <p:ph type="title"/>
+          </p:nvPr>
+        </p:nvSpPr>
+        <p:spPr/>
+        <p:txBody>
+          <a:bodyPr/>
+          <a:lstStyle/>
+          <a:p>
+            <a:r>
+              <a:rPr lang="en-US" dirty="0" smtClean="0"/>
+              <a:t>Run02.bat(0)</a:t>
+            </a:r>
+            <a:endParaRPr lang="en-US" dirty="0"/>
+          </a:p>
+        </p:txBody>
+      </p:sp>
+      <p:pic>
+        <p:nvPicPr>
+          <p:cNvPr id="4" name="Picture 3"/>
+          <p:cNvPicPr>
+            <a:picLocks noChangeAspect="1"/>
+          </p:cNvPicPr>
+          <p:nvPr/>
+        </p:nvPicPr>
+        <p:blipFill>
+          <a:blip r:embed="rId2"/>
+          <a:stretch>
+            <a:fillRect/>
+          </a:stretch>
+        </p:blipFill>
+        <p:spPr>
+          <a:xfrm>
+            <a:off x="838200" y="1690688"/>
+            <a:ext cx="10406313" cy="1858270"/>
+          </a:xfrm>
+          <a:prstGeom prst="rect">
+            <a:avLst/>
+          </a:prstGeom>
+          <a:ln>
+            <a:solidFill>
+              <a:schemeClr val="tx1"/>
+            </a:solidFill>
+          </a:ln>
+        </p:spPr>
+      </p:pic>
+    </p:spTree>
+    <p:extLst>
+      <p:ext uri="{BB962C8B-B14F-4D97-AF65-F5344CB8AC3E}">
+        <p14:creationId xmlns:p14="http://schemas.microsoft.com/office/powerpoint/2010/main" val="1137396416"/>
+      </p:ext>
+    </p:extLst>
+  </p:cSld>
+  <p:clrMapOvr>
+    <a:masterClrMapping/>
+  </p:clrMapOvr>
+</p:sld>
+</file>
+
+<file path=ppt/slides/slide5.xml><?xml version="1.0" encoding="utf-8"?>
 <p:sld xmlns:a="http://schemas.openxmlformats.org/drawingml/2006/main" xmlns:r="http://schemas.openxmlformats.org/officeDocument/2006/relationships" xmlns:p="http://schemas.openxmlformats.org/presentationml/2006/main">
   <p:cSld>
     <p:spTree>
@@ -3801,7 +5929,7 @@
 </p:sld>
 </file>
 
-<file path=ppt/slides/slide4.xml><?xml version="1.0" encoding="utf-8"?>
+<file path=ppt/slides/slide6.xml><?xml version="1.0" encoding="utf-8"?>
 <p:sld xmlns:a="http://schemas.openxmlformats.org/drawingml/2006/main" xmlns:r="http://schemas.openxmlformats.org/officeDocument/2006/relationships" xmlns:p="http://schemas.openxmlformats.org/presentationml/2006/main">
   <p:cSld>
     <p:spTree>
@@ -3878,7 +6006,7 @@
 </p:sld>
 </file>
 
-<file path=ppt/slides/slide5.xml><?xml version="1.0" encoding="utf-8"?>
+<file path=ppt/slides/slide7.xml><?xml version="1.0" encoding="utf-8"?>
 <p:sld xmlns:a="http://schemas.openxmlformats.org/drawingml/2006/main" xmlns:r="http://schemas.openxmlformats.org/officeDocument/2006/relationships" xmlns:p="http://schemas.openxmlformats.org/presentationml/2006/main">
   <p:cSld>
     <p:spTree>
@@ -3987,178 +6115,6 @@
     <p:extLst>
       <p:ext uri="{BB962C8B-B14F-4D97-AF65-F5344CB8AC3E}">
         <p14:creationId xmlns:p14="http://schemas.microsoft.com/office/powerpoint/2010/main" val="3087191957"/>
-      </p:ext>
-    </p:extLst>
-  </p:cSld>
-  <p:clrMapOvr>
-    <a:masterClrMapping/>
-  </p:clrMapOvr>
-</p:sld>
-</file>
-
-<file path=ppt/slides/slide6.xml><?xml version="1.0" encoding="utf-8"?>
-<p:sld xmlns:a="http://schemas.openxmlformats.org/drawingml/2006/main" xmlns:r="http://schemas.openxmlformats.org/officeDocument/2006/relationships" xmlns:p="http://schemas.openxmlformats.org/presentationml/2006/main">
-  <p:cSld>
-    <p:spTree>
-      <p:nvGrpSpPr>
-        <p:cNvPr id="1" name=""/>
-        <p:cNvGrpSpPr/>
-        <p:nvPr/>
-      </p:nvGrpSpPr>
-      <p:grpSpPr>
-        <a:xfrm>
-          <a:off x="0" y="0"/>
-          <a:ext cx="0" cy="0"/>
-          <a:chOff x="0" y="0"/>
-          <a:chExt cx="0" cy="0"/>
-        </a:xfrm>
-      </p:grpSpPr>
-      <p:sp>
-        <p:nvSpPr>
-          <p:cNvPr id="2" name="Title 1"/>
-          <p:cNvSpPr>
-            <a:spLocks noGrp="1"/>
-          </p:cNvSpPr>
-          <p:nvPr>
-            <p:ph type="title"/>
-          </p:nvPr>
-        </p:nvSpPr>
-        <p:spPr/>
-        <p:txBody>
-          <a:bodyPr/>
-          <a:lstStyle/>
-          <a:p>
-            <a:r>
-              <a:rPr lang="en-US" altLang="zh-TW" dirty="0" smtClean="0"/>
-              <a:t>Run03.bat</a:t>
-            </a:r>
-            <a:endParaRPr lang="en-US" dirty="0"/>
-          </a:p>
-        </p:txBody>
-      </p:sp>
-      <p:sp>
-        <p:nvSpPr>
-          <p:cNvPr id="5" name="Content Placeholder 2"/>
-          <p:cNvSpPr>
-            <a:spLocks noGrp="1"/>
-          </p:cNvSpPr>
-          <p:nvPr>
-            <p:ph idx="1"/>
-          </p:nvPr>
-        </p:nvSpPr>
-        <p:spPr>
-          <a:xfrm>
-            <a:off x="838200" y="1825625"/>
-            <a:ext cx="10515600" cy="4351338"/>
-          </a:xfrm>
-        </p:spPr>
-        <p:txBody>
-          <a:bodyPr/>
-          <a:lstStyle/>
-          <a:p>
-            <a:r>
-              <a:rPr lang="en-US" dirty="0" smtClean="0"/>
-              <a:t>Combine the Youbike_15mins_data excels to merged data by DAY.</a:t>
-            </a:r>
-          </a:p>
-          <a:p>
-            <a:r>
-              <a:rPr lang="en-US" dirty="0" smtClean="0"/>
-              <a:t>Select column [“</a:t>
-            </a:r>
-            <a:r>
-              <a:rPr lang="en-US" dirty="0" err="1" smtClean="0"/>
-              <a:t>bemp</a:t>
-            </a:r>
-            <a:r>
-              <a:rPr lang="en-US" dirty="0" smtClean="0"/>
-              <a:t>”].</a:t>
-            </a:r>
-            <a:endParaRPr lang="en-US" dirty="0"/>
-          </a:p>
-        </p:txBody>
-      </p:sp>
-    </p:spTree>
-    <p:extLst>
-      <p:ext uri="{BB962C8B-B14F-4D97-AF65-F5344CB8AC3E}">
-        <p14:creationId xmlns:p14="http://schemas.microsoft.com/office/powerpoint/2010/main" val="3364091592"/>
-      </p:ext>
-    </p:extLst>
-  </p:cSld>
-  <p:clrMapOvr>
-    <a:masterClrMapping/>
-  </p:clrMapOvr>
-</p:sld>
-</file>
-
-<file path=ppt/slides/slide7.xml><?xml version="1.0" encoding="utf-8"?>
-<p:sld xmlns:a="http://schemas.openxmlformats.org/drawingml/2006/main" xmlns:r="http://schemas.openxmlformats.org/officeDocument/2006/relationships" xmlns:p="http://schemas.openxmlformats.org/presentationml/2006/main">
-  <p:cSld>
-    <p:spTree>
-      <p:nvGrpSpPr>
-        <p:cNvPr id="1" name=""/>
-        <p:cNvGrpSpPr/>
-        <p:nvPr/>
-      </p:nvGrpSpPr>
-      <p:grpSpPr>
-        <a:xfrm>
-          <a:off x="0" y="0"/>
-          <a:ext cx="0" cy="0"/>
-          <a:chOff x="0" y="0"/>
-          <a:chExt cx="0" cy="0"/>
-        </a:xfrm>
-      </p:grpSpPr>
-      <p:sp>
-        <p:nvSpPr>
-          <p:cNvPr id="2" name="Title 1"/>
-          <p:cNvSpPr>
-            <a:spLocks noGrp="1"/>
-          </p:cNvSpPr>
-          <p:nvPr>
-            <p:ph type="title"/>
-          </p:nvPr>
-        </p:nvSpPr>
-        <p:spPr/>
-        <p:txBody>
-          <a:bodyPr/>
-          <a:lstStyle/>
-          <a:p>
-            <a:r>
-              <a:rPr lang="en-US" altLang="zh-TW" dirty="0" smtClean="0"/>
-              <a:t>Run03.bat (1)</a:t>
-            </a:r>
-            <a:endParaRPr lang="en-US" dirty="0"/>
-          </a:p>
-        </p:txBody>
-      </p:sp>
-      <p:pic>
-        <p:nvPicPr>
-          <p:cNvPr id="4" name="Picture 3"/>
-          <p:cNvPicPr>
-            <a:picLocks noChangeAspect="1"/>
-          </p:cNvPicPr>
-          <p:nvPr/>
-        </p:nvPicPr>
-        <p:blipFill>
-          <a:blip r:embed="rId2"/>
-          <a:stretch>
-            <a:fillRect/>
-          </a:stretch>
-        </p:blipFill>
-        <p:spPr>
-          <a:xfrm>
-            <a:off x="4154462" y="525625"/>
-            <a:ext cx="6791178" cy="5238909"/>
-          </a:xfrm>
-          <a:prstGeom prst="rect">
-            <a:avLst/>
-          </a:prstGeom>
-        </p:spPr>
-      </p:pic>
-    </p:spTree>
-    <p:extLst>
-      <p:ext uri="{BB962C8B-B14F-4D97-AF65-F5344CB8AC3E}">
-        <p14:creationId xmlns:p14="http://schemas.microsoft.com/office/powerpoint/2010/main" val="544881435"/>
       </p:ext>
     </p:extLst>
   </p:cSld>
@@ -4202,40 +6158,75 @@
           <a:p>
             <a:r>
               <a:rPr lang="en-US" altLang="zh-TW" dirty="0" smtClean="0"/>
-              <a:t>Run03.bat (2)</a:t>
+              <a:t>Run03.bat</a:t>
             </a:r>
             <a:endParaRPr lang="en-US" dirty="0"/>
           </a:p>
         </p:txBody>
       </p:sp>
-      <p:pic>
-        <p:nvPicPr>
-          <p:cNvPr id="3" name="Picture 2"/>
-          <p:cNvPicPr>
-            <a:picLocks noChangeAspect="1"/>
-          </p:cNvPicPr>
-          <p:nvPr/>
-        </p:nvPicPr>
-        <p:blipFill>
-          <a:blip r:embed="rId2"/>
-          <a:stretch>
-            <a:fillRect/>
-          </a:stretch>
-        </p:blipFill>
+      <p:sp>
+        <p:nvSpPr>
+          <p:cNvPr id="5" name="Content Placeholder 2"/>
+          <p:cNvSpPr>
+            <a:spLocks noGrp="1"/>
+          </p:cNvSpPr>
+          <p:nvPr>
+            <p:ph idx="1"/>
+          </p:nvPr>
+        </p:nvSpPr>
         <p:spPr>
           <a:xfrm>
-            <a:off x="203965" y="1444385"/>
-            <a:ext cx="11784070" cy="5001323"/>
+            <a:off x="838200" y="1825625"/>
+            <a:ext cx="10515600" cy="4351338"/>
           </a:xfrm>
-          <a:prstGeom prst="rect">
-            <a:avLst/>
-          </a:prstGeom>
         </p:spPr>
-      </p:pic>
+        <p:txBody>
+          <a:bodyPr/>
+          <a:lstStyle/>
+          <a:p>
+            <a:r>
+              <a:rPr lang="en-US" dirty="0" smtClean="0"/>
+              <a:t>Combine the Youbike_15mins_data excels to merged data by DAY.</a:t>
+            </a:r>
+          </a:p>
+          <a:p>
+            <a:r>
+              <a:rPr lang="en-US" dirty="0" smtClean="0"/>
+              <a:t>Select column [“</a:t>
+            </a:r>
+            <a:r>
+              <a:rPr lang="en-US" dirty="0" err="1" smtClean="0"/>
+              <a:t>bemp</a:t>
+            </a:r>
+            <a:r>
+              <a:rPr lang="en-US" dirty="0" smtClean="0"/>
+              <a:t>”].</a:t>
+            </a:r>
+          </a:p>
+          <a:p>
+            <a:r>
+              <a:rPr lang="en-US" dirty="0" smtClean="0"/>
+              <a:t>Output file </a:t>
+            </a:r>
+            <a:r>
+              <a:rPr lang="en-US" dirty="0"/>
+              <a:t>example 2024-04-23 </a:t>
+            </a:r>
+            <a:r>
+              <a:rPr lang="en-US" dirty="0">
+                <a:solidFill>
+                  <a:srgbClr val="FF0000"/>
+                </a:solidFill>
+              </a:rPr>
+              <a:t>merged_data.xlsx</a:t>
+            </a:r>
+          </a:p>
+        </p:txBody>
+      </p:sp>
     </p:spTree>
     <p:extLst>
       <p:ext uri="{BB962C8B-B14F-4D97-AF65-F5344CB8AC3E}">
-        <p14:creationId xmlns:p14="http://schemas.microsoft.com/office/powerpoint/2010/main" val="2480588477"/>
+        <p14:creationId xmlns:p14="http://schemas.microsoft.com/office/powerpoint/2010/main" val="3364091592"/>
       </p:ext>
     </p:extLst>
   </p:cSld>
@@ -4278,8 +6269,12 @@
           <a:lstStyle/>
           <a:p>
             <a:r>
+              <a:rPr lang="en-US" altLang="zh-TW" dirty="0"/>
+              <a:t>Run03.bat </a:t>
+            </a:r>
+            <a:r>
               <a:rPr lang="en-US" altLang="zh-TW" dirty="0" smtClean="0"/>
-              <a:t>Run03.bat (3)</a:t>
+              <a:t>(0)</a:t>
             </a:r>
             <a:endParaRPr lang="en-US" dirty="0"/>
           </a:p>
@@ -4301,59 +6296,23 @@
         </p:blipFill>
         <p:spPr>
           <a:xfrm>
-            <a:off x="646206" y="1453404"/>
-            <a:ext cx="10707594" cy="4820323"/>
+            <a:off x="838200" y="1825624"/>
+            <a:ext cx="10368322" cy="2031151"/>
           </a:xfrm>
           <a:prstGeom prst="rect">
             <a:avLst/>
           </a:prstGeom>
+          <a:ln>
+            <a:solidFill>
+              <a:schemeClr val="tx1"/>
+            </a:solidFill>
+          </a:ln>
         </p:spPr>
       </p:pic>
-      <p:sp>
-        <p:nvSpPr>
-          <p:cNvPr id="5" name="Rectangle 4"/>
-          <p:cNvSpPr/>
-          <p:nvPr/>
-        </p:nvSpPr>
-        <p:spPr>
-          <a:xfrm>
-            <a:off x="958353" y="6273727"/>
-            <a:ext cx="5706306" cy="369332"/>
-          </a:xfrm>
-          <a:prstGeom prst="rect">
-            <a:avLst/>
-          </a:prstGeom>
-        </p:spPr>
-        <p:txBody>
-          <a:bodyPr wrap="none">
-            <a:spAutoFit/>
-          </a:bodyPr>
-          <a:lstStyle/>
-          <a:p>
-            <a:r>
-              <a:rPr lang="en-US" dirty="0" smtClean="0"/>
-              <a:t>Start in: </a:t>
-            </a:r>
-            <a:r>
-              <a:rPr lang="en-US" dirty="0" smtClean="0">
-                <a:solidFill>
-                  <a:srgbClr val="FF0000"/>
-                </a:solidFill>
-              </a:rPr>
-              <a:t>C:\Users\Elebc_GPU_Server\Desktop\排程抓資料</a:t>
-            </a:r>
-            <a:endParaRPr lang="en-US" dirty="0">
-              <a:solidFill>
-                <a:srgbClr val="FF0000"/>
-              </a:solidFill>
-            </a:endParaRPr>
-          </a:p>
-        </p:txBody>
-      </p:sp>
     </p:spTree>
     <p:extLst>
       <p:ext uri="{BB962C8B-B14F-4D97-AF65-F5344CB8AC3E}">
-        <p14:creationId xmlns:p14="http://schemas.microsoft.com/office/powerpoint/2010/main" val="2154731448"/>
+        <p14:creationId xmlns:p14="http://schemas.microsoft.com/office/powerpoint/2010/main" val="516812476"/>
       </p:ext>
     </p:extLst>
   </p:cSld>

--- a/Work schedule.pptx
+++ b/Work schedule.pptx
@@ -5,7 +5,7 @@
     <p:sldMasterId id="2147483648" r:id="rId1"/>
   </p:sldMasterIdLst>
   <p:notesMasterIdLst>
-    <p:notesMasterId r:id="rId25"/>
+    <p:notesMasterId r:id="rId27"/>
   </p:notesMasterIdLst>
   <p:sldIdLst>
     <p:sldId id="256" r:id="rId2"/>
@@ -30,7 +30,9 @@
     <p:sldId id="273" r:id="rId21"/>
     <p:sldId id="272" r:id="rId22"/>
     <p:sldId id="271" r:id="rId23"/>
-    <p:sldId id="268" r:id="rId24"/>
+    <p:sldId id="279" r:id="rId24"/>
+    <p:sldId id="280" r:id="rId25"/>
+    <p:sldId id="268" r:id="rId26"/>
   </p:sldIdLst>
   <p:sldSz cx="12192000" cy="6858000"/>
   <p:notesSz cx="6858000" cy="9144000"/>
@@ -219,7 +221,7 @@
           <a:p>
             <a:fld id="{B3DA1171-4DBB-4F83-8575-A8A6B55B05AF}" type="datetimeFigureOut">
               <a:rPr lang="en-US" smtClean="0"/>
-              <a:t>4/27/2024</a:t>
+              <a:t>4/29/24</a:t>
             </a:fld>
             <a:endParaRPr lang="en-US"/>
           </a:p>
@@ -283,38 +285,37 @@
           <a:p>
             <a:pPr lvl="0"/>
             <a:r>
-              <a:rPr lang="en-US" smtClean="0"/>
+              <a:rPr lang="en-US"/>
               <a:t>Edit Master text styles</a:t>
             </a:r>
           </a:p>
           <a:p>
             <a:pPr lvl="1"/>
             <a:r>
-              <a:rPr lang="en-US" smtClean="0"/>
+              <a:rPr lang="en-US"/>
               <a:t>Second level</a:t>
             </a:r>
           </a:p>
           <a:p>
             <a:pPr lvl="2"/>
             <a:r>
-              <a:rPr lang="en-US" smtClean="0"/>
+              <a:rPr lang="en-US"/>
               <a:t>Third level</a:t>
             </a:r>
           </a:p>
           <a:p>
             <a:pPr lvl="3"/>
             <a:r>
-              <a:rPr lang="en-US" smtClean="0"/>
+              <a:rPr lang="en-US"/>
               <a:t>Fourth level</a:t>
             </a:r>
           </a:p>
           <a:p>
             <a:pPr lvl="4"/>
             <a:r>
-              <a:rPr lang="en-US" smtClean="0"/>
+              <a:rPr lang="en-US"/>
               <a:t>Fifth level</a:t>
             </a:r>
-            <a:endParaRPr lang="en-US"/>
           </a:p>
         </p:txBody>
       </p:sp>
@@ -781,10 +782,9 @@
           </a:lstStyle>
           <a:p>
             <a:r>
-              <a:rPr lang="en-US" smtClean="0"/>
+              <a:rPr lang="en-US"/>
               <a:t>Click to edit Master title style</a:t>
             </a:r>
-            <a:endParaRPr lang="en-US"/>
           </a:p>
         </p:txBody>
       </p:sp>
@@ -846,10 +846,9 @@
           </a:lstStyle>
           <a:p>
             <a:r>
-              <a:rPr lang="en-US" smtClean="0"/>
+              <a:rPr lang="en-US"/>
               <a:t>Click to edit Master subtitle style</a:t>
             </a:r>
-            <a:endParaRPr lang="en-US"/>
           </a:p>
         </p:txBody>
       </p:sp>
@@ -870,7 +869,7 @@
           <a:p>
             <a:fld id="{6AEF05C9-2CBA-4AC1-B13B-ED0A1AAD20F6}" type="datetimeFigureOut">
               <a:rPr lang="en-US" smtClean="0"/>
-              <a:t>4/27/2024</a:t>
+              <a:t>4/29/24</a:t>
             </a:fld>
             <a:endParaRPr lang="en-US"/>
           </a:p>
@@ -964,10 +963,9 @@
           <a:lstStyle/>
           <a:p>
             <a:r>
-              <a:rPr lang="en-US" smtClean="0"/>
+              <a:rPr lang="en-US"/>
               <a:t>Click to edit Master title style</a:t>
             </a:r>
-            <a:endParaRPr lang="en-US"/>
           </a:p>
         </p:txBody>
       </p:sp>
@@ -988,38 +986,37 @@
           <a:p>
             <a:pPr lvl="0"/>
             <a:r>
-              <a:rPr lang="en-US" smtClean="0"/>
+              <a:rPr lang="en-US"/>
               <a:t>Edit Master text styles</a:t>
             </a:r>
           </a:p>
           <a:p>
             <a:pPr lvl="1"/>
             <a:r>
-              <a:rPr lang="en-US" smtClean="0"/>
+              <a:rPr lang="en-US"/>
               <a:t>Second level</a:t>
             </a:r>
           </a:p>
           <a:p>
             <a:pPr lvl="2"/>
             <a:r>
-              <a:rPr lang="en-US" smtClean="0"/>
+              <a:rPr lang="en-US"/>
               <a:t>Third level</a:t>
             </a:r>
           </a:p>
           <a:p>
             <a:pPr lvl="3"/>
             <a:r>
-              <a:rPr lang="en-US" smtClean="0"/>
+              <a:rPr lang="en-US"/>
               <a:t>Fourth level</a:t>
             </a:r>
           </a:p>
           <a:p>
             <a:pPr lvl="4"/>
             <a:r>
-              <a:rPr lang="en-US" smtClean="0"/>
+              <a:rPr lang="en-US"/>
               <a:t>Fifth level</a:t>
             </a:r>
-            <a:endParaRPr lang="en-US"/>
           </a:p>
         </p:txBody>
       </p:sp>
@@ -1040,7 +1037,7 @@
           <a:p>
             <a:fld id="{6AEF05C9-2CBA-4AC1-B13B-ED0A1AAD20F6}" type="datetimeFigureOut">
               <a:rPr lang="en-US" smtClean="0"/>
-              <a:t>4/27/2024</a:t>
+              <a:t>4/29/24</a:t>
             </a:fld>
             <a:endParaRPr lang="en-US"/>
           </a:p>
@@ -1139,10 +1136,9 @@
           <a:lstStyle/>
           <a:p>
             <a:r>
-              <a:rPr lang="en-US" smtClean="0"/>
+              <a:rPr lang="en-US"/>
               <a:t>Click to edit Master title style</a:t>
             </a:r>
-            <a:endParaRPr lang="en-US"/>
           </a:p>
         </p:txBody>
       </p:sp>
@@ -1168,38 +1164,37 @@
           <a:p>
             <a:pPr lvl="0"/>
             <a:r>
-              <a:rPr lang="en-US" smtClean="0"/>
+              <a:rPr lang="en-US"/>
               <a:t>Edit Master text styles</a:t>
             </a:r>
           </a:p>
           <a:p>
             <a:pPr lvl="1"/>
             <a:r>
-              <a:rPr lang="en-US" smtClean="0"/>
+              <a:rPr lang="en-US"/>
               <a:t>Second level</a:t>
             </a:r>
           </a:p>
           <a:p>
             <a:pPr lvl="2"/>
             <a:r>
-              <a:rPr lang="en-US" smtClean="0"/>
+              <a:rPr lang="en-US"/>
               <a:t>Third level</a:t>
             </a:r>
           </a:p>
           <a:p>
             <a:pPr lvl="3"/>
             <a:r>
-              <a:rPr lang="en-US" smtClean="0"/>
+              <a:rPr lang="en-US"/>
               <a:t>Fourth level</a:t>
             </a:r>
           </a:p>
           <a:p>
             <a:pPr lvl="4"/>
             <a:r>
-              <a:rPr lang="en-US" smtClean="0"/>
+              <a:rPr lang="en-US"/>
               <a:t>Fifth level</a:t>
             </a:r>
-            <a:endParaRPr lang="en-US"/>
           </a:p>
         </p:txBody>
       </p:sp>
@@ -1220,7 +1215,7 @@
           <a:p>
             <a:fld id="{6AEF05C9-2CBA-4AC1-B13B-ED0A1AAD20F6}" type="datetimeFigureOut">
               <a:rPr lang="en-US" smtClean="0"/>
-              <a:t>4/27/2024</a:t>
+              <a:t>4/29/24</a:t>
             </a:fld>
             <a:endParaRPr lang="en-US"/>
           </a:p>
@@ -1314,10 +1309,9 @@
           <a:lstStyle/>
           <a:p>
             <a:r>
-              <a:rPr lang="en-US" smtClean="0"/>
+              <a:rPr lang="en-US"/>
               <a:t>Click to edit Master title style</a:t>
             </a:r>
-            <a:endParaRPr lang="en-US"/>
           </a:p>
         </p:txBody>
       </p:sp>
@@ -1338,38 +1332,37 @@
           <a:p>
             <a:pPr lvl="0"/>
             <a:r>
-              <a:rPr lang="en-US" smtClean="0"/>
+              <a:rPr lang="en-US"/>
               <a:t>Edit Master text styles</a:t>
             </a:r>
           </a:p>
           <a:p>
             <a:pPr lvl="1"/>
             <a:r>
-              <a:rPr lang="en-US" smtClean="0"/>
+              <a:rPr lang="en-US"/>
               <a:t>Second level</a:t>
             </a:r>
           </a:p>
           <a:p>
             <a:pPr lvl="2"/>
             <a:r>
-              <a:rPr lang="en-US" smtClean="0"/>
+              <a:rPr lang="en-US"/>
               <a:t>Third level</a:t>
             </a:r>
           </a:p>
           <a:p>
             <a:pPr lvl="3"/>
             <a:r>
-              <a:rPr lang="en-US" smtClean="0"/>
+              <a:rPr lang="en-US"/>
               <a:t>Fourth level</a:t>
             </a:r>
           </a:p>
           <a:p>
             <a:pPr lvl="4"/>
             <a:r>
-              <a:rPr lang="en-US" smtClean="0"/>
+              <a:rPr lang="en-US"/>
               <a:t>Fifth level</a:t>
             </a:r>
-            <a:endParaRPr lang="en-US"/>
           </a:p>
         </p:txBody>
       </p:sp>
@@ -1390,7 +1383,7 @@
           <a:p>
             <a:fld id="{6AEF05C9-2CBA-4AC1-B13B-ED0A1AAD20F6}" type="datetimeFigureOut">
               <a:rPr lang="en-US" smtClean="0"/>
-              <a:t>4/27/2024</a:t>
+              <a:t>4/29/24</a:t>
             </a:fld>
             <a:endParaRPr lang="en-US"/>
           </a:p>
@@ -1493,10 +1486,9 @@
           </a:lstStyle>
           <a:p>
             <a:r>
-              <a:rPr lang="en-US" smtClean="0"/>
+              <a:rPr lang="en-US"/>
               <a:t>Click to edit Master title style</a:t>
             </a:r>
-            <a:endParaRPr lang="en-US"/>
           </a:p>
         </p:txBody>
       </p:sp>
@@ -1613,7 +1605,7 @@
           <a:p>
             <a:pPr lvl="0"/>
             <a:r>
-              <a:rPr lang="en-US" smtClean="0"/>
+              <a:rPr lang="en-US"/>
               <a:t>Edit Master text styles</a:t>
             </a:r>
           </a:p>
@@ -1636,7 +1628,7 @@
           <a:p>
             <a:fld id="{6AEF05C9-2CBA-4AC1-B13B-ED0A1AAD20F6}" type="datetimeFigureOut">
               <a:rPr lang="en-US" smtClean="0"/>
-              <a:t>4/27/2024</a:t>
+              <a:t>4/29/24</a:t>
             </a:fld>
             <a:endParaRPr lang="en-US"/>
           </a:p>
@@ -1730,10 +1722,9 @@
           <a:lstStyle/>
           <a:p>
             <a:r>
-              <a:rPr lang="en-US" smtClean="0"/>
+              <a:rPr lang="en-US"/>
               <a:t>Click to edit Master title style</a:t>
             </a:r>
-            <a:endParaRPr lang="en-US"/>
           </a:p>
         </p:txBody>
       </p:sp>
@@ -1759,38 +1750,37 @@
           <a:p>
             <a:pPr lvl="0"/>
             <a:r>
-              <a:rPr lang="en-US" smtClean="0"/>
+              <a:rPr lang="en-US"/>
               <a:t>Edit Master text styles</a:t>
             </a:r>
           </a:p>
           <a:p>
             <a:pPr lvl="1"/>
             <a:r>
-              <a:rPr lang="en-US" smtClean="0"/>
+              <a:rPr lang="en-US"/>
               <a:t>Second level</a:t>
             </a:r>
           </a:p>
           <a:p>
             <a:pPr lvl="2"/>
             <a:r>
-              <a:rPr lang="en-US" smtClean="0"/>
+              <a:rPr lang="en-US"/>
               <a:t>Third level</a:t>
             </a:r>
           </a:p>
           <a:p>
             <a:pPr lvl="3"/>
             <a:r>
-              <a:rPr lang="en-US" smtClean="0"/>
+              <a:rPr lang="en-US"/>
               <a:t>Fourth level</a:t>
             </a:r>
           </a:p>
           <a:p>
             <a:pPr lvl="4"/>
             <a:r>
-              <a:rPr lang="en-US" smtClean="0"/>
+              <a:rPr lang="en-US"/>
               <a:t>Fifth level</a:t>
             </a:r>
-            <a:endParaRPr lang="en-US"/>
           </a:p>
         </p:txBody>
       </p:sp>
@@ -1816,38 +1806,37 @@
           <a:p>
             <a:pPr lvl="0"/>
             <a:r>
-              <a:rPr lang="en-US" smtClean="0"/>
+              <a:rPr lang="en-US"/>
               <a:t>Edit Master text styles</a:t>
             </a:r>
           </a:p>
           <a:p>
             <a:pPr lvl="1"/>
             <a:r>
-              <a:rPr lang="en-US" smtClean="0"/>
+              <a:rPr lang="en-US"/>
               <a:t>Second level</a:t>
             </a:r>
           </a:p>
           <a:p>
             <a:pPr lvl="2"/>
             <a:r>
-              <a:rPr lang="en-US" smtClean="0"/>
+              <a:rPr lang="en-US"/>
               <a:t>Third level</a:t>
             </a:r>
           </a:p>
           <a:p>
             <a:pPr lvl="3"/>
             <a:r>
-              <a:rPr lang="en-US" smtClean="0"/>
+              <a:rPr lang="en-US"/>
               <a:t>Fourth level</a:t>
             </a:r>
           </a:p>
           <a:p>
             <a:pPr lvl="4"/>
             <a:r>
-              <a:rPr lang="en-US" smtClean="0"/>
+              <a:rPr lang="en-US"/>
               <a:t>Fifth level</a:t>
             </a:r>
-            <a:endParaRPr lang="en-US"/>
           </a:p>
         </p:txBody>
       </p:sp>
@@ -1868,7 +1857,7 @@
           <a:p>
             <a:fld id="{6AEF05C9-2CBA-4AC1-B13B-ED0A1AAD20F6}" type="datetimeFigureOut">
               <a:rPr lang="en-US" smtClean="0"/>
-              <a:t>4/27/2024</a:t>
+              <a:t>4/29/24</a:t>
             </a:fld>
             <a:endParaRPr lang="en-US"/>
           </a:p>
@@ -1967,10 +1956,9 @@
           <a:lstStyle/>
           <a:p>
             <a:r>
-              <a:rPr lang="en-US" smtClean="0"/>
+              <a:rPr lang="en-US"/>
               <a:t>Click to edit Master title style</a:t>
             </a:r>
-            <a:endParaRPr lang="en-US"/>
           </a:p>
         </p:txBody>
       </p:sp>
@@ -2033,7 +2021,7 @@
           <a:p>
             <a:pPr lvl="0"/>
             <a:r>
-              <a:rPr lang="en-US" smtClean="0"/>
+              <a:rPr lang="en-US"/>
               <a:t>Edit Master text styles</a:t>
             </a:r>
           </a:p>
@@ -2061,38 +2049,37 @@
           <a:p>
             <a:pPr lvl="0"/>
             <a:r>
-              <a:rPr lang="en-US" smtClean="0"/>
+              <a:rPr lang="en-US"/>
               <a:t>Edit Master text styles</a:t>
             </a:r>
           </a:p>
           <a:p>
             <a:pPr lvl="1"/>
             <a:r>
-              <a:rPr lang="en-US" smtClean="0"/>
+              <a:rPr lang="en-US"/>
               <a:t>Second level</a:t>
             </a:r>
           </a:p>
           <a:p>
             <a:pPr lvl="2"/>
             <a:r>
-              <a:rPr lang="en-US" smtClean="0"/>
+              <a:rPr lang="en-US"/>
               <a:t>Third level</a:t>
             </a:r>
           </a:p>
           <a:p>
             <a:pPr lvl="3"/>
             <a:r>
-              <a:rPr lang="en-US" smtClean="0"/>
+              <a:rPr lang="en-US"/>
               <a:t>Fourth level</a:t>
             </a:r>
           </a:p>
           <a:p>
             <a:pPr lvl="4"/>
             <a:r>
-              <a:rPr lang="en-US" smtClean="0"/>
+              <a:rPr lang="en-US"/>
               <a:t>Fifth level</a:t>
             </a:r>
-            <a:endParaRPr lang="en-US"/>
           </a:p>
         </p:txBody>
       </p:sp>
@@ -2155,7 +2142,7 @@
           <a:p>
             <a:pPr lvl="0"/>
             <a:r>
-              <a:rPr lang="en-US" smtClean="0"/>
+              <a:rPr lang="en-US"/>
               <a:t>Edit Master text styles</a:t>
             </a:r>
           </a:p>
@@ -2183,38 +2170,37 @@
           <a:p>
             <a:pPr lvl="0"/>
             <a:r>
-              <a:rPr lang="en-US" smtClean="0"/>
+              <a:rPr lang="en-US"/>
               <a:t>Edit Master text styles</a:t>
             </a:r>
           </a:p>
           <a:p>
             <a:pPr lvl="1"/>
             <a:r>
-              <a:rPr lang="en-US" smtClean="0"/>
+              <a:rPr lang="en-US"/>
               <a:t>Second level</a:t>
             </a:r>
           </a:p>
           <a:p>
             <a:pPr lvl="2"/>
             <a:r>
-              <a:rPr lang="en-US" smtClean="0"/>
+              <a:rPr lang="en-US"/>
               <a:t>Third level</a:t>
             </a:r>
           </a:p>
           <a:p>
             <a:pPr lvl="3"/>
             <a:r>
-              <a:rPr lang="en-US" smtClean="0"/>
+              <a:rPr lang="en-US"/>
               <a:t>Fourth level</a:t>
             </a:r>
           </a:p>
           <a:p>
             <a:pPr lvl="4"/>
             <a:r>
-              <a:rPr lang="en-US" smtClean="0"/>
+              <a:rPr lang="en-US"/>
               <a:t>Fifth level</a:t>
             </a:r>
-            <a:endParaRPr lang="en-US"/>
           </a:p>
         </p:txBody>
       </p:sp>
@@ -2235,7 +2221,7 @@
           <a:p>
             <a:fld id="{6AEF05C9-2CBA-4AC1-B13B-ED0A1AAD20F6}" type="datetimeFigureOut">
               <a:rPr lang="en-US" smtClean="0"/>
-              <a:t>4/27/2024</a:t>
+              <a:t>4/29/24</a:t>
             </a:fld>
             <a:endParaRPr lang="en-US"/>
           </a:p>
@@ -2329,10 +2315,9 @@
           <a:lstStyle/>
           <a:p>
             <a:r>
-              <a:rPr lang="en-US" smtClean="0"/>
+              <a:rPr lang="en-US"/>
               <a:t>Click to edit Master title style</a:t>
             </a:r>
-            <a:endParaRPr lang="en-US"/>
           </a:p>
         </p:txBody>
       </p:sp>
@@ -2353,7 +2338,7 @@
           <a:p>
             <a:fld id="{6AEF05C9-2CBA-4AC1-B13B-ED0A1AAD20F6}" type="datetimeFigureOut">
               <a:rPr lang="en-US" smtClean="0"/>
-              <a:t>4/27/2024</a:t>
+              <a:t>4/29/24</a:t>
             </a:fld>
             <a:endParaRPr lang="en-US"/>
           </a:p>
@@ -2448,7 +2433,7 @@
           <a:p>
             <a:fld id="{6AEF05C9-2CBA-4AC1-B13B-ED0A1AAD20F6}" type="datetimeFigureOut">
               <a:rPr lang="en-US" smtClean="0"/>
-              <a:t>4/27/2024</a:t>
+              <a:t>4/29/24</a:t>
             </a:fld>
             <a:endParaRPr lang="en-US"/>
           </a:p>
@@ -2551,10 +2536,9 @@
           </a:lstStyle>
           <a:p>
             <a:r>
-              <a:rPr lang="en-US" smtClean="0"/>
+              <a:rPr lang="en-US"/>
               <a:t>Click to edit Master title style</a:t>
             </a:r>
-            <a:endParaRPr lang="en-US"/>
           </a:p>
         </p:txBody>
       </p:sp>
@@ -2608,38 +2592,37 @@
           <a:p>
             <a:pPr lvl="0"/>
             <a:r>
-              <a:rPr lang="en-US" smtClean="0"/>
+              <a:rPr lang="en-US"/>
               <a:t>Edit Master text styles</a:t>
             </a:r>
           </a:p>
           <a:p>
             <a:pPr lvl="1"/>
             <a:r>
-              <a:rPr lang="en-US" smtClean="0"/>
+              <a:rPr lang="en-US"/>
               <a:t>Second level</a:t>
             </a:r>
           </a:p>
           <a:p>
             <a:pPr lvl="2"/>
             <a:r>
-              <a:rPr lang="en-US" smtClean="0"/>
+              <a:rPr lang="en-US"/>
               <a:t>Third level</a:t>
             </a:r>
           </a:p>
           <a:p>
             <a:pPr lvl="3"/>
             <a:r>
-              <a:rPr lang="en-US" smtClean="0"/>
+              <a:rPr lang="en-US"/>
               <a:t>Fourth level</a:t>
             </a:r>
           </a:p>
           <a:p>
             <a:pPr lvl="4"/>
             <a:r>
-              <a:rPr lang="en-US" smtClean="0"/>
+              <a:rPr lang="en-US"/>
               <a:t>Fifth level</a:t>
             </a:r>
-            <a:endParaRPr lang="en-US"/>
           </a:p>
         </p:txBody>
       </p:sp>
@@ -2702,7 +2685,7 @@
           <a:p>
             <a:pPr lvl="0"/>
             <a:r>
-              <a:rPr lang="en-US" smtClean="0"/>
+              <a:rPr lang="en-US"/>
               <a:t>Edit Master text styles</a:t>
             </a:r>
           </a:p>
@@ -2725,7 +2708,7 @@
           <a:p>
             <a:fld id="{6AEF05C9-2CBA-4AC1-B13B-ED0A1AAD20F6}" type="datetimeFigureOut">
               <a:rPr lang="en-US" smtClean="0"/>
-              <a:t>4/27/2024</a:t>
+              <a:t>4/29/24</a:t>
             </a:fld>
             <a:endParaRPr lang="en-US"/>
           </a:p>
@@ -2828,10 +2811,9 @@
           </a:lstStyle>
           <a:p>
             <a:r>
-              <a:rPr lang="en-US" smtClean="0"/>
+              <a:rPr lang="en-US"/>
               <a:t>Click to edit Master title style</a:t>
             </a:r>
-            <a:endParaRPr lang="en-US"/>
           </a:p>
         </p:txBody>
       </p:sp>
@@ -2955,7 +2937,7 @@
           <a:p>
             <a:pPr lvl="0"/>
             <a:r>
-              <a:rPr lang="en-US" smtClean="0"/>
+              <a:rPr lang="en-US"/>
               <a:t>Edit Master text styles</a:t>
             </a:r>
           </a:p>
@@ -2978,7 +2960,7 @@
           <a:p>
             <a:fld id="{6AEF05C9-2CBA-4AC1-B13B-ED0A1AAD20F6}" type="datetimeFigureOut">
               <a:rPr lang="en-US" smtClean="0"/>
-              <a:t>4/27/2024</a:t>
+              <a:t>4/29/24</a:t>
             </a:fld>
             <a:endParaRPr lang="en-US"/>
           </a:p>
@@ -3087,10 +3069,9 @@
           <a:lstStyle/>
           <a:p>
             <a:r>
-              <a:rPr lang="en-US" smtClean="0"/>
+              <a:rPr lang="en-US"/>
               <a:t>Click to edit Master title style</a:t>
             </a:r>
-            <a:endParaRPr lang="en-US"/>
           </a:p>
         </p:txBody>
       </p:sp>
@@ -3121,38 +3102,37 @@
           <a:p>
             <a:pPr lvl="0"/>
             <a:r>
-              <a:rPr lang="en-US" smtClean="0"/>
+              <a:rPr lang="en-US"/>
               <a:t>Edit Master text styles</a:t>
             </a:r>
           </a:p>
           <a:p>
             <a:pPr lvl="1"/>
             <a:r>
-              <a:rPr lang="en-US" smtClean="0"/>
+              <a:rPr lang="en-US"/>
               <a:t>Second level</a:t>
             </a:r>
           </a:p>
           <a:p>
             <a:pPr lvl="2"/>
             <a:r>
-              <a:rPr lang="en-US" smtClean="0"/>
+              <a:rPr lang="en-US"/>
               <a:t>Third level</a:t>
             </a:r>
           </a:p>
           <a:p>
             <a:pPr lvl="3"/>
             <a:r>
-              <a:rPr lang="en-US" smtClean="0"/>
+              <a:rPr lang="en-US"/>
               <a:t>Fourth level</a:t>
             </a:r>
           </a:p>
           <a:p>
             <a:pPr lvl="4"/>
             <a:r>
-              <a:rPr lang="en-US" smtClean="0"/>
+              <a:rPr lang="en-US"/>
               <a:t>Fifth level</a:t>
             </a:r>
-            <a:endParaRPr lang="en-US"/>
           </a:p>
         </p:txBody>
       </p:sp>
@@ -3191,7 +3171,7 @@
           <a:p>
             <a:fld id="{6AEF05C9-2CBA-4AC1-B13B-ED0A1AAD20F6}" type="datetimeFigureOut">
               <a:rPr lang="en-US" smtClean="0"/>
-              <a:t>4/27/2024</a:t>
+              <a:t>4/29/24</a:t>
             </a:fld>
             <a:endParaRPr lang="en-US"/>
           </a:p>
@@ -3612,7 +3592,7 @@
           <a:lstStyle/>
           <a:p>
             <a:r>
-              <a:rPr lang="en-US" altLang="zh-TW" dirty="0" smtClean="0"/>
+              <a:rPr lang="en-US" altLang="zh-TW" dirty="0"/>
               <a:t>Work schedule.bat</a:t>
             </a:r>
             <a:endParaRPr lang="en-US" dirty="0"/>
@@ -3635,15 +3615,15 @@
           <a:lstStyle/>
           <a:p>
             <a:r>
-              <a:rPr lang="en-US" altLang="zh-TW" dirty="0" smtClean="0"/>
+              <a:rPr lang="en-US" altLang="zh-TW" dirty="0"/>
               <a:t>ELEBC</a:t>
             </a:r>
             <a:r>
-              <a:rPr lang="zh-TW" altLang="en-US" dirty="0" smtClean="0"/>
+              <a:rPr lang="zh-TW" altLang="en-US" dirty="0"/>
               <a:t> </a:t>
             </a:r>
             <a:r>
-              <a:rPr lang="en-US" altLang="zh-TW" dirty="0" smtClean="0"/>
+              <a:rPr lang="en-US" altLang="zh-TW" dirty="0"/>
               <a:t>2023 Jessy</a:t>
             </a:r>
             <a:endParaRPr lang="en-US" dirty="0"/>
@@ -3696,7 +3676,7 @@
           <a:lstStyle/>
           <a:p>
             <a:r>
-              <a:rPr lang="en-US" altLang="zh-TW" dirty="0" smtClean="0"/>
+              <a:rPr lang="en-US" altLang="zh-TW" dirty="0"/>
               <a:t>Run03.bat (1)</a:t>
             </a:r>
             <a:endParaRPr lang="en-US" dirty="0"/>
@@ -3773,7 +3753,7 @@
           <a:lstStyle/>
           <a:p>
             <a:r>
-              <a:rPr lang="en-US" altLang="zh-TW" dirty="0" smtClean="0"/>
+              <a:rPr lang="en-US" altLang="zh-TW" dirty="0"/>
               <a:t>Run03.bat (2)</a:t>
             </a:r>
             <a:endParaRPr lang="en-US" dirty="0"/>
@@ -3850,7 +3830,7 @@
           <a:lstStyle/>
           <a:p>
             <a:r>
-              <a:rPr lang="en-US" altLang="zh-TW" dirty="0" smtClean="0"/>
+              <a:rPr lang="en-US" altLang="zh-TW" dirty="0"/>
               <a:t>Run03.bat (3)</a:t>
             </a:r>
             <a:endParaRPr lang="en-US" dirty="0"/>
@@ -3903,22 +3883,17 @@
           <a:lstStyle/>
           <a:p>
             <a:r>
-              <a:rPr lang="en-US" dirty="0" smtClean="0"/>
+              <a:rPr lang="en-US" dirty="0"/>
               <a:t>Start in: </a:t>
             </a:r>
             <a:r>
-              <a:rPr lang="en-US" dirty="0" smtClean="0">
+              <a:rPr lang="en-US" dirty="0">
                 <a:solidFill>
                   <a:srgbClr val="FF0000"/>
                 </a:solidFill>
               </a:rPr>
               <a:t>C:\Users\Elebc_GPU_Server\Desktop\排程抓資料</a:t>
             </a:r>
-            <a:endParaRPr lang="en-US" dirty="0">
-              <a:solidFill>
-                <a:srgbClr val="FF0000"/>
-              </a:solidFill>
-            </a:endParaRPr>
           </a:p>
         </p:txBody>
       </p:sp>
@@ -3968,7 +3943,7 @@
           <a:lstStyle/>
           <a:p>
             <a:r>
-              <a:rPr lang="en-US" altLang="zh-TW" dirty="0" smtClean="0"/>
+              <a:rPr lang="en-US" altLang="zh-TW" dirty="0"/>
               <a:t>Run04.bat</a:t>
             </a:r>
             <a:endParaRPr lang="en-US" dirty="0"/>
@@ -4004,21 +3979,13 @@
             </a:r>
             <a:r>
               <a:rPr lang="en-US" dirty="0"/>
-              <a:t>’ EV by “merged data.xlsx</a:t>
-            </a:r>
-            <a:r>
-              <a:rPr lang="en-US" dirty="0" smtClean="0"/>
-              <a:t>”</a:t>
-            </a:r>
-          </a:p>
-          <a:p>
-            <a:r>
-              <a:rPr lang="en-US" dirty="0" smtClean="0"/>
-              <a:t>Output file </a:t>
-            </a:r>
+              <a:t>’ EV by “merged data.xlsx”</a:t>
+            </a:r>
+          </a:p>
+          <a:p>
             <a:r>
               <a:rPr lang="en-US" dirty="0"/>
-              <a:t>example 2024-04-23 </a:t>
+              <a:t>Output file example 2024-04-23 </a:t>
             </a:r>
             <a:r>
               <a:rPr lang="en-US" dirty="0">
@@ -4077,7 +4044,7 @@
           <a:lstStyle/>
           <a:p>
             <a:r>
-              <a:rPr lang="en-US" altLang="zh-TW" dirty="0" smtClean="0"/>
+              <a:rPr lang="en-US" altLang="zh-TW" dirty="0"/>
               <a:t>Run04.bat (0)</a:t>
             </a:r>
             <a:endParaRPr lang="en-US" dirty="0"/>
@@ -4159,15 +4126,15 @@
           <a:lstStyle/>
           <a:p>
             <a:r>
-              <a:rPr lang="en-US" altLang="zh-TW" dirty="0" smtClean="0"/>
+              <a:rPr lang="en-US" altLang="zh-TW" dirty="0"/>
               <a:t>Run04.bat</a:t>
             </a:r>
             <a:r>
-              <a:rPr lang="zh-TW" altLang="en-US" dirty="0" smtClean="0"/>
+              <a:rPr lang="zh-TW" altLang="en-US" dirty="0"/>
               <a:t> </a:t>
             </a:r>
             <a:r>
-              <a:rPr lang="en-US" altLang="zh-TW" dirty="0" smtClean="0"/>
+              <a:rPr lang="en-US" altLang="zh-TW" dirty="0"/>
               <a:t>(1)</a:t>
             </a:r>
             <a:endParaRPr lang="en-US" dirty="0"/>
@@ -4244,15 +4211,15 @@
           <a:lstStyle/>
           <a:p>
             <a:r>
-              <a:rPr lang="en-US" altLang="zh-TW" dirty="0" smtClean="0"/>
+              <a:rPr lang="en-US" altLang="zh-TW" dirty="0"/>
               <a:t>Run04.bat</a:t>
             </a:r>
             <a:r>
-              <a:rPr lang="zh-TW" altLang="en-US" dirty="0" smtClean="0"/>
+              <a:rPr lang="zh-TW" altLang="en-US" dirty="0"/>
               <a:t> </a:t>
             </a:r>
             <a:r>
-              <a:rPr lang="en-US" altLang="zh-TW" dirty="0" smtClean="0"/>
+              <a:rPr lang="en-US" altLang="zh-TW" dirty="0"/>
               <a:t>(2)</a:t>
             </a:r>
             <a:endParaRPr lang="en-US" dirty="0"/>
@@ -4329,15 +4296,15 @@
           <a:lstStyle/>
           <a:p>
             <a:r>
-              <a:rPr lang="en-US" altLang="zh-TW" dirty="0" smtClean="0"/>
+              <a:rPr lang="en-US" altLang="zh-TW" dirty="0"/>
               <a:t>Run04.bat</a:t>
             </a:r>
             <a:r>
-              <a:rPr lang="zh-TW" altLang="en-US" dirty="0" smtClean="0"/>
+              <a:rPr lang="zh-TW" altLang="en-US" dirty="0"/>
               <a:t> </a:t>
             </a:r>
             <a:r>
-              <a:rPr lang="en-US" altLang="zh-TW" dirty="0" smtClean="0"/>
+              <a:rPr lang="en-US" altLang="zh-TW" dirty="0"/>
               <a:t>(3)</a:t>
             </a:r>
             <a:endParaRPr lang="en-US" dirty="0"/>
@@ -4414,7 +4381,7 @@
           <a:lstStyle/>
           <a:p>
             <a:r>
-              <a:rPr lang="en-US" altLang="zh-TW" dirty="0" smtClean="0"/>
+              <a:rPr lang="en-US" altLang="zh-TW" dirty="0"/>
               <a:t>Run05.bat</a:t>
             </a:r>
             <a:endParaRPr lang="en-US" dirty="0"/>
@@ -4442,23 +4409,19 @@
           <a:lstStyle/>
           <a:p>
             <a:r>
-              <a:rPr lang="en-US" dirty="0" smtClean="0"/>
-              <a:t>To be </a:t>
-            </a:r>
-            <a:r>
               <a:rPr lang="en-US" dirty="0"/>
-              <a:t>based data with ['</a:t>
+              <a:t>To be based data with ['</a:t>
             </a:r>
             <a:r>
               <a:rPr lang="en-US" dirty="0" err="1"/>
               <a:t>sno</a:t>
             </a:r>
             <a:r>
-              <a:rPr lang="en-US" dirty="0" smtClean="0"/>
+              <a:rPr lang="en-US" dirty="0"/>
               <a:t>','</a:t>
             </a:r>
             <a:r>
-              <a:rPr lang="en-US" dirty="0" err="1" smtClean="0"/>
+              <a:rPr lang="en-US" dirty="0" err="1"/>
               <a:t>sna</a:t>
             </a:r>
             <a:r>
@@ -4502,33 +4465,25 @@
               <a:t>infoDate</a:t>
             </a:r>
             <a:r>
-              <a:rPr lang="en-US" dirty="0" smtClean="0"/>
+              <a:rPr lang="en-US" dirty="0"/>
               <a:t>']+[“AC”,”PV</a:t>
             </a:r>
             <a:r>
-              <a:rPr lang="en-US" altLang="zh-TW" dirty="0" smtClean="0"/>
+              <a:rPr lang="en-US" altLang="zh-TW" dirty="0"/>
               <a:t>]</a:t>
             </a:r>
-            <a:endParaRPr lang="en-US" dirty="0" smtClean="0"/>
+            <a:endParaRPr lang="en-US" dirty="0"/>
           </a:p>
           <a:p>
             <a:r>
               <a:rPr lang="en-US" dirty="0"/>
-              <a:t>Compute the everyday AC &amp; PV by “0015 Youbike_cleaned.xlsx</a:t>
-            </a:r>
-            <a:r>
-              <a:rPr lang="en-US" dirty="0" smtClean="0"/>
-              <a:t>”</a:t>
-            </a:r>
-          </a:p>
-          <a:p>
-            <a:r>
-              <a:rPr lang="en-US" dirty="0" smtClean="0"/>
-              <a:t>Output </a:t>
-            </a:r>
+              <a:t>Compute the everyday AC &amp; PV by “0015 Youbike_cleaned.xlsx”</a:t>
+            </a:r>
+          </a:p>
+          <a:p>
             <a:r>
               <a:rPr lang="en-US" dirty="0"/>
-              <a:t>file example 2024-04-23 </a:t>
+              <a:t>Output file example 2024-04-23 </a:t>
             </a:r>
             <a:r>
               <a:rPr lang="en-US" dirty="0">
@@ -4614,7 +4569,7 @@
           <a:lstStyle/>
           <a:p>
             <a:r>
-              <a:rPr lang="en-US" altLang="zh-TW" dirty="0" smtClean="0"/>
+              <a:rPr lang="en-US" altLang="zh-TW" dirty="0"/>
               <a:t>Run05.bat(0)</a:t>
             </a:r>
             <a:endParaRPr lang="en-US" dirty="0"/>
@@ -4696,7 +4651,7 @@
           <a:lstStyle/>
           <a:p>
             <a:r>
-              <a:rPr lang="en-US" altLang="zh-TW" dirty="0" smtClean="0"/>
+              <a:rPr lang="en-US" altLang="zh-TW" dirty="0"/>
               <a:t>Outline of bat</a:t>
             </a:r>
             <a:endParaRPr lang="en-US" dirty="0"/>
@@ -4713,14 +4668,14 @@
             <p:ph idx="1"/>
             <p:extLst>
               <p:ext uri="{D42A27DB-BD31-4B8C-83A1-F6EECF244321}">
-                <p14:modId xmlns:p14="http://schemas.microsoft.com/office/powerpoint/2010/main" val="159532033"/>
+                <p14:modId xmlns:p14="http://schemas.microsoft.com/office/powerpoint/2010/main" val="1585444444"/>
               </p:ext>
             </p:extLst>
           </p:nvPr>
         </p:nvGraphicFramePr>
         <p:xfrm>
-          <a:off x="838200" y="1825625"/>
-          <a:ext cx="10515600" cy="4332364"/>
+          <a:off x="838200" y="1690688"/>
+          <a:ext cx="10515600" cy="4602480"/>
         </p:xfrm>
         <a:graphic>
           <a:graphicData uri="http://schemas.openxmlformats.org/drawingml/2006/table">
@@ -4751,7 +4706,7 @@
                   </a:extLst>
                 </a:gridCol>
               </a:tblGrid>
-              <a:tr h="603031">
+              <a:tr h="360534">
                 <a:tc>
                   <a:txBody>
                     <a:bodyPr/>
@@ -4759,10 +4714,9 @@
                     <a:p>
                       <a:pPr algn="l"/>
                       <a:r>
-                        <a:rPr lang="en-US" sz="2000" dirty="0" smtClean="0"/>
+                        <a:rPr lang="en-US" sz="2000" dirty="0"/>
                         <a:t>.bats’ number</a:t>
                       </a:r>
-                      <a:endParaRPr lang="en-US" sz="2000" dirty="0"/>
                     </a:p>
                   </a:txBody>
                   <a:tcPr anchor="ctr"/>
@@ -4774,10 +4728,9 @@
                     <a:p>
                       <a:pPr algn="l"/>
                       <a:r>
-                        <a:rPr lang="en-US" sz="2000" dirty="0" smtClean="0"/>
+                        <a:rPr lang="en-US" sz="2000" dirty="0"/>
                         <a:t>Function</a:t>
                       </a:r>
-                      <a:endParaRPr lang="en-US" sz="2000" dirty="0"/>
                     </a:p>
                   </a:txBody>
                   <a:tcPr anchor="ctr"/>
@@ -4789,18 +4742,17 @@
                     <a:p>
                       <a:pPr algn="l"/>
                       <a:r>
-                        <a:rPr lang="en-US" sz="2000" dirty="0" smtClean="0"/>
+                        <a:rPr lang="en-US" sz="2000" dirty="0"/>
                         <a:t>When</a:t>
                       </a:r>
                       <a:r>
-                        <a:rPr lang="en-US" sz="2000" baseline="0" dirty="0" smtClean="0"/>
+                        <a:rPr lang="en-US" sz="2000" baseline="0" dirty="0"/>
                         <a:t> to </a:t>
                       </a:r>
                       <a:r>
-                        <a:rPr lang="en-US" sz="2000" dirty="0" smtClean="0"/>
+                        <a:rPr lang="en-US" sz="2000" dirty="0"/>
                         <a:t>Work</a:t>
                       </a:r>
-                      <a:endParaRPr lang="en-US" sz="2000" dirty="0"/>
                     </a:p>
                   </a:txBody>
                   <a:tcPr anchor="ctr"/>
@@ -4818,32 +4770,13 @@
                     <a:lstStyle/>
                     <a:p>
                       <a:r>
-                        <a:rPr lang="en-US" dirty="0" smtClean="0">
+                        <a:rPr lang="en-US" dirty="0">
                           <a:solidFill>
                             <a:schemeClr val="accent3"/>
                           </a:solidFill>
                         </a:rPr>
                         <a:t>01</a:t>
                       </a:r>
-                      <a:endParaRPr lang="en-US" dirty="0">
-                        <a:solidFill>
-                          <a:schemeClr val="accent3"/>
-                        </a:solidFill>
-                      </a:endParaRPr>
-                    </a:p>
-                  </a:txBody>
-                  <a:tcPr/>
-                </a:tc>
-                <a:tc>
-                  <a:txBody>
-                    <a:bodyPr/>
-                    <a:lstStyle/>
-                    <a:p>
-                      <a:endParaRPr lang="en-US" dirty="0">
-                        <a:solidFill>
-                          <a:schemeClr val="accent3"/>
-                        </a:solidFill>
-                      </a:endParaRPr>
                     </a:p>
                   </a:txBody>
                   <a:tcPr/>
@@ -4854,7 +4787,56 @@
                     <a:lstStyle/>
                     <a:p>
                       <a:r>
-                        <a:rPr lang="en-US" dirty="0" smtClean="0">
+                        <a:rPr lang="en-US" dirty="0">
+                          <a:solidFill>
+                            <a:schemeClr val="accent3"/>
+                          </a:solidFill>
+                        </a:rPr>
+                        <a:t>Input “radius”, “</a:t>
+                      </a:r>
+                      <a:r>
+                        <a:rPr lang="en-US" dirty="0" err="1">
+                          <a:solidFill>
+                            <a:schemeClr val="accent3"/>
+                          </a:solidFill>
+                        </a:rPr>
+                        <a:t>lat</a:t>
+                      </a:r>
+                      <a:r>
+                        <a:rPr lang="en-US" dirty="0">
+                          <a:solidFill>
+                            <a:schemeClr val="accent3"/>
+                          </a:solidFill>
+                        </a:rPr>
+                        <a:t>”, “</a:t>
+                      </a:r>
+                      <a:r>
+                        <a:rPr lang="en-US" dirty="0" err="1">
+                          <a:solidFill>
+                            <a:schemeClr val="accent3"/>
+                          </a:solidFill>
+                        </a:rPr>
+                        <a:t>lng</a:t>
+                      </a:r>
+                      <a:r>
+                        <a:rPr lang="en-US" dirty="0">
+                          <a:solidFill>
+                            <a:schemeClr val="accent3"/>
+                          </a:solidFill>
+                        </a:rPr>
+                        <a:t>” to OpenStreetMap API to get the amenities around the specific location.</a:t>
+                      </a:r>
+                    </a:p>
+                  </a:txBody>
+                  <a:tcPr/>
+                </a:tc>
+                <a:tc>
+                  <a:txBody>
+                    <a:bodyPr/>
+                    <a:lstStyle/>
+                    <a:p>
+                      <a:r>
+                        <a:rPr lang="en-US" dirty="0">
                           <a:solidFill>
                             <a:schemeClr val="accent3"/>
                           </a:solidFill>
@@ -4862,7 +4844,7 @@
                         <a:t>Not scheduling</a:t>
                       </a:r>
                       <a:r>
-                        <a:rPr lang="en-US" baseline="0" dirty="0" smtClean="0">
+                        <a:rPr lang="en-US" baseline="0" dirty="0">
                           <a:solidFill>
                             <a:schemeClr val="accent3"/>
                           </a:solidFill>
@@ -4891,10 +4873,9 @@
                     <a:lstStyle/>
                     <a:p>
                       <a:r>
-                        <a:rPr lang="en-US" dirty="0" smtClean="0"/>
+                        <a:rPr lang="en-US" dirty="0"/>
                         <a:t>02</a:t>
                       </a:r>
-                      <a:endParaRPr lang="en-US" dirty="0"/>
                     </a:p>
                   </a:txBody>
                   <a:tcPr/>
@@ -4922,15 +4903,15 @@
                         <a:defRPr/>
                       </a:pPr>
                       <a:r>
-                        <a:rPr lang="en-US" dirty="0" smtClean="0"/>
+                        <a:rPr lang="en-US" dirty="0"/>
                         <a:t>Use API to get the Youbike2.0_data from Taipei city in every 15 </a:t>
                       </a:r>
                       <a:r>
-                        <a:rPr lang="en-US" dirty="0" err="1" smtClean="0"/>
+                        <a:rPr lang="en-US" dirty="0" err="1"/>
                         <a:t>mins</a:t>
                       </a:r>
                       <a:r>
-                        <a:rPr lang="en-US" dirty="0" smtClean="0"/>
+                        <a:rPr lang="en-US" dirty="0"/>
                         <a:t>. E.g. “15min_Youbike_cleaned.xlsx”</a:t>
                       </a:r>
                     </a:p>
@@ -4960,18 +4941,9 @@
                         <a:defRPr/>
                       </a:pPr>
                       <a:r>
-                        <a:rPr lang="en-US" dirty="0" smtClean="0"/>
-                        <a:t>Every 15 </a:t>
+                        <a:rPr lang="en-US" dirty="0"/>
+                        <a:t>Every 15 mins</a:t>
                       </a:r>
-                      <a:r>
-                        <a:rPr lang="en-US" dirty="0" err="1" smtClean="0"/>
-                        <a:t>mins</a:t>
-                      </a:r>
-                      <a:r>
-                        <a:rPr lang="en-US" baseline="0" dirty="0" smtClean="0"/>
-                        <a:t> daily</a:t>
-                      </a:r>
-                      <a:endParaRPr lang="en-US" dirty="0" smtClean="0"/>
                     </a:p>
                   </a:txBody>
                   <a:tcPr/>
@@ -4989,10 +4961,9 @@
                     <a:lstStyle/>
                     <a:p>
                       <a:r>
-                        <a:rPr lang="en-US" dirty="0" smtClean="0"/>
+                        <a:rPr lang="en-US" dirty="0"/>
                         <a:t>03</a:t>
                       </a:r>
-                      <a:endParaRPr lang="en-US" dirty="0"/>
                     </a:p>
                   </a:txBody>
                   <a:tcPr/>
@@ -5003,10 +4974,9 @@
                     <a:lstStyle/>
                     <a:p>
                       <a:r>
-                        <a:rPr lang="en-US" dirty="0" smtClean="0"/>
+                        <a:rPr lang="en-US" dirty="0"/>
                         <a:t>Combine the “15min_Youbike_data excels” to “merged data.xlsx” by DAY.</a:t>
                       </a:r>
-                      <a:endParaRPr lang="en-US" dirty="0"/>
                     </a:p>
                   </a:txBody>
                   <a:tcPr/>
@@ -5017,18 +4987,17 @@
                     <a:lstStyle/>
                     <a:p>
                       <a:r>
-                        <a:rPr lang="en-US" dirty="0" smtClean="0"/>
+                        <a:rPr lang="en-US" dirty="0"/>
                         <a:t>Every</a:t>
                       </a:r>
                       <a:r>
-                        <a:rPr lang="en-US" baseline="0" dirty="0" smtClean="0"/>
+                        <a:rPr lang="en-US" baseline="0" dirty="0"/>
                         <a:t> day </a:t>
                       </a:r>
                       <a:r>
-                        <a:rPr lang="en-US" dirty="0" smtClean="0"/>
+                        <a:rPr lang="en-US" dirty="0"/>
                         <a:t>00:05 </a:t>
                       </a:r>
-                      <a:endParaRPr lang="en-US" dirty="0"/>
                     </a:p>
                   </a:txBody>
                   <a:tcPr/>
@@ -5039,17 +5008,16 @@
                   </a:ext>
                 </a:extLst>
               </a:tr>
-              <a:tr h="603031">
+              <a:tr h="345684">
                 <a:tc>
                   <a:txBody>
                     <a:bodyPr/>
                     <a:lstStyle/>
                     <a:p>
                       <a:r>
-                        <a:rPr lang="en-US" dirty="0" smtClean="0"/>
+                        <a:rPr lang="en-US" dirty="0"/>
                         <a:t>04</a:t>
                       </a:r>
-                      <a:endParaRPr lang="en-US" dirty="0"/>
                     </a:p>
                   </a:txBody>
                   <a:tcPr/>
@@ -5060,11 +5028,11 @@
                     <a:lstStyle/>
                     <a:p>
                       <a:r>
-                        <a:rPr lang="en-US" dirty="0" smtClean="0"/>
+                        <a:rPr lang="en-US" dirty="0"/>
                         <a:t>Compute the </a:t>
                       </a:r>
                       <a:r>
-                        <a:rPr lang="en-US" dirty="0" smtClean="0">
+                        <a:rPr lang="en-US" dirty="0">
                           <a:solidFill>
                             <a:srgbClr val="FF0000"/>
                           </a:solidFill>
@@ -5072,7 +5040,7 @@
                         <a:t>former day</a:t>
                       </a:r>
                       <a:r>
-                        <a:rPr lang="en-US" baseline="0" dirty="0" smtClean="0"/>
+                        <a:rPr lang="en-US" baseline="0" dirty="0"/>
                         <a:t> EV by “merged data.xlsx”</a:t>
                       </a:r>
                       <a:endParaRPr lang="en-US" dirty="0"/>
@@ -5103,15 +5071,15 @@
                         <a:defRPr/>
                       </a:pPr>
                       <a:r>
-                        <a:rPr lang="en-US" dirty="0" smtClean="0"/>
+                        <a:rPr lang="en-US" dirty="0"/>
                         <a:t>Every</a:t>
                       </a:r>
                       <a:r>
-                        <a:rPr lang="en-US" baseline="0" dirty="0" smtClean="0"/>
+                        <a:rPr lang="en-US" baseline="0" dirty="0"/>
                         <a:t> day </a:t>
                       </a:r>
                       <a:r>
-                        <a:rPr lang="en-US" dirty="0" smtClean="0"/>
+                        <a:rPr lang="en-US" dirty="0"/>
                         <a:t>00:10</a:t>
                       </a:r>
                     </a:p>
@@ -5131,10 +5099,9 @@
                     <a:lstStyle/>
                     <a:p>
                       <a:r>
-                        <a:rPr lang="en-US" dirty="0" smtClean="0"/>
+                        <a:rPr lang="en-US" dirty="0"/>
                         <a:t>05</a:t>
                       </a:r>
-                      <a:endParaRPr lang="en-US" dirty="0"/>
                     </a:p>
                   </a:txBody>
                   <a:tcPr/>
@@ -5145,19 +5112,19 @@
                     <a:lstStyle/>
                     <a:p>
                       <a:r>
-                        <a:rPr lang="en-US" dirty="0" smtClean="0"/>
+                        <a:rPr lang="en-US" dirty="0"/>
                         <a:t>Compute</a:t>
                       </a:r>
                       <a:r>
-                        <a:rPr lang="en-US" baseline="0" dirty="0" smtClean="0"/>
+                        <a:rPr lang="en-US" baseline="0" dirty="0"/>
                         <a:t> everyday AC &amp; PV by “0015 Youbike</a:t>
                       </a:r>
                       <a:r>
-                        <a:rPr lang="en-US" dirty="0" smtClean="0"/>
+                        <a:rPr lang="en-US" dirty="0"/>
                         <a:t>_</a:t>
                       </a:r>
                       <a:r>
-                        <a:rPr lang="en-US" baseline="0" dirty="0" smtClean="0"/>
+                        <a:rPr lang="en-US" baseline="0" dirty="0"/>
                         <a:t>cleaned.xlsx”</a:t>
                       </a:r>
                       <a:endParaRPr lang="en-US" dirty="0"/>
@@ -5188,15 +5155,15 @@
                         <a:defRPr/>
                       </a:pPr>
                       <a:r>
-                        <a:rPr lang="en-US" dirty="0" smtClean="0"/>
+                        <a:rPr lang="en-US" dirty="0"/>
                         <a:t>Every</a:t>
                       </a:r>
                       <a:r>
-                        <a:rPr lang="en-US" baseline="0" dirty="0" smtClean="0"/>
+                        <a:rPr lang="en-US" baseline="0" dirty="0"/>
                         <a:t> day </a:t>
                       </a:r>
                       <a:r>
-                        <a:rPr lang="en-US" dirty="0" smtClean="0"/>
+                        <a:rPr lang="en-US" dirty="0"/>
                         <a:t>00:20</a:t>
                       </a:r>
                     </a:p>
@@ -5216,8 +5183,104 @@
                     <a:lstStyle/>
                     <a:p>
                       <a:r>
-                        <a:rPr lang="en-US" dirty="0" smtClean="0"/>
+                        <a:rPr lang="en-US" dirty="0"/>
                         <a:t>06</a:t>
+                      </a:r>
+                    </a:p>
+                  </a:txBody>
+                  <a:tcPr/>
+                </a:tc>
+                <a:tc>
+                  <a:txBody>
+                    <a:bodyPr/>
+                    <a:lstStyle/>
+                    <a:p>
+                      <a:r>
+                        <a:rPr lang="en-US" dirty="0"/>
+                        <a:t>Compute</a:t>
+                      </a:r>
+                      <a:r>
+                        <a:rPr lang="en-US" baseline="0" dirty="0"/>
+                        <a:t> </a:t>
+                      </a:r>
+                      <a:r>
+                        <a:rPr lang="en-US" altLang="zh-TW" dirty="0">
+                          <a:solidFill>
+                            <a:srgbClr val="FF0000"/>
+                          </a:solidFill>
+                        </a:rPr>
+                        <a:t>former day</a:t>
+                      </a:r>
+                      <a:r>
+                        <a:rPr lang="en-US" altLang="zh-TW" baseline="0" dirty="0"/>
+                        <a:t> </a:t>
+                      </a:r>
+                      <a:r>
+                        <a:rPr lang="en-US" baseline="0" dirty="0"/>
+                        <a:t> SV, CV, SPI, CPI based on 04&amp;05. The columns of EVM file are EV</a:t>
+                      </a:r>
+                      <a:r>
+                        <a:rPr lang="en-US" altLang="zh-TW" baseline="0" dirty="0"/>
+                        <a:t>, AC, PV, SV, CV, SPI, CPI.</a:t>
+                      </a:r>
+                      <a:endParaRPr lang="en-US" baseline="0" dirty="0"/>
+                    </a:p>
+                  </a:txBody>
+                  <a:tcPr/>
+                </a:tc>
+                <a:tc>
+                  <a:txBody>
+                    <a:bodyPr/>
+                    <a:lstStyle/>
+                    <a:p>
+                      <a:pPr marL="0" marR="0" lvl="0" indent="0" algn="l" defTabSz="914400" rtl="0" eaLnBrk="1" fontAlgn="auto" latinLnBrk="0" hangingPunct="1">
+                        <a:lnSpc>
+                          <a:spcPct val="100000"/>
+                        </a:lnSpc>
+                        <a:spcBef>
+                          <a:spcPts val="0"/>
+                        </a:spcBef>
+                        <a:spcAft>
+                          <a:spcPts val="0"/>
+                        </a:spcAft>
+                        <a:buClrTx/>
+                        <a:buSzTx/>
+                        <a:buFontTx/>
+                        <a:buNone/>
+                        <a:tabLst/>
+                        <a:defRPr/>
+                      </a:pPr>
+                      <a:r>
+                        <a:rPr lang="en-US" altLang="zh-TW" dirty="0"/>
+                        <a:t>Every</a:t>
+                      </a:r>
+                      <a:r>
+                        <a:rPr lang="en-US" altLang="zh-TW" baseline="0" dirty="0"/>
+                        <a:t> day </a:t>
+                      </a:r>
+                      <a:r>
+                        <a:rPr lang="en-US" altLang="zh-TW" dirty="0"/>
+                        <a:t>00:25</a:t>
+                      </a:r>
+                    </a:p>
+                  </a:txBody>
+                  <a:tcPr/>
+                </a:tc>
+                <a:extLst>
+                  <a:ext uri="{0D108BD9-81ED-4DB2-BD59-A6C34878D82A}">
+                    <a16:rowId xmlns:a16="http://schemas.microsoft.com/office/drawing/2014/main" val="330812927"/>
+                  </a:ext>
+                </a:extLst>
+              </a:tr>
+              <a:tr h="603031">
+                <a:tc>
+                  <a:txBody>
+                    <a:bodyPr/>
+                    <a:lstStyle/>
+                    <a:p>
+                      <a:r>
+                        <a:rPr lang="en-US" altLang="zh-TW" dirty="0"/>
+                        <a:t>07</a:t>
                       </a:r>
                       <a:endParaRPr lang="en-US" dirty="0"/>
                     </a:p>
@@ -5230,14 +5293,41 @@
                     <a:lstStyle/>
                     <a:p>
                       <a:r>
-                        <a:rPr lang="en-US" dirty="0" smtClean="0"/>
-                        <a:t>Compute</a:t>
+                        <a:rPr lang="en-US" dirty="0"/>
+                        <a:t>Update the EVM file in</a:t>
                       </a:r>
                       <a:r>
-                        <a:rPr lang="en-US" baseline="0" dirty="0" smtClean="0"/>
-                        <a:t> everyday SV, CV, SPI, CPI based on 04&amp;05.bat</a:t>
+                        <a:rPr lang="en-US" altLang="zh-TW" dirty="0"/>
+                        <a:t> the </a:t>
                       </a:r>
-                      <a:endParaRPr lang="en-US" dirty="0"/>
+                      <a:r>
+                        <a:rPr lang="en-US" altLang="zh-TW" dirty="0">
+                          <a:solidFill>
+                            <a:srgbClr val="FF0000"/>
+                          </a:solidFill>
+                        </a:rPr>
+                        <a:t>former day</a:t>
+                      </a:r>
+                      <a:r>
+                        <a:rPr lang="en-US" altLang="zh-TW" baseline="0" dirty="0"/>
+                        <a:t> </a:t>
+                      </a:r>
+                      <a:r>
+                        <a:rPr lang="en-US" dirty="0"/>
+                        <a:t>to Google sheet</a:t>
+                      </a:r>
+                      <a:r>
+                        <a:rPr lang="zh-TW" altLang="en-US" dirty="0"/>
+                        <a:t> </a:t>
+                      </a:r>
+                      <a:r>
+                        <a:rPr lang="en-US" altLang="zh-TW" dirty="0"/>
+                        <a:t>connected to the Power BI.</a:t>
+                      </a:r>
+                      <a:r>
+                        <a:rPr lang="en-US" dirty="0"/>
+                        <a:t> </a:t>
+                      </a:r>
                     </a:p>
                   </a:txBody>
                   <a:tcPr/>
@@ -5247,14 +5337,42 @@
                     <a:bodyPr/>
                     <a:lstStyle/>
                     <a:p>
-                      <a:endParaRPr lang="en-US" dirty="0"/>
+                      <a:pPr marL="0" marR="0" lvl="0" indent="0" algn="l" defTabSz="914400" rtl="0" eaLnBrk="1" fontAlgn="auto" latinLnBrk="0" hangingPunct="1">
+                        <a:lnSpc>
+                          <a:spcPct val="100000"/>
+                        </a:lnSpc>
+                        <a:spcBef>
+                          <a:spcPts val="0"/>
+                        </a:spcBef>
+                        <a:spcAft>
+                          <a:spcPts val="0"/>
+                        </a:spcAft>
+                        <a:buClrTx/>
+                        <a:buSzTx/>
+                        <a:buFontTx/>
+                        <a:buNone/>
+                        <a:tabLst/>
+                        <a:defRPr/>
+                      </a:pPr>
+                      <a:r>
+                        <a:rPr lang="en-US" altLang="zh-TW" dirty="0"/>
+                        <a:t>Every</a:t>
+                      </a:r>
+                      <a:r>
+                        <a:rPr lang="en-US" altLang="zh-TW" baseline="0" dirty="0"/>
+                        <a:t> day </a:t>
+                      </a:r>
+                      <a:r>
+                        <a:rPr lang="en-US" altLang="zh-TW" dirty="0"/>
+                        <a:t>00:35</a:t>
+                      </a:r>
                     </a:p>
                   </a:txBody>
                   <a:tcPr/>
                 </a:tc>
                 <a:extLst>
                   <a:ext uri="{0D108BD9-81ED-4DB2-BD59-A6C34878D82A}">
-                    <a16:rowId xmlns:a16="http://schemas.microsoft.com/office/drawing/2014/main" val="330812927"/>
+                    <a16:rowId xmlns:a16="http://schemas.microsoft.com/office/drawing/2014/main" val="3434866698"/>
                   </a:ext>
                 </a:extLst>
               </a:tr>
@@ -5308,7 +5426,7 @@
           <a:lstStyle/>
           <a:p>
             <a:r>
-              <a:rPr lang="en-US" altLang="zh-TW" dirty="0" smtClean="0"/>
+              <a:rPr lang="en-US" altLang="zh-TW" dirty="0"/>
               <a:t>Run05.bat(1)</a:t>
             </a:r>
             <a:endParaRPr lang="en-US" dirty="0"/>
@@ -5404,7 +5522,7 @@
           <a:lstStyle/>
           <a:p>
             <a:r>
-              <a:rPr lang="en-US" altLang="zh-TW" dirty="0" smtClean="0"/>
+              <a:rPr lang="en-US" altLang="zh-TW" dirty="0"/>
               <a:t>Run05.bat(2)</a:t>
             </a:r>
             <a:endParaRPr lang="en-US" dirty="0"/>
@@ -5500,7 +5618,7 @@
           <a:lstStyle/>
           <a:p>
             <a:r>
-              <a:rPr lang="en-US" altLang="zh-TW" dirty="0" smtClean="0"/>
+              <a:rPr lang="en-US" altLang="zh-TW" dirty="0"/>
               <a:t>Run05.bat(3)</a:t>
             </a:r>
             <a:endParaRPr lang="en-US" dirty="0"/>
@@ -5596,27 +5714,171 @@
           <a:lstStyle/>
           <a:p>
             <a:r>
-              <a:rPr lang="en-US" altLang="zh-TW" dirty="0" smtClean="0"/>
+              <a:rPr lang="en-US" altLang="zh-TW" dirty="0"/>
+              <a:t>Run06.bat</a:t>
+            </a:r>
+            <a:endParaRPr lang="en-US" dirty="0"/>
+          </a:p>
+        </p:txBody>
+      </p:sp>
+      <p:sp>
+        <p:nvSpPr>
+          <p:cNvPr id="3" name="Content Placeholder 2"/>
+          <p:cNvSpPr>
+            <a:spLocks noGrp="1"/>
+          </p:cNvSpPr>
+          <p:nvPr>
+            <p:ph idx="1"/>
+          </p:nvPr>
+        </p:nvSpPr>
+        <p:spPr/>
+        <p:txBody>
+          <a:bodyPr/>
+          <a:lstStyle/>
+          <a:p>
+            <a:endParaRPr lang="en-US"/>
+          </a:p>
+        </p:txBody>
+      </p:sp>
+    </p:spTree>
+    <p:extLst>
+      <p:ext uri="{BB962C8B-B14F-4D97-AF65-F5344CB8AC3E}">
+        <p14:creationId xmlns:p14="http://schemas.microsoft.com/office/powerpoint/2010/main" val="2565920104"/>
+      </p:ext>
+    </p:extLst>
+  </p:cSld>
+  <p:clrMapOvr>
+    <a:masterClrMapping/>
+  </p:clrMapOvr>
+</p:sld>
+</file>
+
+<file path=ppt/slides/slide24.xml><?xml version="1.0" encoding="utf-8"?>
+<p:sld xmlns:a="http://schemas.openxmlformats.org/drawingml/2006/main" xmlns:r="http://schemas.openxmlformats.org/officeDocument/2006/relationships" xmlns:p="http://schemas.openxmlformats.org/presentationml/2006/main">
+  <p:cSld>
+    <p:spTree>
+      <p:nvGrpSpPr>
+        <p:cNvPr id="1" name=""/>
+        <p:cNvGrpSpPr/>
+        <p:nvPr/>
+      </p:nvGrpSpPr>
+      <p:grpSpPr>
+        <a:xfrm>
+          <a:off x="0" y="0"/>
+          <a:ext cx="0" cy="0"/>
+          <a:chOff x="0" y="0"/>
+          <a:chExt cx="0" cy="0"/>
+        </a:xfrm>
+      </p:grpSpPr>
+      <p:sp>
+        <p:nvSpPr>
+          <p:cNvPr id="2" name="Title 1"/>
+          <p:cNvSpPr>
+            <a:spLocks noGrp="1"/>
+          </p:cNvSpPr>
+          <p:nvPr>
+            <p:ph type="title"/>
+          </p:nvPr>
+        </p:nvSpPr>
+        <p:spPr/>
+        <p:txBody>
+          <a:bodyPr/>
+          <a:lstStyle/>
+          <a:p>
+            <a:r>
+              <a:rPr lang="en-US" altLang="zh-TW" dirty="0"/>
+              <a:t>Run07.bat</a:t>
+            </a:r>
+            <a:endParaRPr lang="en-US" dirty="0"/>
+          </a:p>
+        </p:txBody>
+      </p:sp>
+      <p:sp>
+        <p:nvSpPr>
+          <p:cNvPr id="3" name="Content Placeholder 2"/>
+          <p:cNvSpPr>
+            <a:spLocks noGrp="1"/>
+          </p:cNvSpPr>
+          <p:nvPr>
+            <p:ph idx="1"/>
+          </p:nvPr>
+        </p:nvSpPr>
+        <p:spPr/>
+        <p:txBody>
+          <a:bodyPr/>
+          <a:lstStyle/>
+          <a:p>
+            <a:endParaRPr lang="en-US"/>
+          </a:p>
+        </p:txBody>
+      </p:sp>
+    </p:spTree>
+    <p:extLst>
+      <p:ext uri="{BB962C8B-B14F-4D97-AF65-F5344CB8AC3E}">
+        <p14:creationId xmlns:p14="http://schemas.microsoft.com/office/powerpoint/2010/main" val="4042267732"/>
+      </p:ext>
+    </p:extLst>
+  </p:cSld>
+  <p:clrMapOvr>
+    <a:masterClrMapping/>
+  </p:clrMapOvr>
+</p:sld>
+</file>
+
+<file path=ppt/slides/slide25.xml><?xml version="1.0" encoding="utf-8"?>
+<p:sld xmlns:a="http://schemas.openxmlformats.org/drawingml/2006/main" xmlns:r="http://schemas.openxmlformats.org/officeDocument/2006/relationships" xmlns:p="http://schemas.openxmlformats.org/presentationml/2006/main">
+  <p:cSld>
+    <p:spTree>
+      <p:nvGrpSpPr>
+        <p:cNvPr id="1" name=""/>
+        <p:cNvGrpSpPr/>
+        <p:nvPr/>
+      </p:nvGrpSpPr>
+      <p:grpSpPr>
+        <a:xfrm>
+          <a:off x="0" y="0"/>
+          <a:ext cx="0" cy="0"/>
+          <a:chOff x="0" y="0"/>
+          <a:chExt cx="0" cy="0"/>
+        </a:xfrm>
+      </p:grpSpPr>
+      <p:sp>
+        <p:nvSpPr>
+          <p:cNvPr id="2" name="Title 1"/>
+          <p:cNvSpPr>
+            <a:spLocks noGrp="1"/>
+          </p:cNvSpPr>
+          <p:nvPr>
+            <p:ph type="title"/>
+          </p:nvPr>
+        </p:nvSpPr>
+        <p:spPr/>
+        <p:txBody>
+          <a:bodyPr/>
+          <a:lstStyle/>
+          <a:p>
+            <a:r>
+              <a:rPr lang="en-US" altLang="zh-TW" dirty="0"/>
               <a:t>Some weird</a:t>
             </a:r>
             <a:r>
-              <a:rPr lang="zh-TW" altLang="en-US" dirty="0" smtClean="0"/>
+              <a:rPr lang="zh-TW" altLang="en-US" dirty="0"/>
               <a:t> </a:t>
             </a:r>
             <a:r>
-              <a:rPr lang="en-US" altLang="zh-TW" dirty="0" smtClean="0"/>
+              <a:rPr lang="en-US" altLang="zh-TW" dirty="0"/>
               <a:t>ERRORs, we </a:t>
             </a:r>
             <a:r>
-              <a:rPr lang="en-US" altLang="zh-TW" dirty="0" err="1" smtClean="0"/>
+              <a:rPr lang="en-US" altLang="zh-TW" dirty="0" err="1"/>
               <a:t>lossed</a:t>
             </a:r>
             <a:r>
-              <a:rPr lang="en-US" altLang="zh-TW" dirty="0" smtClean="0"/>
+              <a:rPr lang="en-US" altLang="zh-TW" dirty="0"/>
               <a:t> the data…</a:t>
             </a:r>
             <a:r>
-              <a:rPr lang="zh-TW" altLang="en-US" dirty="0" smtClean="0"/>
+              <a:rPr lang="zh-TW" altLang="en-US" dirty="0"/>
               <a:t> </a:t>
             </a:r>
             <a:endParaRPr lang="en-US" dirty="0"/>
@@ -5639,22 +5901,21 @@
           <a:lstStyle/>
           <a:p>
             <a:r>
-              <a:rPr lang="en-US" dirty="0" smtClean="0"/>
+              <a:rPr lang="en-US" dirty="0"/>
               <a:t>2024/04/16</a:t>
             </a:r>
           </a:p>
           <a:p>
             <a:r>
-              <a:rPr lang="en-US" dirty="0" smtClean="0"/>
+              <a:rPr lang="en-US" dirty="0"/>
               <a:t>2024/04/17</a:t>
             </a:r>
           </a:p>
           <a:p>
             <a:r>
-              <a:rPr lang="en-US" dirty="0" smtClean="0"/>
+              <a:rPr lang="en-US" dirty="0"/>
               <a:t>2024/04/24</a:t>
             </a:r>
-            <a:endParaRPr lang="en-US" dirty="0"/>
           </a:p>
         </p:txBody>
       </p:sp>
@@ -5704,56 +5965,50 @@
           <a:lstStyle/>
           <a:p>
             <a:r>
-              <a:rPr lang="en-US" dirty="0" smtClean="0"/>
+              <a:rPr lang="en-US" dirty="0"/>
               <a:t>Run02.bat</a:t>
             </a:r>
+          </a:p>
+        </p:txBody>
+      </p:sp>
+      <p:sp>
+        <p:nvSpPr>
+          <p:cNvPr id="3" name="Content Placeholder 2"/>
+          <p:cNvSpPr>
+            <a:spLocks noGrp="1"/>
+          </p:cNvSpPr>
+          <p:nvPr>
+            <p:ph idx="1"/>
+          </p:nvPr>
+        </p:nvSpPr>
+        <p:spPr/>
+        <p:txBody>
+          <a:bodyPr/>
+          <a:lstStyle/>
+          <a:p>
+            <a:r>
+              <a:rPr lang="en-US" dirty="0"/>
+              <a:t>Use API to get the Youbike2.0_data from Taipei city in every 15 </a:t>
+            </a:r>
+            <a:r>
+              <a:rPr lang="en-US" dirty="0" err="1"/>
+              <a:t>mins</a:t>
+            </a:r>
             <a:endParaRPr lang="en-US" dirty="0"/>
           </a:p>
-        </p:txBody>
-      </p:sp>
-      <p:sp>
-        <p:nvSpPr>
-          <p:cNvPr id="3" name="Content Placeholder 2"/>
-          <p:cNvSpPr>
-            <a:spLocks noGrp="1"/>
-          </p:cNvSpPr>
-          <p:nvPr>
-            <p:ph idx="1"/>
-          </p:nvPr>
-        </p:nvSpPr>
-        <p:spPr/>
-        <p:txBody>
-          <a:bodyPr/>
-          <a:lstStyle/>
-          <a:p>
-            <a:r>
-              <a:rPr lang="en-US" dirty="0" smtClean="0"/>
-              <a:t>Use API to get the Youbike2.0_data from Taipei city in every 15 </a:t>
-            </a:r>
-            <a:r>
-              <a:rPr lang="en-US" dirty="0" err="1" smtClean="0"/>
-              <a:t>mins</a:t>
-            </a:r>
-            <a:endParaRPr lang="en-US" dirty="0" smtClean="0"/>
-          </a:p>
-          <a:p>
-            <a:r>
-              <a:rPr lang="en-US" dirty="0" smtClean="0"/>
+          <a:p>
+            <a:r>
+              <a:rPr lang="en-US" dirty="0"/>
               <a:t>Output file example: 2024-04-24 1115_</a:t>
             </a:r>
             <a:r>
-              <a:rPr lang="en-US" dirty="0" smtClean="0">
+              <a:rPr lang="en-US" dirty="0">
                 <a:solidFill>
                   <a:srgbClr val="FF0000"/>
                 </a:solidFill>
               </a:rPr>
               <a:t>Youbike_cleaned.xlsx</a:t>
             </a:r>
-            <a:endParaRPr lang="en-US" dirty="0">
-              <a:solidFill>
-                <a:srgbClr val="FF0000"/>
-              </a:solidFill>
-            </a:endParaRPr>
           </a:p>
         </p:txBody>
       </p:sp>
@@ -5803,10 +6058,9 @@
           <a:lstStyle/>
           <a:p>
             <a:r>
-              <a:rPr lang="en-US" dirty="0" smtClean="0"/>
+              <a:rPr lang="en-US" dirty="0"/>
               <a:t>Run02.bat(0)</a:t>
             </a:r>
-            <a:endParaRPr lang="en-US" dirty="0"/>
           </a:p>
         </p:txBody>
       </p:sp>
@@ -5885,7 +6139,7 @@
           <a:lstStyle/>
           <a:p>
             <a:r>
-              <a:rPr lang="en-US" altLang="zh-TW" dirty="0" smtClean="0"/>
+              <a:rPr lang="en-US" altLang="zh-TW" dirty="0"/>
               <a:t>Run02.bat (1)</a:t>
             </a:r>
             <a:endParaRPr lang="en-US" dirty="0"/>
@@ -5962,7 +6216,7 @@
           <a:lstStyle/>
           <a:p>
             <a:r>
-              <a:rPr lang="en-US" altLang="zh-TW" dirty="0" smtClean="0"/>
+              <a:rPr lang="en-US" altLang="zh-TW" dirty="0"/>
               <a:t>Run02.bat (2)</a:t>
             </a:r>
             <a:endParaRPr lang="en-US" dirty="0"/>
@@ -6039,7 +6293,7 @@
           <a:lstStyle/>
           <a:p>
             <a:r>
-              <a:rPr lang="en-US" altLang="zh-TW" dirty="0" smtClean="0"/>
+              <a:rPr lang="en-US" altLang="zh-TW" dirty="0"/>
               <a:t>Run02.bat (3)</a:t>
             </a:r>
             <a:endParaRPr lang="en-US" dirty="0"/>
@@ -6092,22 +6346,17 @@
           <a:lstStyle/>
           <a:p>
             <a:r>
-              <a:rPr lang="en-US" dirty="0" smtClean="0"/>
+              <a:rPr lang="en-US" dirty="0"/>
               <a:t>Start in </a:t>
             </a:r>
             <a:r>
-              <a:rPr lang="en-US" dirty="0" smtClean="0">
+              <a:rPr lang="en-US" dirty="0">
                 <a:solidFill>
                   <a:srgbClr val="FF0000"/>
                 </a:solidFill>
               </a:rPr>
               <a:t>C:\Users\Elebc_GPU_Server\Desktop\排程抓資料</a:t>
             </a:r>
-            <a:endParaRPr lang="en-US" dirty="0">
-              <a:solidFill>
-                <a:srgbClr val="FF0000"/>
-              </a:solidFill>
-            </a:endParaRPr>
           </a:p>
         </p:txBody>
       </p:sp>
@@ -6157,7 +6406,7 @@
           <a:lstStyle/>
           <a:p>
             <a:r>
-              <a:rPr lang="en-US" altLang="zh-TW" dirty="0" smtClean="0"/>
+              <a:rPr lang="en-US" altLang="zh-TW" dirty="0"/>
               <a:t>Run03.bat</a:t>
             </a:r>
             <a:endParaRPr lang="en-US" dirty="0"/>
@@ -6185,32 +6434,28 @@
           <a:lstStyle/>
           <a:p>
             <a:r>
-              <a:rPr lang="en-US" dirty="0" smtClean="0"/>
+              <a:rPr lang="en-US" dirty="0"/>
               <a:t>Combine the Youbike_15mins_data excels to merged data by DAY.</a:t>
             </a:r>
           </a:p>
           <a:p>
             <a:r>
-              <a:rPr lang="en-US" dirty="0" smtClean="0"/>
+              <a:rPr lang="en-US" dirty="0"/>
               <a:t>Select column [“</a:t>
             </a:r>
             <a:r>
-              <a:rPr lang="en-US" dirty="0" err="1" smtClean="0"/>
+              <a:rPr lang="en-US" dirty="0" err="1"/>
               <a:t>bemp</a:t>
             </a:r>
             <a:r>
-              <a:rPr lang="en-US" dirty="0" smtClean="0"/>
+              <a:rPr lang="en-US" dirty="0"/>
               <a:t>”].</a:t>
             </a:r>
           </a:p>
           <a:p>
             <a:r>
-              <a:rPr lang="en-US" dirty="0" smtClean="0"/>
-              <a:t>Output file </a:t>
-            </a:r>
-            <a:r>
               <a:rPr lang="en-US" dirty="0"/>
-              <a:t>example 2024-04-23 </a:t>
+              <a:t>Output file example 2024-04-23 </a:t>
             </a:r>
             <a:r>
               <a:rPr lang="en-US" dirty="0">
@@ -6270,11 +6515,7 @@
           <a:p>
             <a:r>
               <a:rPr lang="en-US" altLang="zh-TW" dirty="0"/>
-              <a:t>Run03.bat </a:t>
-            </a:r>
-            <a:r>
-              <a:rPr lang="en-US" altLang="zh-TW" dirty="0" smtClean="0"/>
-              <a:t>(0)</a:t>
+              <a:t>Run03.bat (0)</a:t>
             </a:r>
             <a:endParaRPr lang="en-US" dirty="0"/>
           </a:p>

--- a/Work schedule.pptx
+++ b/Work schedule.pptx
@@ -5,7 +5,7 @@
     <p:sldMasterId id="2147483648" r:id="rId1"/>
   </p:sldMasterIdLst>
   <p:notesMasterIdLst>
-    <p:notesMasterId r:id="rId27"/>
+    <p:notesMasterId r:id="rId30"/>
   </p:notesMasterIdLst>
   <p:sldIdLst>
     <p:sldId id="256" r:id="rId2"/>
@@ -31,8 +31,11 @@
     <p:sldId id="272" r:id="rId22"/>
     <p:sldId id="271" r:id="rId23"/>
     <p:sldId id="279" r:id="rId24"/>
-    <p:sldId id="280" r:id="rId25"/>
-    <p:sldId id="268" r:id="rId26"/>
+    <p:sldId id="281" r:id="rId25"/>
+    <p:sldId id="283" r:id="rId26"/>
+    <p:sldId id="282" r:id="rId27"/>
+    <p:sldId id="280" r:id="rId28"/>
+    <p:sldId id="268" r:id="rId29"/>
   </p:sldIdLst>
   <p:sldSz cx="12192000" cy="6858000"/>
   <p:notesSz cx="6858000" cy="9144000"/>
@@ -221,7 +224,7 @@
           <a:p>
             <a:fld id="{B3DA1171-4DBB-4F83-8575-A8A6B55B05AF}" type="datetimeFigureOut">
               <a:rPr lang="en-US" smtClean="0"/>
-              <a:t>4/29/24</a:t>
+              <a:t>4/30/2024</a:t>
             </a:fld>
             <a:endParaRPr lang="en-US"/>
           </a:p>
@@ -869,7 +872,7 @@
           <a:p>
             <a:fld id="{6AEF05C9-2CBA-4AC1-B13B-ED0A1AAD20F6}" type="datetimeFigureOut">
               <a:rPr lang="en-US" smtClean="0"/>
-              <a:t>4/29/24</a:t>
+              <a:t>4/30/2024</a:t>
             </a:fld>
             <a:endParaRPr lang="en-US"/>
           </a:p>
@@ -1037,7 +1040,7 @@
           <a:p>
             <a:fld id="{6AEF05C9-2CBA-4AC1-B13B-ED0A1AAD20F6}" type="datetimeFigureOut">
               <a:rPr lang="en-US" smtClean="0"/>
-              <a:t>4/29/24</a:t>
+              <a:t>4/30/2024</a:t>
             </a:fld>
             <a:endParaRPr lang="en-US"/>
           </a:p>
@@ -1215,7 +1218,7 @@
           <a:p>
             <a:fld id="{6AEF05C9-2CBA-4AC1-B13B-ED0A1AAD20F6}" type="datetimeFigureOut">
               <a:rPr lang="en-US" smtClean="0"/>
-              <a:t>4/29/24</a:t>
+              <a:t>4/30/2024</a:t>
             </a:fld>
             <a:endParaRPr lang="en-US"/>
           </a:p>
@@ -1383,7 +1386,7 @@
           <a:p>
             <a:fld id="{6AEF05C9-2CBA-4AC1-B13B-ED0A1AAD20F6}" type="datetimeFigureOut">
               <a:rPr lang="en-US" smtClean="0"/>
-              <a:t>4/29/24</a:t>
+              <a:t>4/30/2024</a:t>
             </a:fld>
             <a:endParaRPr lang="en-US"/>
           </a:p>
@@ -1628,7 +1631,7 @@
           <a:p>
             <a:fld id="{6AEF05C9-2CBA-4AC1-B13B-ED0A1AAD20F6}" type="datetimeFigureOut">
               <a:rPr lang="en-US" smtClean="0"/>
-              <a:t>4/29/24</a:t>
+              <a:t>4/30/2024</a:t>
             </a:fld>
             <a:endParaRPr lang="en-US"/>
           </a:p>
@@ -1857,7 +1860,7 @@
           <a:p>
             <a:fld id="{6AEF05C9-2CBA-4AC1-B13B-ED0A1AAD20F6}" type="datetimeFigureOut">
               <a:rPr lang="en-US" smtClean="0"/>
-              <a:t>4/29/24</a:t>
+              <a:t>4/30/2024</a:t>
             </a:fld>
             <a:endParaRPr lang="en-US"/>
           </a:p>
@@ -2221,7 +2224,7 @@
           <a:p>
             <a:fld id="{6AEF05C9-2CBA-4AC1-B13B-ED0A1AAD20F6}" type="datetimeFigureOut">
               <a:rPr lang="en-US" smtClean="0"/>
-              <a:t>4/29/24</a:t>
+              <a:t>4/30/2024</a:t>
             </a:fld>
             <a:endParaRPr lang="en-US"/>
           </a:p>
@@ -2338,7 +2341,7 @@
           <a:p>
             <a:fld id="{6AEF05C9-2CBA-4AC1-B13B-ED0A1AAD20F6}" type="datetimeFigureOut">
               <a:rPr lang="en-US" smtClean="0"/>
-              <a:t>4/29/24</a:t>
+              <a:t>4/30/2024</a:t>
             </a:fld>
             <a:endParaRPr lang="en-US"/>
           </a:p>
@@ -2433,7 +2436,7 @@
           <a:p>
             <a:fld id="{6AEF05C9-2CBA-4AC1-B13B-ED0A1AAD20F6}" type="datetimeFigureOut">
               <a:rPr lang="en-US" smtClean="0"/>
-              <a:t>4/29/24</a:t>
+              <a:t>4/30/2024</a:t>
             </a:fld>
             <a:endParaRPr lang="en-US"/>
           </a:p>
@@ -2708,7 +2711,7 @@
           <a:p>
             <a:fld id="{6AEF05C9-2CBA-4AC1-B13B-ED0A1AAD20F6}" type="datetimeFigureOut">
               <a:rPr lang="en-US" smtClean="0"/>
-              <a:t>4/29/24</a:t>
+              <a:t>4/30/2024</a:t>
             </a:fld>
             <a:endParaRPr lang="en-US"/>
           </a:p>
@@ -2960,7 +2963,7 @@
           <a:p>
             <a:fld id="{6AEF05C9-2CBA-4AC1-B13B-ED0A1AAD20F6}" type="datetimeFigureOut">
               <a:rPr lang="en-US" smtClean="0"/>
-              <a:t>4/29/24</a:t>
+              <a:t>4/30/2024</a:t>
             </a:fld>
             <a:endParaRPr lang="en-US"/>
           </a:p>
@@ -3171,7 +3174,7 @@
           <a:p>
             <a:fld id="{6AEF05C9-2CBA-4AC1-B13B-ED0A1AAD20F6}" type="datetimeFigureOut">
               <a:rPr lang="en-US" smtClean="0"/>
-              <a:t>4/29/24</a:t>
+              <a:t>4/30/2024</a:t>
             </a:fld>
             <a:endParaRPr lang="en-US"/>
           </a:p>
@@ -4668,7 +4671,7 @@
             <p:ph idx="1"/>
             <p:extLst>
               <p:ext uri="{D42A27DB-BD31-4B8C-83A1-F6EECF244321}">
-                <p14:modId xmlns:p14="http://schemas.microsoft.com/office/powerpoint/2010/main" val="1585444444"/>
+                <p14:modId xmlns:p14="http://schemas.microsoft.com/office/powerpoint/2010/main" val="4016947485"/>
               </p:ext>
             </p:extLst>
           </p:nvPr>
@@ -4684,21 +4687,21 @@
                 <a:tableStyleId>{5940675A-B579-460E-94D1-54222C63F5DA}</a:tableStyleId>
               </a:tblPr>
               <a:tblGrid>
-                <a:gridCol w="1669026">
+                <a:gridCol w="2801293">
                   <a:extLst>
                     <a:ext uri="{9D8B030D-6E8A-4147-A177-3AD203B41FA5}">
                       <a16:colId xmlns:a16="http://schemas.microsoft.com/office/drawing/2014/main" val="2622647484"/>
                     </a:ext>
                   </a:extLst>
                 </a:gridCol>
-                <a:gridCol w="5341374">
+                <a:gridCol w="5604095">
                   <a:extLst>
                     <a:ext uri="{9D8B030D-6E8A-4147-A177-3AD203B41FA5}">
                       <a16:colId xmlns:a16="http://schemas.microsoft.com/office/drawing/2014/main" val="1932915889"/>
                     </a:ext>
                   </a:extLst>
                 </a:gridCol>
-                <a:gridCol w="3505200">
+                <a:gridCol w="2110212">
                   <a:extLst>
                     <a:ext uri="{9D8B030D-6E8A-4147-A177-3AD203B41FA5}">
                       <a16:colId xmlns:a16="http://schemas.microsoft.com/office/drawing/2014/main" val="2228582591"/>
@@ -4715,8 +4718,13 @@
                       <a:pPr algn="l"/>
                       <a:r>
                         <a:rPr lang="en-US" sz="2000" dirty="0"/>
-                        <a:t>.bats’ number</a:t>
+                        <a:t>.</a:t>
                       </a:r>
+                      <a:r>
+                        <a:rPr lang="en-US" sz="2000" dirty="0" smtClean="0"/>
+                        <a:t>bat</a:t>
+                      </a:r>
+                      <a:endParaRPr lang="en-US" sz="2000" dirty="0"/>
                     </a:p>
                   </a:txBody>
                   <a:tcPr anchor="ctr"/>
@@ -4770,13 +4778,18 @@
                     <a:lstStyle/>
                     <a:p>
                       <a:r>
-                        <a:rPr lang="en-US" dirty="0">
+                        <a:rPr lang="en-US" dirty="0" smtClean="0">
                           <a:solidFill>
                             <a:schemeClr val="accent3"/>
                           </a:solidFill>
                         </a:rPr>
-                        <a:t>01</a:t>
+                        <a:t>01 Amenity</a:t>
                       </a:r>
+                      <a:endParaRPr lang="en-US" dirty="0">
+                        <a:solidFill>
+                          <a:schemeClr val="accent3"/>
+                        </a:solidFill>
+                      </a:endParaRPr>
                     </a:p>
                   </a:txBody>
                   <a:tcPr/>
@@ -4873,9 +4886,18 @@
                     <a:lstStyle/>
                     <a:p>
                       <a:r>
-                        <a:rPr lang="en-US" dirty="0"/>
+                        <a:rPr lang="en-US" dirty="0" smtClean="0"/>
                         <a:t>02</a:t>
                       </a:r>
+                      <a:r>
+                        <a:rPr lang="zh-TW" altLang="en-US" dirty="0" smtClean="0"/>
+                        <a:t> </a:t>
+                      </a:r>
+                      <a:r>
+                        <a:rPr lang="en-US" dirty="0" err="1" smtClean="0"/>
+                        <a:t>read_data_of_youbike</a:t>
+                      </a:r>
+                      <a:endParaRPr lang="en-US" dirty="0"/>
                     </a:p>
                   </a:txBody>
                   <a:tcPr/>
@@ -4961,9 +4983,18 @@
                     <a:lstStyle/>
                     <a:p>
                       <a:r>
-                        <a:rPr lang="en-US" dirty="0"/>
+                        <a:rPr lang="en-US" dirty="0" smtClean="0"/>
                         <a:t>03</a:t>
                       </a:r>
+                      <a:r>
+                        <a:rPr lang="zh-TW" altLang="en-US" dirty="0" smtClean="0"/>
+                        <a:t> </a:t>
+                      </a:r>
+                      <a:r>
+                        <a:rPr lang="en-US" dirty="0" err="1" smtClean="0"/>
+                        <a:t>daily_bemp_merged</a:t>
+                      </a:r>
+                      <a:endParaRPr lang="en-US" dirty="0"/>
                     </a:p>
                   </a:txBody>
                   <a:tcPr/>
@@ -5015,9 +5046,18 @@
                     <a:lstStyle/>
                     <a:p>
                       <a:r>
-                        <a:rPr lang="en-US" dirty="0"/>
+                        <a:rPr lang="en-US" dirty="0" smtClean="0"/>
                         <a:t>04</a:t>
                       </a:r>
+                      <a:r>
+                        <a:rPr lang="zh-TW" altLang="en-US" dirty="0" smtClean="0"/>
+                        <a:t> </a:t>
+                      </a:r>
+                      <a:r>
+                        <a:rPr lang="en-US" altLang="zh-TW" dirty="0" err="1" smtClean="0"/>
+                        <a:t>ev</a:t>
+                      </a:r>
+                      <a:endParaRPr lang="en-US" dirty="0"/>
                     </a:p>
                   </a:txBody>
                   <a:tcPr/>
@@ -5099,9 +5139,14 @@
                     <a:lstStyle/>
                     <a:p>
                       <a:r>
-                        <a:rPr lang="en-US" dirty="0"/>
-                        <a:t>05</a:t>
+                        <a:rPr lang="en-US" dirty="0" smtClean="0"/>
+                        <a:t>05 </a:t>
                       </a:r>
+                      <a:r>
+                        <a:rPr lang="en-US" dirty="0" err="1" smtClean="0"/>
+                        <a:t>ac_pv</a:t>
+                      </a:r>
+                      <a:endParaRPr lang="en-US" dirty="0"/>
                     </a:p>
                   </a:txBody>
                   <a:tcPr/>
@@ -5183,9 +5228,14 @@
                     <a:lstStyle/>
                     <a:p>
                       <a:r>
-                        <a:rPr lang="en-US" dirty="0"/>
-                        <a:t>06</a:t>
+                        <a:rPr lang="en-US" dirty="0" smtClean="0"/>
+                        <a:t>06 </a:t>
                       </a:r>
+                      <a:r>
+                        <a:rPr lang="en-US" dirty="0" err="1" smtClean="0"/>
+                        <a:t>evm</a:t>
+                      </a:r>
+                      <a:endParaRPr lang="en-US" dirty="0"/>
                     </a:p>
                   </a:txBody>
                   <a:tcPr/>
@@ -5259,9 +5309,10 @@
                         <a:t> day </a:t>
                       </a:r>
                       <a:r>
-                        <a:rPr lang="en-US" altLang="zh-TW" dirty="0"/>
-                        <a:t>00:25</a:t>
+                        <a:rPr lang="en-US" altLang="zh-TW" dirty="0" smtClean="0"/>
+                        <a:t>00:35</a:t>
                       </a:r>
+                      <a:endParaRPr lang="en-US" altLang="zh-TW" dirty="0"/>
                     </a:p>
                   </a:txBody>
                   <a:tcPr/>
@@ -5363,9 +5414,10 @@
                         <a:t> day </a:t>
                       </a:r>
                       <a:r>
-                        <a:rPr lang="en-US" altLang="zh-TW" dirty="0"/>
-                        <a:t>00:35</a:t>
+                        <a:rPr lang="en-US" altLang="zh-TW" dirty="0" smtClean="0"/>
+                        <a:t>00:40</a:t>
                       </a:r>
+                      <a:endParaRPr lang="en-US" altLang="zh-TW" dirty="0"/>
                     </a:p>
                   </a:txBody>
                   <a:tcPr/>
@@ -5736,7 +5788,125 @@
           <a:bodyPr/>
           <a:lstStyle/>
           <a:p>
-            <a:endParaRPr lang="en-US"/>
+            <a:r>
+              <a:rPr lang="en-US" dirty="0"/>
+              <a:t>Compute </a:t>
+            </a:r>
+            <a:r>
+              <a:rPr lang="en-US" altLang="zh-TW" dirty="0">
+                <a:solidFill>
+                  <a:srgbClr val="FF0000"/>
+                </a:solidFill>
+              </a:rPr>
+              <a:t>former day</a:t>
+            </a:r>
+            <a:r>
+              <a:rPr lang="en-US" altLang="zh-TW" dirty="0"/>
+              <a:t> </a:t>
+            </a:r>
+            <a:r>
+              <a:rPr lang="en-US" dirty="0"/>
+              <a:t> SV, CV, SPI, CPI based on 04&amp;05. The columns of EVM file are EV</a:t>
+            </a:r>
+            <a:r>
+              <a:rPr lang="en-US" altLang="zh-TW" dirty="0"/>
+              <a:t>, AC, PV, SV, CV, SPI, CPI.</a:t>
+            </a:r>
+            <a:endParaRPr lang="en-US" dirty="0"/>
+          </a:p>
+          <a:p>
+            <a:r>
+              <a:rPr lang="en-US" dirty="0" err="1"/>
+              <a:t>new_column_order</a:t>
+            </a:r>
+            <a:r>
+              <a:rPr lang="en-US" dirty="0"/>
+              <a:t> = </a:t>
+            </a:r>
+            <a:r>
+              <a:rPr lang="en-US" dirty="0" smtClean="0"/>
+              <a:t>[ </a:t>
+            </a:r>
+            <a:r>
+              <a:rPr lang="en-US" dirty="0"/>
+              <a:t>'</a:t>
+            </a:r>
+            <a:r>
+              <a:rPr lang="en-US" dirty="0" err="1"/>
+              <a:t>sno</a:t>
+            </a:r>
+            <a:r>
+              <a:rPr lang="en-US" dirty="0"/>
+              <a:t>', '</a:t>
+            </a:r>
+            <a:r>
+              <a:rPr lang="en-US" dirty="0" err="1"/>
+              <a:t>sna</a:t>
+            </a:r>
+            <a:r>
+              <a:rPr lang="en-US" dirty="0"/>
+              <a:t>', '</a:t>
+            </a:r>
+            <a:r>
+              <a:rPr lang="en-US" dirty="0" err="1"/>
+              <a:t>sarea</a:t>
+            </a:r>
+            <a:r>
+              <a:rPr lang="en-US" dirty="0"/>
+              <a:t>', '</a:t>
+            </a:r>
+            <a:r>
+              <a:rPr lang="en-US" dirty="0" err="1"/>
+              <a:t>ar</a:t>
+            </a:r>
+            <a:r>
+              <a:rPr lang="en-US" dirty="0"/>
+              <a:t>', '</a:t>
+            </a:r>
+            <a:r>
+              <a:rPr lang="en-US" dirty="0" err="1"/>
+              <a:t>lat</a:t>
+            </a:r>
+            <a:r>
+              <a:rPr lang="en-US" dirty="0"/>
+              <a:t>', '</a:t>
+            </a:r>
+            <a:r>
+              <a:rPr lang="en-US" dirty="0" err="1"/>
+              <a:t>lng</a:t>
+            </a:r>
+            <a:r>
+              <a:rPr lang="en-US" dirty="0"/>
+              <a:t>', 'tot', '</a:t>
+            </a:r>
+            <a:r>
+              <a:rPr lang="en-US" dirty="0" err="1"/>
+              <a:t>infoDate</a:t>
+            </a:r>
+            <a:r>
+              <a:rPr lang="en-US" dirty="0"/>
+              <a:t>', '</a:t>
+            </a:r>
+            <a:r>
+              <a:rPr lang="en-US" dirty="0" err="1"/>
+              <a:t>INPUT_ride</a:t>
+            </a:r>
+            <a:r>
+              <a:rPr lang="en-US" dirty="0"/>
+              <a:t>', '</a:t>
+            </a:r>
+            <a:r>
+              <a:rPr lang="en-US" dirty="0" err="1"/>
+              <a:t>OUTPUT_ride',"AC","PV","EV","CV","SV","CPI","SPI</a:t>
+            </a:r>
+            <a:r>
+              <a:rPr lang="en-US" dirty="0" smtClean="0"/>
+              <a:t>",] </a:t>
+            </a:r>
+            <a:r>
+              <a:rPr lang="en-US" dirty="0"/>
+              <a:t>+ [f'{hour:02d}{minute:02d}' for hour in range(24) for minute in (0, 15, 30, 45)]</a:t>
+            </a:r>
           </a:p>
         </p:txBody>
       </p:sp>
@@ -5786,36 +5956,45 @@
           <a:lstStyle/>
           <a:p>
             <a:r>
-              <a:rPr lang="en-US" altLang="zh-TW" dirty="0"/>
-              <a:t>Run07.bat</a:t>
+              <a:rPr lang="en-US" altLang="zh-TW" dirty="0" smtClean="0"/>
+              <a:t>Run06.bat(0)</a:t>
             </a:r>
             <a:endParaRPr lang="en-US" dirty="0"/>
           </a:p>
         </p:txBody>
       </p:sp>
-      <p:sp>
-        <p:nvSpPr>
-          <p:cNvPr id="3" name="Content Placeholder 2"/>
-          <p:cNvSpPr>
-            <a:spLocks noGrp="1"/>
-          </p:cNvSpPr>
-          <p:nvPr>
-            <p:ph idx="1"/>
-          </p:nvPr>
-        </p:nvSpPr>
-        <p:spPr/>
-        <p:txBody>
-          <a:bodyPr/>
-          <a:lstStyle/>
-          <a:p>
-            <a:endParaRPr lang="en-US"/>
-          </a:p>
-        </p:txBody>
-      </p:sp>
+      <p:pic>
+        <p:nvPicPr>
+          <p:cNvPr id="6" name="Picture 5"/>
+          <p:cNvPicPr>
+            <a:picLocks noChangeAspect="1"/>
+          </p:cNvPicPr>
+          <p:nvPr/>
+        </p:nvPicPr>
+        <p:blipFill rotWithShape="1">
+          <a:blip r:embed="rId2"/>
+          <a:srcRect r="12840"/>
+          <a:stretch/>
+        </p:blipFill>
+        <p:spPr>
+          <a:xfrm>
+            <a:off x="838200" y="1690688"/>
+            <a:ext cx="10089333" cy="2076361"/>
+          </a:xfrm>
+          <a:prstGeom prst="rect">
+            <a:avLst/>
+          </a:prstGeom>
+          <a:ln>
+            <a:solidFill>
+              <a:schemeClr val="tx1"/>
+            </a:solidFill>
+          </a:ln>
+        </p:spPr>
+      </p:pic>
     </p:spTree>
     <p:extLst>
       <p:ext uri="{BB962C8B-B14F-4D97-AF65-F5344CB8AC3E}">
-        <p14:creationId xmlns:p14="http://schemas.microsoft.com/office/powerpoint/2010/main" val="4042267732"/>
+        <p14:creationId xmlns:p14="http://schemas.microsoft.com/office/powerpoint/2010/main" val="2158080046"/>
       </p:ext>
     </p:extLst>
   </p:cSld>
@@ -5858,6 +6037,232 @@
           <a:lstStyle/>
           <a:p>
             <a:r>
+              <a:rPr lang="en-US" altLang="zh-TW" dirty="0" smtClean="0"/>
+              <a:t>Run06.bat(1)</a:t>
+            </a:r>
+            <a:endParaRPr lang="en-US" dirty="0"/>
+          </a:p>
+        </p:txBody>
+      </p:sp>
+      <p:pic>
+        <p:nvPicPr>
+          <p:cNvPr id="3" name="Picture 2"/>
+          <p:cNvPicPr>
+            <a:picLocks noChangeAspect="1"/>
+          </p:cNvPicPr>
+          <p:nvPr/>
+        </p:nvPicPr>
+        <p:blipFill>
+          <a:blip r:embed="rId2"/>
+          <a:stretch>
+            <a:fillRect/>
+          </a:stretch>
+        </p:blipFill>
+        <p:spPr>
+          <a:xfrm>
+            <a:off x="351623" y="1549141"/>
+            <a:ext cx="11488753" cy="4610743"/>
+          </a:xfrm>
+          <a:prstGeom prst="rect">
+            <a:avLst/>
+          </a:prstGeom>
+        </p:spPr>
+      </p:pic>
+    </p:spTree>
+    <p:extLst>
+      <p:ext uri="{BB962C8B-B14F-4D97-AF65-F5344CB8AC3E}">
+        <p14:creationId xmlns:p14="http://schemas.microsoft.com/office/powerpoint/2010/main" val="3465568447"/>
+      </p:ext>
+    </p:extLst>
+  </p:cSld>
+  <p:clrMapOvr>
+    <a:masterClrMapping/>
+  </p:clrMapOvr>
+</p:sld>
+</file>
+
+<file path=ppt/slides/slide26.xml><?xml version="1.0" encoding="utf-8"?>
+<p:sld xmlns:a="http://schemas.openxmlformats.org/drawingml/2006/main" xmlns:r="http://schemas.openxmlformats.org/officeDocument/2006/relationships" xmlns:p="http://schemas.openxmlformats.org/presentationml/2006/main">
+  <p:cSld>
+    <p:spTree>
+      <p:nvGrpSpPr>
+        <p:cNvPr id="1" name=""/>
+        <p:cNvGrpSpPr/>
+        <p:nvPr/>
+      </p:nvGrpSpPr>
+      <p:grpSpPr>
+        <a:xfrm>
+          <a:off x="0" y="0"/>
+          <a:ext cx="0" cy="0"/>
+          <a:chOff x="0" y="0"/>
+          <a:chExt cx="0" cy="0"/>
+        </a:xfrm>
+      </p:grpSpPr>
+      <p:sp>
+        <p:nvSpPr>
+          <p:cNvPr id="2" name="Title 1"/>
+          <p:cNvSpPr>
+            <a:spLocks noGrp="1"/>
+          </p:cNvSpPr>
+          <p:nvPr>
+            <p:ph type="title"/>
+          </p:nvPr>
+        </p:nvSpPr>
+        <p:spPr/>
+        <p:txBody>
+          <a:bodyPr/>
+          <a:lstStyle/>
+          <a:p>
+            <a:r>
+              <a:rPr lang="en-US" altLang="zh-TW" dirty="0" smtClean="0"/>
+              <a:t>Run06.bat(2)</a:t>
+            </a:r>
+            <a:endParaRPr lang="en-US" dirty="0"/>
+          </a:p>
+        </p:txBody>
+      </p:sp>
+      <p:pic>
+        <p:nvPicPr>
+          <p:cNvPr id="5" name="Picture 4"/>
+          <p:cNvPicPr>
+            <a:picLocks noChangeAspect="1"/>
+          </p:cNvPicPr>
+          <p:nvPr/>
+        </p:nvPicPr>
+        <p:blipFill>
+          <a:blip r:embed="rId2"/>
+          <a:stretch>
+            <a:fillRect/>
+          </a:stretch>
+        </p:blipFill>
+        <p:spPr>
+          <a:xfrm>
+            <a:off x="838200" y="1592517"/>
+            <a:ext cx="10269383" cy="4686954"/>
+          </a:xfrm>
+          <a:prstGeom prst="rect">
+            <a:avLst/>
+          </a:prstGeom>
+        </p:spPr>
+      </p:pic>
+    </p:spTree>
+    <p:extLst>
+      <p:ext uri="{BB962C8B-B14F-4D97-AF65-F5344CB8AC3E}">
+        <p14:creationId xmlns:p14="http://schemas.microsoft.com/office/powerpoint/2010/main" val="1457164536"/>
+      </p:ext>
+    </p:extLst>
+  </p:cSld>
+  <p:clrMapOvr>
+    <a:masterClrMapping/>
+  </p:clrMapOvr>
+</p:sld>
+</file>
+
+<file path=ppt/slides/slide27.xml><?xml version="1.0" encoding="utf-8"?>
+<p:sld xmlns:a="http://schemas.openxmlformats.org/drawingml/2006/main" xmlns:r="http://schemas.openxmlformats.org/officeDocument/2006/relationships" xmlns:p="http://schemas.openxmlformats.org/presentationml/2006/main">
+  <p:cSld>
+    <p:spTree>
+      <p:nvGrpSpPr>
+        <p:cNvPr id="1" name=""/>
+        <p:cNvGrpSpPr/>
+        <p:nvPr/>
+      </p:nvGrpSpPr>
+      <p:grpSpPr>
+        <a:xfrm>
+          <a:off x="0" y="0"/>
+          <a:ext cx="0" cy="0"/>
+          <a:chOff x="0" y="0"/>
+          <a:chExt cx="0" cy="0"/>
+        </a:xfrm>
+      </p:grpSpPr>
+      <p:sp>
+        <p:nvSpPr>
+          <p:cNvPr id="2" name="Title 1"/>
+          <p:cNvSpPr>
+            <a:spLocks noGrp="1"/>
+          </p:cNvSpPr>
+          <p:nvPr>
+            <p:ph type="title"/>
+          </p:nvPr>
+        </p:nvSpPr>
+        <p:spPr/>
+        <p:txBody>
+          <a:bodyPr/>
+          <a:lstStyle/>
+          <a:p>
+            <a:r>
+              <a:rPr lang="en-US" altLang="zh-TW" dirty="0"/>
+              <a:t>Run07.bat</a:t>
+            </a:r>
+            <a:endParaRPr lang="en-US" dirty="0"/>
+          </a:p>
+        </p:txBody>
+      </p:sp>
+      <p:sp>
+        <p:nvSpPr>
+          <p:cNvPr id="3" name="Content Placeholder 2"/>
+          <p:cNvSpPr>
+            <a:spLocks noGrp="1"/>
+          </p:cNvSpPr>
+          <p:nvPr>
+            <p:ph idx="1"/>
+          </p:nvPr>
+        </p:nvSpPr>
+        <p:spPr/>
+        <p:txBody>
+          <a:bodyPr/>
+          <a:lstStyle/>
+          <a:p>
+            <a:endParaRPr lang="en-US"/>
+          </a:p>
+        </p:txBody>
+      </p:sp>
+    </p:spTree>
+    <p:extLst>
+      <p:ext uri="{BB962C8B-B14F-4D97-AF65-F5344CB8AC3E}">
+        <p14:creationId xmlns:p14="http://schemas.microsoft.com/office/powerpoint/2010/main" val="4042267732"/>
+      </p:ext>
+    </p:extLst>
+  </p:cSld>
+  <p:clrMapOvr>
+    <a:masterClrMapping/>
+  </p:clrMapOvr>
+</p:sld>
+</file>
+
+<file path=ppt/slides/slide28.xml><?xml version="1.0" encoding="utf-8"?>
+<p:sld xmlns:a="http://schemas.openxmlformats.org/drawingml/2006/main" xmlns:r="http://schemas.openxmlformats.org/officeDocument/2006/relationships" xmlns:p="http://schemas.openxmlformats.org/presentationml/2006/main">
+  <p:cSld>
+    <p:spTree>
+      <p:nvGrpSpPr>
+        <p:cNvPr id="1" name=""/>
+        <p:cNvGrpSpPr/>
+        <p:nvPr/>
+      </p:nvGrpSpPr>
+      <p:grpSpPr>
+        <a:xfrm>
+          <a:off x="0" y="0"/>
+          <a:ext cx="0" cy="0"/>
+          <a:chOff x="0" y="0"/>
+          <a:chExt cx="0" cy="0"/>
+        </a:xfrm>
+      </p:grpSpPr>
+      <p:sp>
+        <p:nvSpPr>
+          <p:cNvPr id="2" name="Title 1"/>
+          <p:cNvSpPr>
+            <a:spLocks noGrp="1"/>
+          </p:cNvSpPr>
+          <p:nvPr>
+            <p:ph type="title"/>
+          </p:nvPr>
+        </p:nvSpPr>
+        <p:spPr/>
+        <p:txBody>
+          <a:bodyPr/>
+          <a:lstStyle/>
+          <a:p>
+            <a:r>
               <a:rPr lang="en-US" altLang="zh-TW" dirty="0"/>
               <a:t>Some weird</a:t>
             </a:r>
@@ -5907,9 +6312,32 @@
           </a:p>
           <a:p>
             <a:r>
-              <a:rPr lang="en-US" dirty="0"/>
+              <a:rPr lang="en-US" dirty="0" smtClean="0"/>
               <a:t>2024/04/17</a:t>
             </a:r>
+          </a:p>
+          <a:p>
+            <a:r>
+              <a:rPr lang="en-US" altLang="zh-TW" dirty="0" smtClean="0"/>
+              <a:t>2024/04/23</a:t>
+            </a:r>
+            <a:r>
+              <a:rPr lang="zh-TW" altLang="en-US" dirty="0" smtClean="0"/>
+              <a:t>站點資料消失</a:t>
+            </a:r>
+            <a:r>
+              <a:rPr lang="en-US" altLang="zh-TW" dirty="0" smtClean="0"/>
+              <a:t>(</a:t>
+            </a:r>
+            <a:r>
+              <a:rPr lang="zh-TW" altLang="en-US" dirty="0" smtClean="0"/>
+              <a:t>可能在維護</a:t>
+            </a:r>
+            <a:r>
+              <a:rPr lang="en-US" altLang="zh-TW" dirty="0" smtClean="0"/>
+              <a:t>)</a:t>
+            </a:r>
+            <a:endParaRPr lang="en-US" dirty="0"/>
           </a:p>
           <a:p>
             <a:r>
